--- a/aula03.pptx
+++ b/aula03.pptx
@@ -9902,27 +9902,8 @@
                 </a:uFill>
                 <a:latin typeface="Arial"/>
               </a:rPr>
-              <a:t> </a:t>
-            </a:r>
-            <a:r>
-              <a:rPr lang="pt-BR" sz="3200" spc="-1" dirty="0" smtClean="0">
-                <a:uFill>
-                  <a:solidFill>
-                    <a:srgbClr val="FFFFFF"/>
-                  </a:solidFill>
-                </a:uFill>
-                <a:latin typeface="Arial"/>
-              </a:rPr>
-              <a:t>log</a:t>
-            </a:r>
-            <a:endParaRPr lang="pt-BR" sz="3200" spc="-1" dirty="0" smtClean="0">
-              <a:uFill>
-                <a:solidFill>
-                  <a:srgbClr val="FFFFFF"/>
-                </a:solidFill>
-              </a:uFill>
-              <a:latin typeface="Arial"/>
-            </a:endParaRPr>
+              <a:t> log</a:t>
+            </a:r>
           </a:p>
           <a:p>
             <a:pPr>
@@ -10091,27 +10072,8 @@
                 </a:uFill>
                 <a:latin typeface="Arial"/>
               </a:rPr>
-              <a:t> </a:t>
-            </a:r>
-            <a:r>
-              <a:rPr lang="pt-BR" sz="3200" spc="-1" dirty="0" smtClean="0">
-                <a:uFill>
-                  <a:solidFill>
-                    <a:srgbClr val="FFFFFF"/>
-                  </a:solidFill>
-                </a:uFill>
-                <a:latin typeface="Arial"/>
-              </a:rPr>
-              <a:t>merge</a:t>
-            </a:r>
-            <a:endParaRPr lang="pt-BR" sz="3200" spc="-1" dirty="0" smtClean="0">
-              <a:uFill>
-                <a:solidFill>
-                  <a:srgbClr val="FFFFFF"/>
-                </a:solidFill>
-              </a:uFill>
-              <a:latin typeface="Arial"/>
-            </a:endParaRPr>
+              <a:t> merge</a:t>
+            </a:r>
           </a:p>
           <a:p>
             <a:pPr>
@@ -13153,7 +13115,7 @@
               </a:lnSpc>
             </a:pPr>
             <a:r>
-              <a:rPr lang="pt-BR" sz="3200" b="1" spc="-1" dirty="0" err="1" smtClean="0">
+              <a:rPr lang="pt-BR" sz="3200" b="1" spc="-1" dirty="0" smtClean="0">
                 <a:uFill>
                   <a:solidFill>
                     <a:srgbClr val="FFFFFF"/>
@@ -13163,7 +13125,33 @@
                 <a:ea typeface="DejaVu Sans"/>
                 <a:cs typeface="Arial" panose="020B0604020202020204" pitchFamily="34" charset="0"/>
               </a:rPr>
-              <a:t>Credentials</a:t>
+              <a:t>.</a:t>
+            </a:r>
+            <a:r>
+              <a:rPr lang="pt-BR" sz="3200" b="1" spc="-1" dirty="0" err="1" smtClean="0">
+                <a:uFill>
+                  <a:solidFill>
+                    <a:srgbClr val="FFFFFF"/>
+                  </a:solidFill>
+                </a:uFill>
+                <a:latin typeface="Arial" panose="020B0604020202020204" pitchFamily="34" charset="0"/>
+                <a:ea typeface="DejaVu Sans"/>
+                <a:cs typeface="Arial" panose="020B0604020202020204" pitchFamily="34" charset="0"/>
+              </a:rPr>
+              <a:t>g</a:t>
+            </a:r>
+            <a:r>
+              <a:rPr lang="pt-BR" sz="3200" b="1" spc="-1" dirty="0" err="1" smtClean="0">
+                <a:uFill>
+                  <a:solidFill>
+                    <a:srgbClr val="FFFFFF"/>
+                  </a:solidFill>
+                </a:uFill>
+                <a:latin typeface="Arial" panose="020B0604020202020204" pitchFamily="34" charset="0"/>
+                <a:ea typeface="DejaVu Sans"/>
+                <a:cs typeface="Arial" panose="020B0604020202020204" pitchFamily="34" charset="0"/>
+              </a:rPr>
+              <a:t>itignore</a:t>
             </a:r>
             <a:endParaRPr lang="pt-BR" sz="1800" b="1" strike="noStrike" spc="-1" dirty="0">
               <a:uFill>
@@ -13220,231 +13208,327 @@
                 <a:srgbClr val="808080"/>
               </a:buClr>
             </a:pPr>
+            <a:r>
+              <a:rPr lang="pt-BR" sz="2000" b="0" strike="noStrike" spc="-1" dirty="0" smtClean="0">
+                <a:solidFill>
+                  <a:srgbClr val="000000"/>
+                </a:solidFill>
+                <a:uFill>
+                  <a:solidFill>
+                    <a:srgbClr val="FFFFFF"/>
+                  </a:solidFill>
+                </a:uFill>
+                <a:latin typeface="Arial"/>
+              </a:rPr>
+              <a:t>/</a:t>
+            </a:r>
+            <a:r>
+              <a:rPr lang="pt-BR" sz="2000" b="0" strike="noStrike" spc="-1" dirty="0" err="1" smtClean="0">
+                <a:solidFill>
+                  <a:srgbClr val="000000"/>
+                </a:solidFill>
+                <a:uFill>
+                  <a:solidFill>
+                    <a:srgbClr val="FFFFFF"/>
+                  </a:solidFill>
+                </a:uFill>
+                <a:latin typeface="Arial"/>
+              </a:rPr>
+              <a:t>minha_pasta</a:t>
+            </a:r>
+            <a:endParaRPr lang="pt-BR" sz="2000" spc="-1" dirty="0" smtClean="0">
+              <a:solidFill>
+                <a:srgbClr val="000000"/>
+              </a:solidFill>
+              <a:uFill>
+                <a:solidFill>
+                  <a:srgbClr val="FFFFFF"/>
+                </a:solidFill>
+              </a:uFill>
+              <a:latin typeface="Arial"/>
+            </a:endParaRPr>
+          </a:p>
+          <a:p>
+            <a:pPr marL="2160">
+              <a:lnSpc>
+                <a:spcPct val="90000"/>
+              </a:lnSpc>
+              <a:buClr>
+                <a:srgbClr val="808080"/>
+              </a:buClr>
+            </a:pPr>
+            <a:r>
+              <a:rPr lang="pt-BR" sz="2000" b="1" spc="-1" dirty="0" smtClean="0">
+                <a:solidFill>
+                  <a:srgbClr val="000000"/>
+                </a:solidFill>
+                <a:uFill>
+                  <a:solidFill>
+                    <a:srgbClr val="FFFFFF"/>
+                  </a:solidFill>
+                </a:uFill>
+                <a:latin typeface="Arial"/>
+              </a:rPr>
+              <a:t>Ignora tudo o que está na pasta “</a:t>
+            </a:r>
+            <a:r>
+              <a:rPr lang="pt-BR" sz="2000" b="1" spc="-1" dirty="0" err="1" smtClean="0">
+                <a:solidFill>
+                  <a:srgbClr val="000000"/>
+                </a:solidFill>
+                <a:uFill>
+                  <a:solidFill>
+                    <a:srgbClr val="FFFFFF"/>
+                  </a:solidFill>
+                </a:uFill>
+                <a:latin typeface="Arial"/>
+              </a:rPr>
+              <a:t>minha_pasta</a:t>
+            </a:r>
+            <a:r>
+              <a:rPr lang="pt-BR" sz="2000" b="1" spc="-1" dirty="0" smtClean="0">
+                <a:solidFill>
+                  <a:srgbClr val="000000"/>
+                </a:solidFill>
+                <a:uFill>
+                  <a:solidFill>
+                    <a:srgbClr val="FFFFFF"/>
+                  </a:solidFill>
+                </a:uFill>
+                <a:latin typeface="Arial"/>
+              </a:rPr>
+              <a:t>”</a:t>
+            </a:r>
+          </a:p>
+          <a:p>
+            <a:pPr marL="2160">
+              <a:lnSpc>
+                <a:spcPct val="90000"/>
+              </a:lnSpc>
+              <a:buClr>
+                <a:srgbClr val="808080"/>
+              </a:buClr>
+            </a:pPr>
+            <a:endParaRPr lang="pt-BR" sz="2000" spc="-1" dirty="0">
+              <a:solidFill>
+                <a:srgbClr val="000000"/>
+              </a:solidFill>
+              <a:uFill>
+                <a:solidFill>
+                  <a:srgbClr val="FFFFFF"/>
+                </a:solidFill>
+              </a:uFill>
+              <a:latin typeface="Arial"/>
+            </a:endParaRPr>
+          </a:p>
+          <a:p>
+            <a:pPr marL="2160">
+              <a:lnSpc>
+                <a:spcPct val="90000"/>
+              </a:lnSpc>
+              <a:buClr>
+                <a:srgbClr val="808080"/>
+              </a:buClr>
+            </a:pPr>
+            <a:r>
+              <a:rPr lang="pt-BR" sz="2000" spc="-1" dirty="0" smtClean="0">
+                <a:solidFill>
+                  <a:srgbClr val="000000"/>
+                </a:solidFill>
+                <a:uFill>
+                  <a:solidFill>
+                    <a:srgbClr val="FFFFFF"/>
+                  </a:solidFill>
+                </a:uFill>
+                <a:latin typeface="Arial"/>
+              </a:rPr>
+              <a:t>*.</a:t>
+            </a:r>
+            <a:r>
+              <a:rPr lang="pt-BR" sz="2000" spc="-1" dirty="0" err="1" smtClean="0">
+                <a:solidFill>
+                  <a:srgbClr val="000000"/>
+                </a:solidFill>
+                <a:uFill>
+                  <a:solidFill>
+                    <a:srgbClr val="FFFFFF"/>
+                  </a:solidFill>
+                </a:uFill>
+                <a:latin typeface="Arial"/>
+              </a:rPr>
+              <a:t>exe</a:t>
+            </a:r>
+            <a:endParaRPr lang="pt-BR" sz="2000" spc="-1" dirty="0" smtClean="0">
+              <a:solidFill>
+                <a:srgbClr val="000000"/>
+              </a:solidFill>
+              <a:uFill>
+                <a:solidFill>
+                  <a:srgbClr val="FFFFFF"/>
+                </a:solidFill>
+              </a:uFill>
+              <a:latin typeface="Arial"/>
+            </a:endParaRPr>
+          </a:p>
+          <a:p>
+            <a:pPr marL="2160">
+              <a:lnSpc>
+                <a:spcPct val="90000"/>
+              </a:lnSpc>
+              <a:buClr>
+                <a:srgbClr val="808080"/>
+              </a:buClr>
+            </a:pPr>
+            <a:r>
+              <a:rPr lang="pt-BR" sz="2000" b="1" spc="-1" dirty="0" smtClean="0">
+                <a:solidFill>
+                  <a:srgbClr val="000000"/>
+                </a:solidFill>
+                <a:uFill>
+                  <a:solidFill>
+                    <a:srgbClr val="FFFFFF"/>
+                  </a:solidFill>
+                </a:uFill>
+                <a:latin typeface="Arial"/>
+              </a:rPr>
+              <a:t>Ignora todos arquivos com </a:t>
+            </a:r>
+            <a:r>
+              <a:rPr lang="pt-BR" sz="2000" b="1" spc="-1" dirty="0" err="1" smtClean="0">
+                <a:solidFill>
+                  <a:srgbClr val="000000"/>
+                </a:solidFill>
+                <a:uFill>
+                  <a:solidFill>
+                    <a:srgbClr val="FFFFFF"/>
+                  </a:solidFill>
+                </a:uFill>
+                <a:latin typeface="Arial"/>
+              </a:rPr>
+              <a:t>extenção</a:t>
+            </a:r>
+            <a:r>
+              <a:rPr lang="pt-BR" sz="2000" b="1" spc="-1" dirty="0" smtClean="0">
+                <a:solidFill>
+                  <a:srgbClr val="000000"/>
+                </a:solidFill>
+                <a:uFill>
+                  <a:solidFill>
+                    <a:srgbClr val="FFFFFF"/>
+                  </a:solidFill>
+                </a:uFill>
+                <a:latin typeface="Arial"/>
+              </a:rPr>
+              <a:t> .</a:t>
+            </a:r>
+            <a:r>
+              <a:rPr lang="pt-BR" sz="2000" b="1" spc="-1" dirty="0" err="1" smtClean="0">
+                <a:solidFill>
+                  <a:srgbClr val="000000"/>
+                </a:solidFill>
+                <a:uFill>
+                  <a:solidFill>
+                    <a:srgbClr val="FFFFFF"/>
+                  </a:solidFill>
+                </a:uFill>
+                <a:latin typeface="Arial"/>
+              </a:rPr>
+              <a:t>exe</a:t>
+            </a:r>
+            <a:endParaRPr lang="pt-BR" sz="2000" b="1" spc="-1" dirty="0" smtClean="0">
+              <a:solidFill>
+                <a:srgbClr val="000000"/>
+              </a:solidFill>
+              <a:uFill>
+                <a:solidFill>
+                  <a:srgbClr val="FFFFFF"/>
+                </a:solidFill>
+              </a:uFill>
+              <a:latin typeface="Arial"/>
+            </a:endParaRPr>
+          </a:p>
+          <a:p>
+            <a:pPr marL="2160">
+              <a:lnSpc>
+                <a:spcPct val="90000"/>
+              </a:lnSpc>
+              <a:buClr>
+                <a:srgbClr val="808080"/>
+              </a:buClr>
+            </a:pPr>
+            <a:endParaRPr lang="pt-BR" sz="2000" spc="-1" dirty="0">
+              <a:solidFill>
+                <a:srgbClr val="000000"/>
+              </a:solidFill>
+              <a:uFill>
+                <a:solidFill>
+                  <a:srgbClr val="FFFFFF"/>
+                </a:solidFill>
+              </a:uFill>
+              <a:latin typeface="Arial"/>
+            </a:endParaRPr>
+          </a:p>
+          <a:p>
+            <a:pPr marL="2160">
+              <a:lnSpc>
+                <a:spcPct val="90000"/>
+              </a:lnSpc>
+              <a:buClr>
+                <a:srgbClr val="808080"/>
+              </a:buClr>
+            </a:pPr>
+            <a:r>
+              <a:rPr lang="pt-BR" sz="2000" spc="-1" dirty="0" smtClean="0">
+                <a:solidFill>
+                  <a:srgbClr val="000000"/>
+                </a:solidFill>
+                <a:uFill>
+                  <a:solidFill>
+                    <a:srgbClr val="FFFFFF"/>
+                  </a:solidFill>
+                </a:uFill>
+                <a:latin typeface="Arial"/>
+              </a:rPr>
+              <a:t>*ignorar*.*</a:t>
+            </a:r>
+          </a:p>
+          <a:p>
+            <a:pPr marL="2160">
+              <a:lnSpc>
+                <a:spcPct val="90000"/>
+              </a:lnSpc>
+              <a:buClr>
+                <a:srgbClr val="808080"/>
+              </a:buClr>
+            </a:pPr>
+            <a:r>
+              <a:rPr lang="pt-BR" sz="2000" b="1" spc="-1" dirty="0" smtClean="0">
+                <a:solidFill>
+                  <a:srgbClr val="000000"/>
+                </a:solidFill>
+                <a:uFill>
+                  <a:solidFill>
+                    <a:srgbClr val="FFFFFF"/>
+                  </a:solidFill>
+                </a:uFill>
+                <a:latin typeface="Arial"/>
+              </a:rPr>
+              <a:t>Ignora todos arquivos que contenham “ignorar” no nome</a:t>
+            </a:r>
+          </a:p>
+          <a:p>
+            <a:pPr marL="2160">
+              <a:lnSpc>
+                <a:spcPct val="90000"/>
+              </a:lnSpc>
+              <a:buClr>
+                <a:srgbClr val="808080"/>
+              </a:buClr>
+            </a:pPr>
             <a:endParaRPr lang="pt-BR" sz="1800" b="0" strike="noStrike" spc="-1" dirty="0" smtClean="0">
               <a:solidFill>
                 <a:srgbClr val="000000"/>
               </a:solidFill>
-              <a:uFill>
-                <a:solidFill>
-                  <a:srgbClr val="FFFFFF"/>
-                </a:solidFill>
-              </a:uFill>
-              <a:latin typeface="Arial"/>
-            </a:endParaRPr>
-          </a:p>
-          <a:p>
-            <a:pPr>
-              <a:lnSpc>
-                <a:spcPct val="90000"/>
-              </a:lnSpc>
-            </a:pPr>
-            <a:r>
-              <a:rPr lang="pt-BR" sz="3200" spc="-1" dirty="0" err="1">
-                <a:uFill>
-                  <a:solidFill>
-                    <a:srgbClr val="FFFFFF"/>
-                  </a:solidFill>
-                </a:uFill>
-                <a:latin typeface="Arial"/>
-              </a:rPr>
-              <a:t>git</a:t>
-            </a:r>
-            <a:r>
-              <a:rPr lang="pt-BR" sz="3200" spc="-1" dirty="0">
-                <a:uFill>
-                  <a:solidFill>
-                    <a:srgbClr val="FFFFFF"/>
-                  </a:solidFill>
-                </a:uFill>
-                <a:latin typeface="Arial"/>
-              </a:rPr>
-              <a:t> </a:t>
-            </a:r>
-            <a:r>
-              <a:rPr lang="pt-BR" sz="3200" spc="-1" dirty="0" err="1">
-                <a:uFill>
-                  <a:solidFill>
-                    <a:srgbClr val="FFFFFF"/>
-                  </a:solidFill>
-                </a:uFill>
-                <a:latin typeface="Arial"/>
-              </a:rPr>
-              <a:t>config</a:t>
-            </a:r>
-            <a:r>
-              <a:rPr lang="pt-BR" sz="3200" spc="-1" dirty="0">
-                <a:uFill>
-                  <a:solidFill>
-                    <a:srgbClr val="FFFFFF"/>
-                  </a:solidFill>
-                </a:uFill>
-                <a:latin typeface="Arial"/>
-              </a:rPr>
-              <a:t> </a:t>
-            </a:r>
-            <a:r>
-              <a:rPr lang="pt-BR" sz="3200" spc="-1" dirty="0" err="1">
-                <a:uFill>
-                  <a:solidFill>
-                    <a:srgbClr val="FFFFFF"/>
-                  </a:solidFill>
-                </a:uFill>
-                <a:latin typeface="Arial"/>
-              </a:rPr>
-              <a:t>credential.helper</a:t>
-            </a:r>
-            <a:r>
-              <a:rPr lang="pt-BR" sz="3200" spc="-1" dirty="0">
-                <a:uFill>
-                  <a:solidFill>
-                    <a:srgbClr val="FFFFFF"/>
-                  </a:solidFill>
-                </a:uFill>
-                <a:latin typeface="Arial"/>
-              </a:rPr>
-              <a:t> </a:t>
-            </a:r>
-            <a:r>
-              <a:rPr lang="pt-BR" sz="3200" spc="-1" dirty="0" err="1" smtClean="0">
-                <a:uFill>
-                  <a:solidFill>
-                    <a:srgbClr val="FFFFFF"/>
-                  </a:solidFill>
-                </a:uFill>
-                <a:latin typeface="Arial"/>
-              </a:rPr>
-              <a:t>store</a:t>
-            </a:r>
-            <a:endParaRPr lang="pt-BR" sz="3200" spc="-1" dirty="0" smtClean="0">
-              <a:uFill>
-                <a:solidFill>
-                  <a:srgbClr val="FFFFFF"/>
-                </a:solidFill>
-              </a:uFill>
-              <a:latin typeface="Arial"/>
-            </a:endParaRPr>
-          </a:p>
-          <a:p>
-            <a:pPr>
-              <a:lnSpc>
-                <a:spcPct val="90000"/>
-              </a:lnSpc>
-            </a:pPr>
-            <a:endParaRPr lang="pt-BR" sz="3200" spc="-1" dirty="0">
-              <a:uFill>
-                <a:solidFill>
-                  <a:srgbClr val="FFFFFF"/>
-                </a:solidFill>
-              </a:uFill>
-              <a:latin typeface="Arial"/>
-            </a:endParaRPr>
-          </a:p>
-          <a:p>
-            <a:pPr>
-              <a:lnSpc>
-                <a:spcPct val="90000"/>
-              </a:lnSpc>
-            </a:pPr>
-            <a:r>
-              <a:rPr lang="pt-BR" sz="3200" spc="-1" dirty="0" err="1">
-                <a:uFill>
-                  <a:solidFill>
-                    <a:srgbClr val="FFFFFF"/>
-                  </a:solidFill>
-                </a:uFill>
-                <a:latin typeface="Arial"/>
-              </a:rPr>
-              <a:t>g</a:t>
-            </a:r>
-            <a:r>
-              <a:rPr lang="pt-BR" sz="3200" spc="-1" dirty="0" err="1" smtClean="0">
-                <a:uFill>
-                  <a:solidFill>
-                    <a:srgbClr val="FFFFFF"/>
-                  </a:solidFill>
-                </a:uFill>
-                <a:latin typeface="Arial"/>
-              </a:rPr>
-              <a:t>it</a:t>
-            </a:r>
-            <a:r>
-              <a:rPr lang="pt-BR" sz="3200" spc="-1" dirty="0" smtClean="0">
-                <a:uFill>
-                  <a:solidFill>
-                    <a:srgbClr val="FFFFFF"/>
-                  </a:solidFill>
-                </a:uFill>
-                <a:latin typeface="Arial"/>
-              </a:rPr>
-              <a:t> </a:t>
-            </a:r>
-            <a:r>
-              <a:rPr lang="pt-BR" sz="3200" spc="-1" dirty="0" err="1" smtClean="0">
-                <a:uFill>
-                  <a:solidFill>
-                    <a:srgbClr val="FFFFFF"/>
-                  </a:solidFill>
-                </a:uFill>
-                <a:latin typeface="Arial"/>
-              </a:rPr>
-              <a:t>config</a:t>
-            </a:r>
-            <a:r>
-              <a:rPr lang="pt-BR" sz="3200" spc="-1" dirty="0">
-                <a:uFill>
-                  <a:solidFill>
-                    <a:srgbClr val="FFFFFF"/>
-                  </a:solidFill>
-                </a:uFill>
-                <a:latin typeface="Arial"/>
-              </a:rPr>
-              <a:t> </a:t>
-            </a:r>
-            <a:r>
-              <a:rPr lang="pt-BR" sz="3200" spc="-1" dirty="0" smtClean="0">
-                <a:uFill>
-                  <a:solidFill>
-                    <a:srgbClr val="FFFFFF"/>
-                  </a:solidFill>
-                </a:uFill>
-                <a:latin typeface="Arial"/>
-              </a:rPr>
-              <a:t>--system --</a:t>
-            </a:r>
-            <a:r>
-              <a:rPr lang="pt-BR" sz="3200" spc="-1" dirty="0" err="1" smtClean="0">
-                <a:uFill>
-                  <a:solidFill>
-                    <a:srgbClr val="FFFFFF"/>
-                  </a:solidFill>
-                </a:uFill>
-                <a:latin typeface="Arial"/>
-              </a:rPr>
-              <a:t>unset</a:t>
-            </a:r>
-            <a:r>
-              <a:rPr lang="pt-BR" sz="3200" spc="-1" dirty="0" smtClean="0">
-                <a:uFill>
-                  <a:solidFill>
-                    <a:srgbClr val="FFFFFF"/>
-                  </a:solidFill>
-                </a:uFill>
-                <a:latin typeface="Arial"/>
-              </a:rPr>
-              <a:t> </a:t>
-            </a:r>
-            <a:r>
-              <a:rPr lang="pt-BR" sz="3200" spc="-1" dirty="0" err="1" smtClean="0">
-                <a:uFill>
-                  <a:solidFill>
-                    <a:srgbClr val="FFFFFF"/>
-                  </a:solidFill>
-                </a:uFill>
-                <a:latin typeface="Arial"/>
-              </a:rPr>
-              <a:t>credential.helper</a:t>
-            </a:r>
-            <a:endParaRPr lang="pt-BR" sz="3200" spc="-1" dirty="0" smtClean="0">
               <a:uFill>
                 <a:solidFill>
                   <a:srgbClr val="FFFFFF"/>

--- a/aula03.pptx
+++ b/aula03.pptx
@@ -5,10 +5,10 @@
     <p:sldMasterId id="2147483661" r:id="rId1"/>
   </p:sldMasterIdLst>
   <p:notesMasterIdLst>
-    <p:notesMasterId r:id="rId26"/>
+    <p:notesMasterId r:id="rId15"/>
   </p:notesMasterIdLst>
   <p:handoutMasterIdLst>
-    <p:handoutMasterId r:id="rId27"/>
+    <p:handoutMasterId r:id="rId16"/>
   </p:handoutMasterIdLst>
   <p:sldIdLst>
     <p:sldId id="256" r:id="rId2"/>
@@ -18,23 +18,12 @@
     <p:sldId id="295" r:id="rId6"/>
     <p:sldId id="296" r:id="rId7"/>
     <p:sldId id="297" r:id="rId8"/>
-    <p:sldId id="285" r:id="rId9"/>
-    <p:sldId id="290" r:id="rId10"/>
-    <p:sldId id="289" r:id="rId11"/>
-    <p:sldId id="286" r:id="rId12"/>
-    <p:sldId id="287" r:id="rId13"/>
-    <p:sldId id="288" r:id="rId14"/>
-    <p:sldId id="293" r:id="rId15"/>
-    <p:sldId id="264" r:id="rId16"/>
-    <p:sldId id="265" r:id="rId17"/>
-    <p:sldId id="270" r:id="rId18"/>
-    <p:sldId id="266" r:id="rId19"/>
-    <p:sldId id="271" r:id="rId20"/>
-    <p:sldId id="272" r:id="rId21"/>
-    <p:sldId id="273" r:id="rId22"/>
-    <p:sldId id="274" r:id="rId23"/>
-    <p:sldId id="275" r:id="rId24"/>
-    <p:sldId id="267" r:id="rId25"/>
+    <p:sldId id="264" r:id="rId9"/>
+    <p:sldId id="265" r:id="rId10"/>
+    <p:sldId id="270" r:id="rId11"/>
+    <p:sldId id="266" r:id="rId12"/>
+    <p:sldId id="271" r:id="rId13"/>
+    <p:sldId id="272" r:id="rId14"/>
   </p:sldIdLst>
   <p:sldSz cx="12192000" cy="6858000"/>
   <p:notesSz cx="7559675" cy="10691813"/>
@@ -237,7 +226,7 @@
           <a:p>
             <a:fld id="{6C49945D-C7A5-4C24-8C40-26DF39573107}" type="datetimeFigureOut">
               <a:rPr lang="pt-BR" smtClean="0"/>
-              <a:t>12/11/2019</a:t>
+              <a:t>18/11/2019</a:t>
             </a:fld>
             <a:endParaRPr lang="pt-BR"/>
           </a:p>
@@ -402,7 +391,7 @@
           <a:p>
             <a:fld id="{89E744D0-4B69-4805-8E5B-2ED33711F7F9}" type="datetimeFigureOut">
               <a:rPr lang="pt-BR" smtClean="0"/>
-              <a:t>12/11/2019</a:t>
+              <a:t>18/11/2019</a:t>
             </a:fld>
             <a:endParaRPr lang="pt-BR"/>
           </a:p>
@@ -735,7 +724,7 @@
           <a:p>
             <a:fld id="{D986AB5F-DE36-496E-8AB9-DFE6C126C4FD}" type="slidenum">
               <a:rPr lang="pt-BR" smtClean="0"/>
-              <a:t>19</a:t>
+              <a:t>12</a:t>
             </a:fld>
             <a:endParaRPr lang="pt-BR"/>
           </a:p>
@@ -819,7 +808,7 @@
           <a:p>
             <a:fld id="{D986AB5F-DE36-496E-8AB9-DFE6C126C4FD}" type="slidenum">
               <a:rPr lang="pt-BR" smtClean="0"/>
-              <a:t>20</a:t>
+              <a:t>13</a:t>
             </a:fld>
             <a:endParaRPr lang="pt-BR"/>
           </a:p>
@@ -829,258 +818,6 @@
     <p:extLst>
       <p:ext uri="{BB962C8B-B14F-4D97-AF65-F5344CB8AC3E}">
         <p14:creationId xmlns:p14="http://schemas.microsoft.com/office/powerpoint/2010/main" val="1074595165"/>
-      </p:ext>
-    </p:extLst>
-  </p:cSld>
-  <p:clrMapOvr>
-    <a:masterClrMapping/>
-  </p:clrMapOvr>
-</p:notes>
-</file>
-
-<file path=ppt/notesSlides/notesSlide3.xml><?xml version="1.0" encoding="utf-8"?>
-<p:notes xmlns:a="http://schemas.openxmlformats.org/drawingml/2006/main" xmlns:r="http://schemas.openxmlformats.org/officeDocument/2006/relationships" xmlns:p="http://schemas.openxmlformats.org/presentationml/2006/main">
-  <p:cSld>
-    <p:spTree>
-      <p:nvGrpSpPr>
-        <p:cNvPr id="1" name=""/>
-        <p:cNvGrpSpPr/>
-        <p:nvPr/>
-      </p:nvGrpSpPr>
-      <p:grpSpPr>
-        <a:xfrm>
-          <a:off x="0" y="0"/>
-          <a:ext cx="0" cy="0"/>
-          <a:chOff x="0" y="0"/>
-          <a:chExt cx="0" cy="0"/>
-        </a:xfrm>
-      </p:grpSpPr>
-      <p:sp>
-        <p:nvSpPr>
-          <p:cNvPr id="2" name="Espaço Reservado para Imagem de Slide 1"/>
-          <p:cNvSpPr>
-            <a:spLocks noGrp="1" noRot="1" noChangeAspect="1"/>
-          </p:cNvSpPr>
-          <p:nvPr>
-            <p:ph type="sldImg"/>
-          </p:nvPr>
-        </p:nvSpPr>
-        <p:spPr/>
-      </p:sp>
-      <p:sp>
-        <p:nvSpPr>
-          <p:cNvPr id="3" name="Espaço Reservado para Anotações 2"/>
-          <p:cNvSpPr>
-            <a:spLocks noGrp="1"/>
-          </p:cNvSpPr>
-          <p:nvPr>
-            <p:ph type="body" idx="1"/>
-          </p:nvPr>
-        </p:nvSpPr>
-        <p:spPr/>
-        <p:txBody>
-          <a:bodyPr/>
-          <a:lstStyle/>
-          <a:p>
-            <a:endParaRPr lang="pt-BR" dirty="0"/>
-          </a:p>
-        </p:txBody>
-      </p:sp>
-      <p:sp>
-        <p:nvSpPr>
-          <p:cNvPr id="4" name="Espaço Reservado para Número de Slide 3"/>
-          <p:cNvSpPr>
-            <a:spLocks noGrp="1"/>
-          </p:cNvSpPr>
-          <p:nvPr>
-            <p:ph type="sldNum" sz="quarter" idx="10"/>
-          </p:nvPr>
-        </p:nvSpPr>
-        <p:spPr/>
-        <p:txBody>
-          <a:bodyPr/>
-          <a:lstStyle/>
-          <a:p>
-            <a:fld id="{D986AB5F-DE36-496E-8AB9-DFE6C126C4FD}" type="slidenum">
-              <a:rPr lang="pt-BR" smtClean="0"/>
-              <a:t>21</a:t>
-            </a:fld>
-            <a:endParaRPr lang="pt-BR"/>
-          </a:p>
-        </p:txBody>
-      </p:sp>
-    </p:spTree>
-    <p:extLst>
-      <p:ext uri="{BB962C8B-B14F-4D97-AF65-F5344CB8AC3E}">
-        <p14:creationId xmlns:p14="http://schemas.microsoft.com/office/powerpoint/2010/main" val="1977726863"/>
-      </p:ext>
-    </p:extLst>
-  </p:cSld>
-  <p:clrMapOvr>
-    <a:masterClrMapping/>
-  </p:clrMapOvr>
-</p:notes>
-</file>
-
-<file path=ppt/notesSlides/notesSlide4.xml><?xml version="1.0" encoding="utf-8"?>
-<p:notes xmlns:a="http://schemas.openxmlformats.org/drawingml/2006/main" xmlns:r="http://schemas.openxmlformats.org/officeDocument/2006/relationships" xmlns:p="http://schemas.openxmlformats.org/presentationml/2006/main">
-  <p:cSld>
-    <p:spTree>
-      <p:nvGrpSpPr>
-        <p:cNvPr id="1" name=""/>
-        <p:cNvGrpSpPr/>
-        <p:nvPr/>
-      </p:nvGrpSpPr>
-      <p:grpSpPr>
-        <a:xfrm>
-          <a:off x="0" y="0"/>
-          <a:ext cx="0" cy="0"/>
-          <a:chOff x="0" y="0"/>
-          <a:chExt cx="0" cy="0"/>
-        </a:xfrm>
-      </p:grpSpPr>
-      <p:sp>
-        <p:nvSpPr>
-          <p:cNvPr id="2" name="Espaço Reservado para Imagem de Slide 1"/>
-          <p:cNvSpPr>
-            <a:spLocks noGrp="1" noRot="1" noChangeAspect="1"/>
-          </p:cNvSpPr>
-          <p:nvPr>
-            <p:ph type="sldImg"/>
-          </p:nvPr>
-        </p:nvSpPr>
-        <p:spPr/>
-      </p:sp>
-      <p:sp>
-        <p:nvSpPr>
-          <p:cNvPr id="3" name="Espaço Reservado para Anotações 2"/>
-          <p:cNvSpPr>
-            <a:spLocks noGrp="1"/>
-          </p:cNvSpPr>
-          <p:nvPr>
-            <p:ph type="body" idx="1"/>
-          </p:nvPr>
-        </p:nvSpPr>
-        <p:spPr/>
-        <p:txBody>
-          <a:bodyPr/>
-          <a:lstStyle/>
-          <a:p>
-            <a:endParaRPr lang="pt-BR" dirty="0"/>
-          </a:p>
-        </p:txBody>
-      </p:sp>
-      <p:sp>
-        <p:nvSpPr>
-          <p:cNvPr id="4" name="Espaço Reservado para Número de Slide 3"/>
-          <p:cNvSpPr>
-            <a:spLocks noGrp="1"/>
-          </p:cNvSpPr>
-          <p:nvPr>
-            <p:ph type="sldNum" sz="quarter" idx="10"/>
-          </p:nvPr>
-        </p:nvSpPr>
-        <p:spPr/>
-        <p:txBody>
-          <a:bodyPr/>
-          <a:lstStyle/>
-          <a:p>
-            <a:fld id="{D986AB5F-DE36-496E-8AB9-DFE6C126C4FD}" type="slidenum">
-              <a:rPr lang="pt-BR" smtClean="0"/>
-              <a:t>22</a:t>
-            </a:fld>
-            <a:endParaRPr lang="pt-BR"/>
-          </a:p>
-        </p:txBody>
-      </p:sp>
-    </p:spTree>
-    <p:extLst>
-      <p:ext uri="{BB962C8B-B14F-4D97-AF65-F5344CB8AC3E}">
-        <p14:creationId xmlns:p14="http://schemas.microsoft.com/office/powerpoint/2010/main" val="3871945905"/>
-      </p:ext>
-    </p:extLst>
-  </p:cSld>
-  <p:clrMapOvr>
-    <a:masterClrMapping/>
-  </p:clrMapOvr>
-</p:notes>
-</file>
-
-<file path=ppt/notesSlides/notesSlide5.xml><?xml version="1.0" encoding="utf-8"?>
-<p:notes xmlns:a="http://schemas.openxmlformats.org/drawingml/2006/main" xmlns:r="http://schemas.openxmlformats.org/officeDocument/2006/relationships" xmlns:p="http://schemas.openxmlformats.org/presentationml/2006/main">
-  <p:cSld>
-    <p:spTree>
-      <p:nvGrpSpPr>
-        <p:cNvPr id="1" name=""/>
-        <p:cNvGrpSpPr/>
-        <p:nvPr/>
-      </p:nvGrpSpPr>
-      <p:grpSpPr>
-        <a:xfrm>
-          <a:off x="0" y="0"/>
-          <a:ext cx="0" cy="0"/>
-          <a:chOff x="0" y="0"/>
-          <a:chExt cx="0" cy="0"/>
-        </a:xfrm>
-      </p:grpSpPr>
-      <p:sp>
-        <p:nvSpPr>
-          <p:cNvPr id="2" name="Espaço Reservado para Imagem de Slide 1"/>
-          <p:cNvSpPr>
-            <a:spLocks noGrp="1" noRot="1" noChangeAspect="1"/>
-          </p:cNvSpPr>
-          <p:nvPr>
-            <p:ph type="sldImg"/>
-          </p:nvPr>
-        </p:nvSpPr>
-        <p:spPr/>
-      </p:sp>
-      <p:sp>
-        <p:nvSpPr>
-          <p:cNvPr id="3" name="Espaço Reservado para Anotações 2"/>
-          <p:cNvSpPr>
-            <a:spLocks noGrp="1"/>
-          </p:cNvSpPr>
-          <p:nvPr>
-            <p:ph type="body" idx="1"/>
-          </p:nvPr>
-        </p:nvSpPr>
-        <p:spPr/>
-        <p:txBody>
-          <a:bodyPr/>
-          <a:lstStyle/>
-          <a:p>
-            <a:endParaRPr lang="pt-BR" dirty="0"/>
-          </a:p>
-        </p:txBody>
-      </p:sp>
-      <p:sp>
-        <p:nvSpPr>
-          <p:cNvPr id="4" name="Espaço Reservado para Número de Slide 3"/>
-          <p:cNvSpPr>
-            <a:spLocks noGrp="1"/>
-          </p:cNvSpPr>
-          <p:nvPr>
-            <p:ph type="sldNum" sz="quarter" idx="10"/>
-          </p:nvPr>
-        </p:nvSpPr>
-        <p:spPr/>
-        <p:txBody>
-          <a:bodyPr/>
-          <a:lstStyle/>
-          <a:p>
-            <a:fld id="{D986AB5F-DE36-496E-8AB9-DFE6C126C4FD}" type="slidenum">
-              <a:rPr lang="pt-BR" smtClean="0"/>
-              <a:t>23</a:t>
-            </a:fld>
-            <a:endParaRPr lang="pt-BR"/>
-          </a:p>
-        </p:txBody>
-      </p:sp>
-    </p:spTree>
-    <p:extLst>
-      <p:ext uri="{BB962C8B-B14F-4D97-AF65-F5344CB8AC3E}">
-        <p14:creationId xmlns:p14="http://schemas.microsoft.com/office/powerpoint/2010/main" val="525117678"/>
       </p:ext>
     </p:extLst>
   </p:cSld>
@@ -1221,7 +958,7 @@
           <a:p>
             <a:fld id="{AFCDBBB8-40EA-44D2-B029-6DE6549FEB5E}" type="datetimeFigureOut">
               <a:rPr lang="pt-BR" smtClean="0"/>
-              <a:t>12/11/2019</a:t>
+              <a:t>18/11/2019</a:t>
             </a:fld>
             <a:endParaRPr lang="pt-BR"/>
           </a:p>
@@ -1391,7 +1128,7 @@
           <a:p>
             <a:fld id="{AFCDBBB8-40EA-44D2-B029-6DE6549FEB5E}" type="datetimeFigureOut">
               <a:rPr lang="pt-BR" smtClean="0"/>
-              <a:t>12/11/2019</a:t>
+              <a:t>18/11/2019</a:t>
             </a:fld>
             <a:endParaRPr lang="pt-BR"/>
           </a:p>
@@ -1571,7 +1308,7 @@
           <a:p>
             <a:fld id="{AFCDBBB8-40EA-44D2-B029-6DE6549FEB5E}" type="datetimeFigureOut">
               <a:rPr lang="pt-BR" smtClean="0"/>
-              <a:t>12/11/2019</a:t>
+              <a:t>18/11/2019</a:t>
             </a:fld>
             <a:endParaRPr lang="pt-BR"/>
           </a:p>
@@ -1741,7 +1478,7 @@
           <a:p>
             <a:fld id="{AFCDBBB8-40EA-44D2-B029-6DE6549FEB5E}" type="datetimeFigureOut">
               <a:rPr lang="pt-BR" smtClean="0"/>
-              <a:t>12/11/2019</a:t>
+              <a:t>18/11/2019</a:t>
             </a:fld>
             <a:endParaRPr lang="pt-BR"/>
           </a:p>
@@ -1987,7 +1724,7 @@
           <a:p>
             <a:fld id="{AFCDBBB8-40EA-44D2-B029-6DE6549FEB5E}" type="datetimeFigureOut">
               <a:rPr lang="pt-BR" smtClean="0"/>
-              <a:t>12/11/2019</a:t>
+              <a:t>18/11/2019</a:t>
             </a:fld>
             <a:endParaRPr lang="pt-BR"/>
           </a:p>
@@ -2219,7 +1956,7 @@
           <a:p>
             <a:fld id="{AFCDBBB8-40EA-44D2-B029-6DE6549FEB5E}" type="datetimeFigureOut">
               <a:rPr lang="pt-BR" smtClean="0"/>
-              <a:t>12/11/2019</a:t>
+              <a:t>18/11/2019</a:t>
             </a:fld>
             <a:endParaRPr lang="pt-BR"/>
           </a:p>
@@ -2586,7 +2323,7 @@
           <a:p>
             <a:fld id="{AFCDBBB8-40EA-44D2-B029-6DE6549FEB5E}" type="datetimeFigureOut">
               <a:rPr lang="pt-BR" smtClean="0"/>
-              <a:t>12/11/2019</a:t>
+              <a:t>18/11/2019</a:t>
             </a:fld>
             <a:endParaRPr lang="pt-BR"/>
           </a:p>
@@ -2704,7 +2441,7 @@
           <a:p>
             <a:fld id="{AFCDBBB8-40EA-44D2-B029-6DE6549FEB5E}" type="datetimeFigureOut">
               <a:rPr lang="pt-BR" smtClean="0"/>
-              <a:t>12/11/2019</a:t>
+              <a:t>18/11/2019</a:t>
             </a:fld>
             <a:endParaRPr lang="pt-BR"/>
           </a:p>
@@ -2799,7 +2536,7 @@
           <a:p>
             <a:fld id="{AFCDBBB8-40EA-44D2-B029-6DE6549FEB5E}" type="datetimeFigureOut">
               <a:rPr lang="pt-BR" smtClean="0"/>
-              <a:t>12/11/2019</a:t>
+              <a:t>18/11/2019</a:t>
             </a:fld>
             <a:endParaRPr lang="pt-BR"/>
           </a:p>
@@ -3076,7 +2813,7 @@
           <a:p>
             <a:fld id="{AFCDBBB8-40EA-44D2-B029-6DE6549FEB5E}" type="datetimeFigureOut">
               <a:rPr lang="pt-BR" smtClean="0"/>
-              <a:t>12/11/2019</a:t>
+              <a:t>18/11/2019</a:t>
             </a:fld>
             <a:endParaRPr lang="pt-BR"/>
           </a:p>
@@ -3329,7 +3066,7 @@
           <a:p>
             <a:fld id="{AFCDBBB8-40EA-44D2-B029-6DE6549FEB5E}" type="datetimeFigureOut">
               <a:rPr lang="pt-BR" smtClean="0"/>
-              <a:t>12/11/2019</a:t>
+              <a:t>18/11/2019</a:t>
             </a:fld>
             <a:endParaRPr lang="pt-BR"/>
           </a:p>
@@ -3542,7 +3279,7 @@
           <a:p>
             <a:fld id="{AFCDBBB8-40EA-44D2-B029-6DE6549FEB5E}" type="datetimeFigureOut">
               <a:rPr lang="pt-BR" smtClean="0"/>
-              <a:t>12/11/2019</a:t>
+              <a:t>18/11/2019</a:t>
             </a:fld>
             <a:endParaRPr lang="pt-BR"/>
           </a:p>
@@ -4095,4033 +3832,6 @@
       </p:grpSpPr>
       <p:sp>
         <p:nvSpPr>
-          <p:cNvPr id="168" name="CustomShape 1"/>
-          <p:cNvSpPr/>
-          <p:nvPr/>
-        </p:nvSpPr>
-        <p:spPr>
-          <a:xfrm>
-            <a:off x="217800" y="-18720"/>
-            <a:ext cx="10513440" cy="1323360"/>
-          </a:xfrm>
-          <a:prstGeom prst="rect">
-            <a:avLst/>
-          </a:prstGeom>
-          <a:noFill/>
-          <a:ln>
-            <a:noFill/>
-          </a:ln>
-        </p:spPr>
-        <p:style>
-          <a:lnRef idx="0">
-            <a:scrgbClr r="0" g="0" b="0"/>
-          </a:lnRef>
-          <a:fillRef idx="0">
-            <a:scrgbClr r="0" g="0" b="0"/>
-          </a:fillRef>
-          <a:effectRef idx="0">
-            <a:scrgbClr r="0" g="0" b="0"/>
-          </a:effectRef>
-          <a:fontRef idx="minor"/>
-        </p:style>
-        <p:txBody>
-          <a:bodyPr lIns="90000" tIns="45000" rIns="90000" bIns="45000" anchor="ctr"/>
-          <a:lstStyle/>
-          <a:p>
-            <a:pPr>
-              <a:lnSpc>
-                <a:spcPct val="100000"/>
-              </a:lnSpc>
-            </a:pPr>
-            <a:r>
-              <a:rPr lang="pt-BR" sz="3200" b="1" spc="-1" dirty="0" err="1" smtClean="0">
-                <a:uFill>
-                  <a:solidFill>
-                    <a:srgbClr val="FFFFFF"/>
-                  </a:solidFill>
-                </a:uFill>
-                <a:latin typeface="Arial" panose="020B0604020202020204" pitchFamily="34" charset="0"/>
-                <a:cs typeface="Arial" panose="020B0604020202020204" pitchFamily="34" charset="0"/>
-              </a:rPr>
-              <a:t>git</a:t>
-            </a:r>
-            <a:r>
-              <a:rPr lang="pt-BR" sz="3200" b="1" spc="-1" dirty="0" smtClean="0">
-                <a:uFill>
-                  <a:solidFill>
-                    <a:srgbClr val="FFFFFF"/>
-                  </a:solidFill>
-                </a:uFill>
-                <a:latin typeface="Arial" panose="020B0604020202020204" pitchFamily="34" charset="0"/>
-                <a:cs typeface="Arial" panose="020B0604020202020204" pitchFamily="34" charset="0"/>
-              </a:rPr>
-              <a:t> log</a:t>
-            </a:r>
-            <a:endParaRPr lang="pt-BR" sz="1800" b="1" strike="noStrike" spc="-1" dirty="0">
-              <a:uFill>
-                <a:solidFill>
-                  <a:srgbClr val="FFFFFF"/>
-                </a:solidFill>
-              </a:uFill>
-              <a:latin typeface="Arial" panose="020B0604020202020204" pitchFamily="34" charset="0"/>
-              <a:cs typeface="Arial" panose="020B0604020202020204" pitchFamily="34" charset="0"/>
-            </a:endParaRPr>
-          </a:p>
-        </p:txBody>
-      </p:sp>
-      <p:sp>
-        <p:nvSpPr>
-          <p:cNvPr id="6" name="CustomShape 2"/>
-          <p:cNvSpPr/>
-          <p:nvPr/>
-        </p:nvSpPr>
-        <p:spPr>
-          <a:xfrm>
-            <a:off x="334800" y="1649192"/>
-            <a:ext cx="11543400" cy="2067840"/>
-          </a:xfrm>
-          <a:prstGeom prst="rect">
-            <a:avLst/>
-          </a:prstGeom>
-          <a:noFill/>
-          <a:ln>
-            <a:noFill/>
-          </a:ln>
-        </p:spPr>
-        <p:style>
-          <a:lnRef idx="0">
-            <a:scrgbClr r="0" g="0" b="0"/>
-          </a:lnRef>
-          <a:fillRef idx="0">
-            <a:scrgbClr r="0" g="0" b="0"/>
-          </a:fillRef>
-          <a:effectRef idx="0">
-            <a:scrgbClr r="0" g="0" b="0"/>
-          </a:effectRef>
-          <a:fontRef idx="minor"/>
-        </p:style>
-        <p:txBody>
-          <a:bodyPr lIns="90000" tIns="45000" rIns="90000" bIns="45000"/>
-          <a:lstStyle/>
-          <a:p>
-            <a:pPr marL="2160">
-              <a:lnSpc>
-                <a:spcPct val="90000"/>
-              </a:lnSpc>
-              <a:buClr>
-                <a:srgbClr val="808080"/>
-              </a:buClr>
-            </a:pPr>
-            <a:endParaRPr lang="pt-BR" sz="1800" b="0" strike="noStrike" spc="-1" dirty="0" smtClean="0">
-              <a:solidFill>
-                <a:srgbClr val="000000"/>
-              </a:solidFill>
-              <a:uFill>
-                <a:solidFill>
-                  <a:srgbClr val="FFFFFF"/>
-                </a:solidFill>
-              </a:uFill>
-              <a:latin typeface="Arial"/>
-            </a:endParaRPr>
-          </a:p>
-          <a:p>
-            <a:pPr>
-              <a:lnSpc>
-                <a:spcPct val="90000"/>
-              </a:lnSpc>
-            </a:pPr>
-            <a:r>
-              <a:rPr lang="pt-BR" sz="3200" spc="-1" dirty="0" err="1">
-                <a:uFill>
-                  <a:solidFill>
-                    <a:srgbClr val="FFFFFF"/>
-                  </a:solidFill>
-                </a:uFill>
-                <a:latin typeface="Arial"/>
-              </a:rPr>
-              <a:t>g</a:t>
-            </a:r>
-            <a:r>
-              <a:rPr lang="pt-BR" sz="3200" spc="-1" dirty="0" err="1" smtClean="0">
-                <a:uFill>
-                  <a:solidFill>
-                    <a:srgbClr val="FFFFFF"/>
-                  </a:solidFill>
-                </a:uFill>
-                <a:latin typeface="Arial"/>
-              </a:rPr>
-              <a:t>it</a:t>
-            </a:r>
-            <a:r>
-              <a:rPr lang="pt-BR" sz="3200" spc="-1" dirty="0" smtClean="0">
-                <a:uFill>
-                  <a:solidFill>
-                    <a:srgbClr val="FFFFFF"/>
-                  </a:solidFill>
-                </a:uFill>
-                <a:latin typeface="Arial"/>
-              </a:rPr>
-              <a:t> log</a:t>
-            </a:r>
-          </a:p>
-          <a:p>
-            <a:pPr>
-              <a:lnSpc>
-                <a:spcPct val="90000"/>
-              </a:lnSpc>
-            </a:pPr>
-            <a:endParaRPr lang="pt-BR" sz="3200" spc="-1" dirty="0">
-              <a:uFill>
-                <a:solidFill>
-                  <a:srgbClr val="FFFFFF"/>
-                </a:solidFill>
-              </a:uFill>
-              <a:latin typeface="Arial"/>
-            </a:endParaRPr>
-          </a:p>
-          <a:p>
-            <a:pPr>
-              <a:lnSpc>
-                <a:spcPct val="90000"/>
-              </a:lnSpc>
-            </a:pPr>
-            <a:r>
-              <a:rPr lang="pt-BR" sz="3200" spc="-1" dirty="0" err="1">
-                <a:uFill>
-                  <a:solidFill>
-                    <a:srgbClr val="FFFFFF"/>
-                  </a:solidFill>
-                </a:uFill>
-                <a:latin typeface="Arial"/>
-              </a:rPr>
-              <a:t>g</a:t>
-            </a:r>
-            <a:r>
-              <a:rPr lang="pt-BR" sz="3200" spc="-1" dirty="0" err="1" smtClean="0">
-                <a:uFill>
-                  <a:solidFill>
-                    <a:srgbClr val="FFFFFF"/>
-                  </a:solidFill>
-                </a:uFill>
-                <a:latin typeface="Arial"/>
-              </a:rPr>
-              <a:t>it</a:t>
-            </a:r>
-            <a:r>
-              <a:rPr lang="pt-BR" sz="3200" spc="-1" dirty="0" smtClean="0">
-                <a:uFill>
-                  <a:solidFill>
-                    <a:srgbClr val="FFFFFF"/>
-                  </a:solidFill>
-                </a:uFill>
-                <a:latin typeface="Arial"/>
-              </a:rPr>
-              <a:t> log -p -2 (só as diferenças, só os últimos 2 </a:t>
-            </a:r>
-            <a:r>
-              <a:rPr lang="pt-BR" sz="3200" spc="-1" dirty="0" err="1" smtClean="0">
-                <a:uFill>
-                  <a:solidFill>
-                    <a:srgbClr val="FFFFFF"/>
-                  </a:solidFill>
-                </a:uFill>
-                <a:latin typeface="Arial"/>
-              </a:rPr>
-              <a:t>commits</a:t>
-            </a:r>
-            <a:r>
-              <a:rPr lang="pt-BR" sz="3200" spc="-1" dirty="0" smtClean="0">
-                <a:uFill>
-                  <a:solidFill>
-                    <a:srgbClr val="FFFFFF"/>
-                  </a:solidFill>
-                </a:uFill>
-                <a:latin typeface="Arial"/>
-              </a:rPr>
-              <a:t>)</a:t>
-            </a:r>
-          </a:p>
-          <a:p>
-            <a:pPr>
-              <a:lnSpc>
-                <a:spcPct val="90000"/>
-              </a:lnSpc>
-            </a:pPr>
-            <a:endParaRPr lang="pt-BR" sz="3200" spc="-1" dirty="0">
-              <a:uFill>
-                <a:solidFill>
-                  <a:srgbClr val="FFFFFF"/>
-                </a:solidFill>
-              </a:uFill>
-              <a:latin typeface="Arial"/>
-            </a:endParaRPr>
-          </a:p>
-          <a:p>
-            <a:pPr>
-              <a:lnSpc>
-                <a:spcPct val="90000"/>
-              </a:lnSpc>
-            </a:pPr>
-            <a:r>
-              <a:rPr lang="pt-BR" sz="3200" spc="-1" dirty="0" err="1">
-                <a:uFill>
-                  <a:solidFill>
-                    <a:srgbClr val="FFFFFF"/>
-                  </a:solidFill>
-                </a:uFill>
-                <a:latin typeface="Arial"/>
-              </a:rPr>
-              <a:t>g</a:t>
-            </a:r>
-            <a:r>
-              <a:rPr lang="pt-BR" sz="3200" spc="-1" dirty="0" err="1" smtClean="0">
-                <a:uFill>
-                  <a:solidFill>
-                    <a:srgbClr val="FFFFFF"/>
-                  </a:solidFill>
-                </a:uFill>
-                <a:latin typeface="Arial"/>
-              </a:rPr>
-              <a:t>it</a:t>
-            </a:r>
-            <a:r>
-              <a:rPr lang="pt-BR" sz="3200" spc="-1" dirty="0" smtClean="0">
-                <a:uFill>
-                  <a:solidFill>
-                    <a:srgbClr val="FFFFFF"/>
-                  </a:solidFill>
-                </a:uFill>
-                <a:latin typeface="Arial"/>
-              </a:rPr>
-              <a:t> log --</a:t>
-            </a:r>
-            <a:r>
-              <a:rPr lang="pt-BR" sz="3200" spc="-1" dirty="0" err="1" smtClean="0">
-                <a:uFill>
-                  <a:solidFill>
-                    <a:srgbClr val="FFFFFF"/>
-                  </a:solidFill>
-                </a:uFill>
-                <a:latin typeface="Arial"/>
-              </a:rPr>
-              <a:t>stat</a:t>
-            </a:r>
-            <a:r>
-              <a:rPr lang="pt-BR" sz="3200" spc="-1" dirty="0" smtClean="0">
-                <a:uFill>
-                  <a:solidFill>
-                    <a:srgbClr val="FFFFFF"/>
-                  </a:solidFill>
-                </a:uFill>
-                <a:latin typeface="Arial"/>
-              </a:rPr>
-              <a:t> (status de cada </a:t>
-            </a:r>
-            <a:r>
-              <a:rPr lang="pt-BR" sz="3200" spc="-1" dirty="0" err="1" smtClean="0">
-                <a:uFill>
-                  <a:solidFill>
-                    <a:srgbClr val="FFFFFF"/>
-                  </a:solidFill>
-                </a:uFill>
-                <a:latin typeface="Arial"/>
-              </a:rPr>
-              <a:t>commit</a:t>
-            </a:r>
-            <a:r>
-              <a:rPr lang="pt-BR" sz="3200" spc="-1" dirty="0" smtClean="0">
-                <a:uFill>
-                  <a:solidFill>
-                    <a:srgbClr val="FFFFFF"/>
-                  </a:solidFill>
-                </a:uFill>
-                <a:latin typeface="Arial"/>
-              </a:rPr>
-              <a:t>)</a:t>
-            </a:r>
-          </a:p>
-          <a:p>
-            <a:pPr>
-              <a:lnSpc>
-                <a:spcPct val="90000"/>
-              </a:lnSpc>
-            </a:pPr>
-            <a:endParaRPr lang="pt-BR" sz="3200" spc="-1" dirty="0">
-              <a:uFill>
-                <a:solidFill>
-                  <a:srgbClr val="FFFFFF"/>
-                </a:solidFill>
-              </a:uFill>
-              <a:latin typeface="Arial"/>
-            </a:endParaRPr>
-          </a:p>
-          <a:p>
-            <a:pPr>
-              <a:lnSpc>
-                <a:spcPct val="90000"/>
-              </a:lnSpc>
-            </a:pPr>
-            <a:r>
-              <a:rPr lang="pt-BR" sz="3200" spc="-1" dirty="0" err="1" smtClean="0">
-                <a:uFill>
-                  <a:solidFill>
-                    <a:srgbClr val="FFFFFF"/>
-                  </a:solidFill>
-                </a:uFill>
-                <a:latin typeface="Arial"/>
-              </a:rPr>
-              <a:t>git</a:t>
-            </a:r>
-            <a:r>
-              <a:rPr lang="pt-BR" sz="3200" spc="-1" dirty="0" smtClean="0">
-                <a:uFill>
-                  <a:solidFill>
-                    <a:srgbClr val="FFFFFF"/>
-                  </a:solidFill>
-                </a:uFill>
-                <a:latin typeface="Arial"/>
-              </a:rPr>
-              <a:t> log --</a:t>
-            </a:r>
-            <a:r>
-              <a:rPr lang="pt-BR" sz="3200" spc="-1" dirty="0" err="1" smtClean="0">
-                <a:uFill>
-                  <a:solidFill>
-                    <a:srgbClr val="FFFFFF"/>
-                  </a:solidFill>
-                </a:uFill>
-                <a:latin typeface="Arial"/>
-              </a:rPr>
-              <a:t>pretty</a:t>
-            </a:r>
-            <a:r>
-              <a:rPr lang="pt-BR" sz="3200" spc="-1" dirty="0" smtClean="0">
-                <a:uFill>
-                  <a:solidFill>
-                    <a:srgbClr val="FFFFFF"/>
-                  </a:solidFill>
-                </a:uFill>
-                <a:latin typeface="Arial"/>
-              </a:rPr>
-              <a:t>=</a:t>
-            </a:r>
-            <a:r>
-              <a:rPr lang="pt-BR" sz="3200" spc="-1" dirty="0" err="1" smtClean="0">
-                <a:uFill>
-                  <a:solidFill>
-                    <a:srgbClr val="FFFFFF"/>
-                  </a:solidFill>
-                </a:uFill>
-                <a:latin typeface="Arial"/>
-              </a:rPr>
-              <a:t>oneline</a:t>
-            </a:r>
-            <a:endParaRPr lang="pt-BR" sz="3200" spc="-1" dirty="0" smtClean="0">
-              <a:uFill>
-                <a:solidFill>
-                  <a:srgbClr val="FFFFFF"/>
-                </a:solidFill>
-              </a:uFill>
-              <a:latin typeface="Arial"/>
-            </a:endParaRPr>
-          </a:p>
-          <a:p>
-            <a:pPr>
-              <a:lnSpc>
-                <a:spcPct val="90000"/>
-              </a:lnSpc>
-            </a:pPr>
-            <a:endParaRPr lang="pt-BR" sz="3200" spc="-1" dirty="0" smtClean="0">
-              <a:uFill>
-                <a:solidFill>
-                  <a:srgbClr val="FFFFFF"/>
-                </a:solidFill>
-              </a:uFill>
-              <a:latin typeface="Arial"/>
-            </a:endParaRPr>
-          </a:p>
-        </p:txBody>
-      </p:sp>
-      <p:pic>
-        <p:nvPicPr>
-          <p:cNvPr id="2" name="Imagem 1"/>
-          <p:cNvPicPr>
-            <a:picLocks noChangeAspect="1"/>
-          </p:cNvPicPr>
-          <p:nvPr/>
-        </p:nvPicPr>
-        <p:blipFill>
-          <a:blip r:embed="rId2">
-            <a:extLst>
-              <a:ext uri="{28A0092B-C50C-407E-A947-70E740481C1C}">
-                <a14:useLocalDpi xmlns:a14="http://schemas.microsoft.com/office/drawing/2010/main" val="0"/>
-              </a:ext>
-            </a:extLst>
-          </a:blip>
-          <a:stretch>
-            <a:fillRect/>
-          </a:stretch>
-        </p:blipFill>
-        <p:spPr>
-          <a:xfrm>
-            <a:off x="7392144" y="3531475"/>
-            <a:ext cx="4690652" cy="3137885"/>
-          </a:xfrm>
-          <a:prstGeom prst="rect">
-            <a:avLst/>
-          </a:prstGeom>
-        </p:spPr>
-      </p:pic>
-    </p:spTree>
-    <p:extLst>
-      <p:ext uri="{BB962C8B-B14F-4D97-AF65-F5344CB8AC3E}">
-        <p14:creationId xmlns:p14="http://schemas.microsoft.com/office/powerpoint/2010/main" val="3352107375"/>
-      </p:ext>
-    </p:extLst>
-  </p:cSld>
-  <p:clrMapOvr>
-    <a:masterClrMapping/>
-  </p:clrMapOvr>
-  <p:timing>
-    <p:tnLst>
-      <p:par>
-        <p:cTn id="1" dur="indefinite" restart="never" nodeType="tmRoot"/>
-      </p:par>
-    </p:tnLst>
-  </p:timing>
-</p:sld>
-</file>
-
-<file path=ppt/slides/slide11.xml><?xml version="1.0" encoding="utf-8"?>
-<p:sld xmlns:a="http://schemas.openxmlformats.org/drawingml/2006/main" xmlns:r="http://schemas.openxmlformats.org/officeDocument/2006/relationships" xmlns:p="http://schemas.openxmlformats.org/presentationml/2006/main">
-  <p:cSld>
-    <p:spTree>
-      <p:nvGrpSpPr>
-        <p:cNvPr id="1" name=""/>
-        <p:cNvGrpSpPr/>
-        <p:nvPr/>
-      </p:nvGrpSpPr>
-      <p:grpSpPr>
-        <a:xfrm>
-          <a:off x="0" y="0"/>
-          <a:ext cx="0" cy="0"/>
-          <a:chOff x="0" y="0"/>
-          <a:chExt cx="0" cy="0"/>
-        </a:xfrm>
-      </p:grpSpPr>
-      <p:sp>
-        <p:nvSpPr>
-          <p:cNvPr id="168" name="CustomShape 1"/>
-          <p:cNvSpPr/>
-          <p:nvPr/>
-        </p:nvSpPr>
-        <p:spPr>
-          <a:xfrm>
-            <a:off x="217800" y="-18720"/>
-            <a:ext cx="10513440" cy="1323360"/>
-          </a:xfrm>
-          <a:prstGeom prst="rect">
-            <a:avLst/>
-          </a:prstGeom>
-          <a:noFill/>
-          <a:ln>
-            <a:noFill/>
-          </a:ln>
-        </p:spPr>
-        <p:style>
-          <a:lnRef idx="0">
-            <a:scrgbClr r="0" g="0" b="0"/>
-          </a:lnRef>
-          <a:fillRef idx="0">
-            <a:scrgbClr r="0" g="0" b="0"/>
-          </a:fillRef>
-          <a:effectRef idx="0">
-            <a:scrgbClr r="0" g="0" b="0"/>
-          </a:effectRef>
-          <a:fontRef idx="minor"/>
-        </p:style>
-        <p:txBody>
-          <a:bodyPr lIns="90000" tIns="45000" rIns="90000" bIns="45000" anchor="ctr"/>
-          <a:lstStyle/>
-          <a:p>
-            <a:pPr>
-              <a:lnSpc>
-                <a:spcPct val="100000"/>
-              </a:lnSpc>
-            </a:pPr>
-            <a:r>
-              <a:rPr lang="pt-BR" sz="3200" b="1" spc="-1" dirty="0" err="1">
-                <a:uFill>
-                  <a:solidFill>
-                    <a:srgbClr val="FFFFFF"/>
-                  </a:solidFill>
-                </a:uFill>
-                <a:latin typeface="Arial" panose="020B0604020202020204" pitchFamily="34" charset="0"/>
-                <a:cs typeface="Arial" panose="020B0604020202020204" pitchFamily="34" charset="0"/>
-              </a:rPr>
-              <a:t>g</a:t>
-            </a:r>
-            <a:r>
-              <a:rPr lang="pt-BR" sz="3200" b="1" spc="-1" dirty="0" err="1" smtClean="0">
-                <a:uFill>
-                  <a:solidFill>
-                    <a:srgbClr val="FFFFFF"/>
-                  </a:solidFill>
-                </a:uFill>
-                <a:latin typeface="Arial" panose="020B0604020202020204" pitchFamily="34" charset="0"/>
-                <a:cs typeface="Arial" panose="020B0604020202020204" pitchFamily="34" charset="0"/>
-              </a:rPr>
-              <a:t>it</a:t>
-            </a:r>
-            <a:r>
-              <a:rPr lang="pt-BR" sz="3200" b="1" spc="-1" dirty="0" smtClean="0">
-                <a:uFill>
-                  <a:solidFill>
-                    <a:srgbClr val="FFFFFF"/>
-                  </a:solidFill>
-                </a:uFill>
-                <a:latin typeface="Arial" panose="020B0604020202020204" pitchFamily="34" charset="0"/>
-                <a:cs typeface="Arial" panose="020B0604020202020204" pitchFamily="34" charset="0"/>
-              </a:rPr>
-              <a:t> log</a:t>
-            </a:r>
-            <a:endParaRPr lang="pt-BR" sz="1800" b="1" strike="noStrike" spc="-1" dirty="0">
-              <a:uFill>
-                <a:solidFill>
-                  <a:srgbClr val="FFFFFF"/>
-                </a:solidFill>
-              </a:uFill>
-              <a:latin typeface="Arial" panose="020B0604020202020204" pitchFamily="34" charset="0"/>
-              <a:cs typeface="Arial" panose="020B0604020202020204" pitchFamily="34" charset="0"/>
-            </a:endParaRPr>
-          </a:p>
-        </p:txBody>
-      </p:sp>
-      <p:sp>
-        <p:nvSpPr>
-          <p:cNvPr id="6" name="CustomShape 2"/>
-          <p:cNvSpPr/>
-          <p:nvPr/>
-        </p:nvSpPr>
-        <p:spPr>
-          <a:xfrm>
-            <a:off x="334800" y="1649192"/>
-            <a:ext cx="11543400" cy="2067840"/>
-          </a:xfrm>
-          <a:prstGeom prst="rect">
-            <a:avLst/>
-          </a:prstGeom>
-          <a:noFill/>
-          <a:ln>
-            <a:noFill/>
-          </a:ln>
-        </p:spPr>
-        <p:style>
-          <a:lnRef idx="0">
-            <a:scrgbClr r="0" g="0" b="0"/>
-          </a:lnRef>
-          <a:fillRef idx="0">
-            <a:scrgbClr r="0" g="0" b="0"/>
-          </a:fillRef>
-          <a:effectRef idx="0">
-            <a:scrgbClr r="0" g="0" b="0"/>
-          </a:effectRef>
-          <a:fontRef idx="minor"/>
-        </p:style>
-        <p:txBody>
-          <a:bodyPr lIns="90000" tIns="45000" rIns="90000" bIns="45000"/>
-          <a:lstStyle/>
-          <a:p>
-            <a:pPr marL="2160">
-              <a:lnSpc>
-                <a:spcPct val="90000"/>
-              </a:lnSpc>
-              <a:buClr>
-                <a:srgbClr val="808080"/>
-              </a:buClr>
-            </a:pPr>
-            <a:endParaRPr lang="pt-BR" sz="1800" b="0" strike="noStrike" spc="-1" dirty="0" smtClean="0">
-              <a:solidFill>
-                <a:srgbClr val="000000"/>
-              </a:solidFill>
-              <a:uFill>
-                <a:solidFill>
-                  <a:srgbClr val="FFFFFF"/>
-                </a:solidFill>
-              </a:uFill>
-              <a:latin typeface="Arial"/>
-            </a:endParaRPr>
-          </a:p>
-        </p:txBody>
-      </p:sp>
-      <p:graphicFrame>
-        <p:nvGraphicFramePr>
-          <p:cNvPr id="4" name="Tabela 3"/>
-          <p:cNvGraphicFramePr>
-            <a:graphicFrameLocks noGrp="1"/>
-          </p:cNvGraphicFramePr>
-          <p:nvPr>
-            <p:extLst>
-              <p:ext uri="{D42A27DB-BD31-4B8C-83A1-F6EECF244321}">
-                <p14:modId xmlns:p14="http://schemas.microsoft.com/office/powerpoint/2010/main" val="1042473475"/>
-              </p:ext>
-            </p:extLst>
-          </p:nvPr>
-        </p:nvGraphicFramePr>
-        <p:xfrm>
-          <a:off x="2032000" y="2134448"/>
-          <a:ext cx="8128000" cy="3977640"/>
-        </p:xfrm>
-        <a:graphic>
-          <a:graphicData uri="http://schemas.openxmlformats.org/drawingml/2006/table">
-            <a:tbl>
-              <a:tblPr firstRow="1" bandRow="1">
-                <a:tableStyleId>{5C22544A-7EE6-4342-B048-85BDC9FD1C3A}</a:tableStyleId>
-              </a:tblPr>
-              <a:tblGrid>
-                <a:gridCol w="2047776">
-                  <a:extLst>
-                    <a:ext uri="{9D8B030D-6E8A-4147-A177-3AD203B41FA5}">
-                      <a16:colId xmlns:a16="http://schemas.microsoft.com/office/drawing/2014/main" val="3789317085"/>
-                    </a:ext>
-                  </a:extLst>
-                </a:gridCol>
-                <a:gridCol w="6080224">
-                  <a:extLst>
-                    <a:ext uri="{9D8B030D-6E8A-4147-A177-3AD203B41FA5}">
-                      <a16:colId xmlns:a16="http://schemas.microsoft.com/office/drawing/2014/main" val="78992449"/>
-                    </a:ext>
-                  </a:extLst>
-                </a:gridCol>
-              </a:tblGrid>
-              <a:tr h="370840">
-                <a:tc>
-                  <a:txBody>
-                    <a:bodyPr/>
-                    <a:lstStyle/>
-                    <a:p>
-                      <a:r>
-                        <a:rPr lang="pt-BR" dirty="0" smtClean="0"/>
-                        <a:t>Opção</a:t>
-                      </a:r>
-                      <a:endParaRPr lang="pt-BR" dirty="0"/>
-                    </a:p>
-                  </a:txBody>
-                  <a:tcPr/>
-                </a:tc>
-                <a:tc>
-                  <a:txBody>
-                    <a:bodyPr/>
-                    <a:lstStyle/>
-                    <a:p>
-                      <a:r>
-                        <a:rPr lang="pt-BR" dirty="0" smtClean="0"/>
-                        <a:t>Descrição</a:t>
-                      </a:r>
-                      <a:endParaRPr lang="pt-BR" dirty="0"/>
-                    </a:p>
-                  </a:txBody>
-                  <a:tcPr/>
-                </a:tc>
-                <a:extLst>
-                  <a:ext uri="{0D108BD9-81ED-4DB2-BD59-A6C34878D82A}">
-                    <a16:rowId xmlns:a16="http://schemas.microsoft.com/office/drawing/2014/main" val="948514480"/>
-                  </a:ext>
-                </a:extLst>
-              </a:tr>
-              <a:tr h="370840">
-                <a:tc>
-                  <a:txBody>
-                    <a:bodyPr/>
-                    <a:lstStyle/>
-                    <a:p>
-                      <a:r>
-                        <a:rPr lang="pt-BR" dirty="0" smtClean="0"/>
-                        <a:t>-p</a:t>
-                      </a:r>
-                      <a:endParaRPr lang="pt-BR" dirty="0"/>
-                    </a:p>
-                  </a:txBody>
-                  <a:tcPr/>
-                </a:tc>
-                <a:tc>
-                  <a:txBody>
-                    <a:bodyPr/>
-                    <a:lstStyle/>
-                    <a:p>
-                      <a:r>
-                        <a:rPr lang="pt-BR" dirty="0" smtClean="0"/>
-                        <a:t>Mostra relatório</a:t>
-                      </a:r>
-                      <a:r>
-                        <a:rPr lang="pt-BR" baseline="0" dirty="0" smtClean="0"/>
-                        <a:t> completo de mudanças</a:t>
-                      </a:r>
-                      <a:endParaRPr lang="pt-BR" dirty="0"/>
-                    </a:p>
-                  </a:txBody>
-                  <a:tcPr/>
-                </a:tc>
-                <a:extLst>
-                  <a:ext uri="{0D108BD9-81ED-4DB2-BD59-A6C34878D82A}">
-                    <a16:rowId xmlns:a16="http://schemas.microsoft.com/office/drawing/2014/main" val="2514935863"/>
-                  </a:ext>
-                </a:extLst>
-              </a:tr>
-              <a:tr h="370840">
-                <a:tc>
-                  <a:txBody>
-                    <a:bodyPr/>
-                    <a:lstStyle/>
-                    <a:p>
-                      <a:r>
-                        <a:rPr lang="pt-BR" dirty="0" smtClean="0"/>
-                        <a:t>--</a:t>
-                      </a:r>
-                      <a:r>
-                        <a:rPr lang="pt-BR" dirty="0" err="1" smtClean="0"/>
-                        <a:t>stat</a:t>
-                      </a:r>
-                      <a:endParaRPr lang="pt-BR" dirty="0"/>
-                    </a:p>
-                  </a:txBody>
-                  <a:tcPr/>
-                </a:tc>
-                <a:tc>
-                  <a:txBody>
-                    <a:bodyPr/>
-                    <a:lstStyle/>
-                    <a:p>
-                      <a:r>
-                        <a:rPr lang="pt-BR" dirty="0" smtClean="0"/>
-                        <a:t>Mostra estatísticas de mudança, como tamanho do arquivo</a:t>
-                      </a:r>
-                      <a:endParaRPr lang="pt-BR" dirty="0"/>
-                    </a:p>
-                  </a:txBody>
-                  <a:tcPr/>
-                </a:tc>
-                <a:extLst>
-                  <a:ext uri="{0D108BD9-81ED-4DB2-BD59-A6C34878D82A}">
-                    <a16:rowId xmlns:a16="http://schemas.microsoft.com/office/drawing/2014/main" val="2641471860"/>
-                  </a:ext>
-                </a:extLst>
-              </a:tr>
-              <a:tr h="370840">
-                <a:tc>
-                  <a:txBody>
-                    <a:bodyPr/>
-                    <a:lstStyle/>
-                    <a:p>
-                      <a:r>
-                        <a:rPr lang="pt-BR" dirty="0" smtClean="0"/>
-                        <a:t>--</a:t>
-                      </a:r>
-                      <a:r>
-                        <a:rPr lang="pt-BR" dirty="0" err="1" smtClean="0"/>
-                        <a:t>shortstat</a:t>
-                      </a:r>
-                      <a:endParaRPr lang="pt-BR" dirty="0"/>
-                    </a:p>
-                  </a:txBody>
-                  <a:tcPr/>
-                </a:tc>
-                <a:tc>
-                  <a:txBody>
-                    <a:bodyPr/>
-                    <a:lstStyle/>
-                    <a:p>
-                      <a:r>
-                        <a:rPr lang="pt-BR" dirty="0" smtClean="0"/>
-                        <a:t>Mostra</a:t>
-                      </a:r>
-                      <a:r>
-                        <a:rPr lang="pt-BR" baseline="0" dirty="0" smtClean="0"/>
-                        <a:t> versão resumida das estatísticas de mudança</a:t>
-                      </a:r>
-                      <a:endParaRPr lang="pt-BR" dirty="0"/>
-                    </a:p>
-                  </a:txBody>
-                  <a:tcPr/>
-                </a:tc>
-                <a:extLst>
-                  <a:ext uri="{0D108BD9-81ED-4DB2-BD59-A6C34878D82A}">
-                    <a16:rowId xmlns:a16="http://schemas.microsoft.com/office/drawing/2014/main" val="3962171482"/>
-                  </a:ext>
-                </a:extLst>
-              </a:tr>
-              <a:tr h="370840">
-                <a:tc>
-                  <a:txBody>
-                    <a:bodyPr/>
-                    <a:lstStyle/>
-                    <a:p>
-                      <a:r>
-                        <a:rPr lang="pt-BR" dirty="0" smtClean="0"/>
-                        <a:t>--</a:t>
-                      </a:r>
-                      <a:r>
-                        <a:rPr lang="pt-BR" dirty="0" err="1" smtClean="0"/>
-                        <a:t>name-only</a:t>
-                      </a:r>
-                      <a:endParaRPr lang="pt-BR" dirty="0"/>
-                    </a:p>
-                  </a:txBody>
-                  <a:tcPr/>
-                </a:tc>
-                <a:tc>
-                  <a:txBody>
-                    <a:bodyPr/>
-                    <a:lstStyle/>
-                    <a:p>
-                      <a:r>
-                        <a:rPr lang="pt-BR" dirty="0" smtClean="0"/>
-                        <a:t>Mostra só o nome dos arquivos modificados</a:t>
-                      </a:r>
-                      <a:endParaRPr lang="pt-BR" dirty="0"/>
-                    </a:p>
-                  </a:txBody>
-                  <a:tcPr/>
-                </a:tc>
-                <a:extLst>
-                  <a:ext uri="{0D108BD9-81ED-4DB2-BD59-A6C34878D82A}">
-                    <a16:rowId xmlns:a16="http://schemas.microsoft.com/office/drawing/2014/main" val="1865537126"/>
-                  </a:ext>
-                </a:extLst>
-              </a:tr>
-              <a:tr h="370840">
-                <a:tc>
-                  <a:txBody>
-                    <a:bodyPr/>
-                    <a:lstStyle/>
-                    <a:p>
-                      <a:r>
-                        <a:rPr lang="pt-BR" dirty="0" smtClean="0"/>
-                        <a:t>--</a:t>
-                      </a:r>
-                      <a:r>
-                        <a:rPr lang="pt-BR" dirty="0" err="1" smtClean="0"/>
-                        <a:t>name</a:t>
-                      </a:r>
-                      <a:r>
-                        <a:rPr lang="pt-BR" dirty="0" smtClean="0"/>
-                        <a:t>-status</a:t>
-                      </a:r>
-                      <a:endParaRPr lang="pt-BR" dirty="0"/>
-                    </a:p>
-                  </a:txBody>
-                  <a:tcPr/>
-                </a:tc>
-                <a:tc>
-                  <a:txBody>
-                    <a:bodyPr/>
-                    <a:lstStyle/>
-                    <a:p>
-                      <a:r>
-                        <a:rPr lang="pt-BR" dirty="0" smtClean="0"/>
-                        <a:t>Mostra o</a:t>
-                      </a:r>
-                      <a:r>
-                        <a:rPr lang="pt-BR" baseline="0" dirty="0" smtClean="0"/>
-                        <a:t> nome dos arquivos modificados e status (alterado/modificado/excluído)</a:t>
-                      </a:r>
-                      <a:endParaRPr lang="pt-BR" dirty="0"/>
-                    </a:p>
-                  </a:txBody>
-                  <a:tcPr/>
-                </a:tc>
-                <a:extLst>
-                  <a:ext uri="{0D108BD9-81ED-4DB2-BD59-A6C34878D82A}">
-                    <a16:rowId xmlns:a16="http://schemas.microsoft.com/office/drawing/2014/main" val="4228484978"/>
-                  </a:ext>
-                </a:extLst>
-              </a:tr>
-              <a:tr h="370840">
-                <a:tc>
-                  <a:txBody>
-                    <a:bodyPr/>
-                    <a:lstStyle/>
-                    <a:p>
-                      <a:r>
-                        <a:rPr lang="pt-BR" dirty="0" smtClean="0"/>
-                        <a:t>--</a:t>
-                      </a:r>
-                      <a:r>
-                        <a:rPr lang="pt-BR" dirty="0" err="1" smtClean="0"/>
-                        <a:t>abbrev-commit</a:t>
-                      </a:r>
-                      <a:endParaRPr lang="pt-BR" dirty="0"/>
-                    </a:p>
-                  </a:txBody>
-                  <a:tcPr/>
-                </a:tc>
-                <a:tc>
-                  <a:txBody>
-                    <a:bodyPr/>
-                    <a:lstStyle/>
-                    <a:p>
-                      <a:r>
-                        <a:rPr lang="pt-BR" dirty="0" smtClean="0"/>
-                        <a:t>Mostra versão abreviada</a:t>
-                      </a:r>
-                      <a:r>
-                        <a:rPr lang="pt-BR" baseline="0" dirty="0" smtClean="0"/>
-                        <a:t> do SHA-1 do </a:t>
-                      </a:r>
-                      <a:r>
-                        <a:rPr lang="pt-BR" baseline="0" dirty="0" err="1" smtClean="0"/>
-                        <a:t>commit</a:t>
-                      </a:r>
-                      <a:endParaRPr lang="pt-BR" dirty="0"/>
-                    </a:p>
-                  </a:txBody>
-                  <a:tcPr/>
-                </a:tc>
-                <a:extLst>
-                  <a:ext uri="{0D108BD9-81ED-4DB2-BD59-A6C34878D82A}">
-                    <a16:rowId xmlns:a16="http://schemas.microsoft.com/office/drawing/2014/main" val="1493370057"/>
-                  </a:ext>
-                </a:extLst>
-              </a:tr>
-              <a:tr h="370840">
-                <a:tc>
-                  <a:txBody>
-                    <a:bodyPr/>
-                    <a:lstStyle/>
-                    <a:p>
-                      <a:r>
-                        <a:rPr lang="pt-BR" dirty="0" smtClean="0"/>
-                        <a:t>--</a:t>
-                      </a:r>
-                      <a:r>
-                        <a:rPr lang="pt-BR" dirty="0" err="1" smtClean="0"/>
-                        <a:t>relative</a:t>
-                      </a:r>
-                      <a:r>
-                        <a:rPr lang="pt-BR" dirty="0" smtClean="0"/>
-                        <a:t>-date</a:t>
-                      </a:r>
-                      <a:endParaRPr lang="pt-BR" dirty="0"/>
-                    </a:p>
-                  </a:txBody>
-                  <a:tcPr/>
-                </a:tc>
-                <a:tc>
-                  <a:txBody>
-                    <a:bodyPr/>
-                    <a:lstStyle/>
-                    <a:p>
-                      <a:r>
-                        <a:rPr lang="pt-BR" dirty="0" smtClean="0"/>
-                        <a:t>Mostra data no formato relativo</a:t>
-                      </a:r>
-                      <a:endParaRPr lang="pt-BR" dirty="0"/>
-                    </a:p>
-                  </a:txBody>
-                  <a:tcPr/>
-                </a:tc>
-                <a:extLst>
-                  <a:ext uri="{0D108BD9-81ED-4DB2-BD59-A6C34878D82A}">
-                    <a16:rowId xmlns:a16="http://schemas.microsoft.com/office/drawing/2014/main" val="3228977251"/>
-                  </a:ext>
-                </a:extLst>
-              </a:tr>
-              <a:tr h="370840">
-                <a:tc>
-                  <a:txBody>
-                    <a:bodyPr/>
-                    <a:lstStyle/>
-                    <a:p>
-                      <a:r>
-                        <a:rPr lang="pt-BR" dirty="0" smtClean="0"/>
-                        <a:t>--</a:t>
-                      </a:r>
-                      <a:r>
-                        <a:rPr lang="pt-BR" dirty="0" err="1" smtClean="0"/>
-                        <a:t>graph</a:t>
-                      </a:r>
-                      <a:endParaRPr lang="pt-BR" dirty="0"/>
-                    </a:p>
-                  </a:txBody>
-                  <a:tcPr/>
-                </a:tc>
-                <a:tc>
-                  <a:txBody>
-                    <a:bodyPr/>
-                    <a:lstStyle/>
-                    <a:p>
-                      <a:r>
-                        <a:rPr lang="pt-BR" dirty="0" smtClean="0"/>
-                        <a:t>Formato</a:t>
-                      </a:r>
-                      <a:r>
-                        <a:rPr lang="pt-BR" baseline="0" dirty="0" smtClean="0"/>
-                        <a:t> gráfico</a:t>
-                      </a:r>
-                      <a:endParaRPr lang="pt-BR" dirty="0"/>
-                    </a:p>
-                  </a:txBody>
-                  <a:tcPr/>
-                </a:tc>
-                <a:extLst>
-                  <a:ext uri="{0D108BD9-81ED-4DB2-BD59-A6C34878D82A}">
-                    <a16:rowId xmlns:a16="http://schemas.microsoft.com/office/drawing/2014/main" val="2778975573"/>
-                  </a:ext>
-                </a:extLst>
-              </a:tr>
-              <a:tr h="370840">
-                <a:tc>
-                  <a:txBody>
-                    <a:bodyPr/>
-                    <a:lstStyle/>
-                    <a:p>
-                      <a:r>
-                        <a:rPr lang="pt-BR" dirty="0" smtClean="0"/>
-                        <a:t>--</a:t>
-                      </a:r>
-                      <a:r>
-                        <a:rPr lang="pt-BR" dirty="0" err="1" smtClean="0"/>
-                        <a:t>pretty</a:t>
-                      </a:r>
-                      <a:endParaRPr lang="pt-BR" dirty="0"/>
-                    </a:p>
-                  </a:txBody>
-                  <a:tcPr/>
-                </a:tc>
-                <a:tc>
-                  <a:txBody>
-                    <a:bodyPr/>
-                    <a:lstStyle/>
-                    <a:p>
-                      <a:r>
-                        <a:rPr lang="pt-BR" dirty="0" err="1" smtClean="0"/>
-                        <a:t>Customizável</a:t>
-                      </a:r>
-                      <a:r>
-                        <a:rPr lang="pt-BR" dirty="0" smtClean="0"/>
-                        <a:t> (mais</a:t>
-                      </a:r>
-                      <a:r>
-                        <a:rPr lang="pt-BR" baseline="0" dirty="0" smtClean="0"/>
-                        <a:t> detalhes a seguir</a:t>
-                      </a:r>
-                      <a:r>
-                        <a:rPr lang="pt-BR" dirty="0" smtClean="0"/>
-                        <a:t>)</a:t>
-                      </a:r>
-                      <a:endParaRPr lang="pt-BR" dirty="0"/>
-                    </a:p>
-                  </a:txBody>
-                  <a:tcPr/>
-                </a:tc>
-                <a:extLst>
-                  <a:ext uri="{0D108BD9-81ED-4DB2-BD59-A6C34878D82A}">
-                    <a16:rowId xmlns:a16="http://schemas.microsoft.com/office/drawing/2014/main" val="303703690"/>
-                  </a:ext>
-                </a:extLst>
-              </a:tr>
-            </a:tbl>
-          </a:graphicData>
-        </a:graphic>
-      </p:graphicFrame>
-    </p:spTree>
-    <p:extLst>
-      <p:ext uri="{BB962C8B-B14F-4D97-AF65-F5344CB8AC3E}">
-        <p14:creationId xmlns:p14="http://schemas.microsoft.com/office/powerpoint/2010/main" val="2371257627"/>
-      </p:ext>
-    </p:extLst>
-  </p:cSld>
-  <p:clrMapOvr>
-    <a:masterClrMapping/>
-  </p:clrMapOvr>
-  <p:timing>
-    <p:tnLst>
-      <p:par>
-        <p:cTn id="1" dur="indefinite" restart="never" nodeType="tmRoot"/>
-      </p:par>
-    </p:tnLst>
-  </p:timing>
-</p:sld>
-</file>
-
-<file path=ppt/slides/slide12.xml><?xml version="1.0" encoding="utf-8"?>
-<p:sld xmlns:a="http://schemas.openxmlformats.org/drawingml/2006/main" xmlns:r="http://schemas.openxmlformats.org/officeDocument/2006/relationships" xmlns:p="http://schemas.openxmlformats.org/presentationml/2006/main">
-  <p:cSld>
-    <p:spTree>
-      <p:nvGrpSpPr>
-        <p:cNvPr id="1" name=""/>
-        <p:cNvGrpSpPr/>
-        <p:nvPr/>
-      </p:nvGrpSpPr>
-      <p:grpSpPr>
-        <a:xfrm>
-          <a:off x="0" y="0"/>
-          <a:ext cx="0" cy="0"/>
-          <a:chOff x="0" y="0"/>
-          <a:chExt cx="0" cy="0"/>
-        </a:xfrm>
-      </p:grpSpPr>
-      <p:sp>
-        <p:nvSpPr>
-          <p:cNvPr id="168" name="CustomShape 1"/>
-          <p:cNvSpPr/>
-          <p:nvPr/>
-        </p:nvSpPr>
-        <p:spPr>
-          <a:xfrm>
-            <a:off x="217800" y="-18720"/>
-            <a:ext cx="10513440" cy="1323360"/>
-          </a:xfrm>
-          <a:prstGeom prst="rect">
-            <a:avLst/>
-          </a:prstGeom>
-          <a:noFill/>
-          <a:ln>
-            <a:noFill/>
-          </a:ln>
-        </p:spPr>
-        <p:style>
-          <a:lnRef idx="0">
-            <a:scrgbClr r="0" g="0" b="0"/>
-          </a:lnRef>
-          <a:fillRef idx="0">
-            <a:scrgbClr r="0" g="0" b="0"/>
-          </a:fillRef>
-          <a:effectRef idx="0">
-            <a:scrgbClr r="0" g="0" b="0"/>
-          </a:effectRef>
-          <a:fontRef idx="minor"/>
-        </p:style>
-        <p:txBody>
-          <a:bodyPr lIns="90000" tIns="45000" rIns="90000" bIns="45000" anchor="ctr"/>
-          <a:lstStyle/>
-          <a:p>
-            <a:pPr>
-              <a:lnSpc>
-                <a:spcPct val="100000"/>
-              </a:lnSpc>
-            </a:pPr>
-            <a:r>
-              <a:rPr lang="pt-BR" sz="3200" b="1" spc="-1" dirty="0" err="1">
-                <a:uFill>
-                  <a:solidFill>
-                    <a:srgbClr val="FFFFFF"/>
-                  </a:solidFill>
-                </a:uFill>
-                <a:latin typeface="Arial" panose="020B0604020202020204" pitchFamily="34" charset="0"/>
-                <a:cs typeface="Arial" panose="020B0604020202020204" pitchFamily="34" charset="0"/>
-              </a:rPr>
-              <a:t>g</a:t>
-            </a:r>
-            <a:r>
-              <a:rPr lang="pt-BR" sz="3200" b="1" spc="-1" dirty="0" err="1" smtClean="0">
-                <a:uFill>
-                  <a:solidFill>
-                    <a:srgbClr val="FFFFFF"/>
-                  </a:solidFill>
-                </a:uFill>
-                <a:latin typeface="Arial" panose="020B0604020202020204" pitchFamily="34" charset="0"/>
-                <a:cs typeface="Arial" panose="020B0604020202020204" pitchFamily="34" charset="0"/>
-              </a:rPr>
-              <a:t>it</a:t>
-            </a:r>
-            <a:r>
-              <a:rPr lang="pt-BR" sz="3200" b="1" spc="-1" dirty="0" smtClean="0">
-                <a:uFill>
-                  <a:solidFill>
-                    <a:srgbClr val="FFFFFF"/>
-                  </a:solidFill>
-                </a:uFill>
-                <a:latin typeface="Arial" panose="020B0604020202020204" pitchFamily="34" charset="0"/>
-                <a:cs typeface="Arial" panose="020B0604020202020204" pitchFamily="34" charset="0"/>
-              </a:rPr>
-              <a:t> log -- </a:t>
-            </a:r>
-            <a:r>
-              <a:rPr lang="pt-BR" sz="3200" b="1" spc="-1" dirty="0" err="1" smtClean="0">
-                <a:uFill>
-                  <a:solidFill>
-                    <a:srgbClr val="FFFFFF"/>
-                  </a:solidFill>
-                </a:uFill>
-                <a:latin typeface="Arial" panose="020B0604020202020204" pitchFamily="34" charset="0"/>
-                <a:cs typeface="Arial" panose="020B0604020202020204" pitchFamily="34" charset="0"/>
-              </a:rPr>
-              <a:t>pretty</a:t>
-            </a:r>
-            <a:endParaRPr lang="pt-BR" sz="1800" b="1" strike="noStrike" spc="-1" dirty="0">
-              <a:uFill>
-                <a:solidFill>
-                  <a:srgbClr val="FFFFFF"/>
-                </a:solidFill>
-              </a:uFill>
-              <a:latin typeface="Arial" panose="020B0604020202020204" pitchFamily="34" charset="0"/>
-              <a:cs typeface="Arial" panose="020B0604020202020204" pitchFamily="34" charset="0"/>
-            </a:endParaRPr>
-          </a:p>
-        </p:txBody>
-      </p:sp>
-      <p:sp>
-        <p:nvSpPr>
-          <p:cNvPr id="6" name="CustomShape 2"/>
-          <p:cNvSpPr/>
-          <p:nvPr/>
-        </p:nvSpPr>
-        <p:spPr>
-          <a:xfrm>
-            <a:off x="334800" y="1649192"/>
-            <a:ext cx="11543400" cy="2067840"/>
-          </a:xfrm>
-          <a:prstGeom prst="rect">
-            <a:avLst/>
-          </a:prstGeom>
-          <a:noFill/>
-          <a:ln>
-            <a:noFill/>
-          </a:ln>
-        </p:spPr>
-        <p:style>
-          <a:lnRef idx="0">
-            <a:scrgbClr r="0" g="0" b="0"/>
-          </a:lnRef>
-          <a:fillRef idx="0">
-            <a:scrgbClr r="0" g="0" b="0"/>
-          </a:fillRef>
-          <a:effectRef idx="0">
-            <a:scrgbClr r="0" g="0" b="0"/>
-          </a:effectRef>
-          <a:fontRef idx="minor"/>
-        </p:style>
-        <p:txBody>
-          <a:bodyPr lIns="90000" tIns="45000" rIns="90000" bIns="45000"/>
-          <a:lstStyle/>
-          <a:p>
-            <a:pPr marL="2160">
-              <a:lnSpc>
-                <a:spcPct val="90000"/>
-              </a:lnSpc>
-              <a:buClr>
-                <a:srgbClr val="808080"/>
-              </a:buClr>
-            </a:pPr>
-            <a:endParaRPr lang="pt-BR" sz="1800" b="0" strike="noStrike" spc="-1" dirty="0" smtClean="0">
-              <a:solidFill>
-                <a:srgbClr val="000000"/>
-              </a:solidFill>
-              <a:uFill>
-                <a:solidFill>
-                  <a:srgbClr val="FFFFFF"/>
-                </a:solidFill>
-              </a:uFill>
-              <a:latin typeface="Arial"/>
-            </a:endParaRPr>
-          </a:p>
-          <a:p>
-            <a:pPr>
-              <a:lnSpc>
-                <a:spcPct val="90000"/>
-              </a:lnSpc>
-            </a:pPr>
-            <a:endParaRPr lang="pt-BR" sz="3200" spc="-1" dirty="0" smtClean="0">
-              <a:uFill>
-                <a:solidFill>
-                  <a:srgbClr val="FFFFFF"/>
-                </a:solidFill>
-              </a:uFill>
-              <a:latin typeface="Arial"/>
-            </a:endParaRPr>
-          </a:p>
-          <a:p>
-            <a:pPr>
-              <a:lnSpc>
-                <a:spcPct val="90000"/>
-              </a:lnSpc>
-            </a:pPr>
-            <a:r>
-              <a:rPr lang="pt-BR" sz="3200" spc="-1" dirty="0" err="1" smtClean="0">
-                <a:uFill>
-                  <a:solidFill>
-                    <a:srgbClr val="FFFFFF"/>
-                  </a:solidFill>
-                </a:uFill>
-                <a:latin typeface="Arial"/>
-              </a:rPr>
-              <a:t>git</a:t>
-            </a:r>
-            <a:r>
-              <a:rPr lang="pt-BR" sz="3200" spc="-1" dirty="0" smtClean="0">
-                <a:uFill>
-                  <a:solidFill>
-                    <a:srgbClr val="FFFFFF"/>
-                  </a:solidFill>
-                </a:uFill>
-                <a:latin typeface="Arial"/>
-              </a:rPr>
-              <a:t> log --</a:t>
-            </a:r>
-            <a:r>
-              <a:rPr lang="pt-BR" sz="3200" spc="-1" dirty="0" err="1" smtClean="0">
-                <a:uFill>
-                  <a:solidFill>
-                    <a:srgbClr val="FFFFFF"/>
-                  </a:solidFill>
-                </a:uFill>
-                <a:latin typeface="Arial"/>
-              </a:rPr>
-              <a:t>pretty</a:t>
-            </a:r>
-            <a:r>
-              <a:rPr lang="pt-BR" sz="3200" spc="-1" dirty="0" smtClean="0">
-                <a:uFill>
-                  <a:solidFill>
-                    <a:srgbClr val="FFFFFF"/>
-                  </a:solidFill>
-                </a:uFill>
-                <a:latin typeface="Arial"/>
-              </a:rPr>
-              <a:t>=</a:t>
-            </a:r>
-            <a:r>
-              <a:rPr lang="pt-BR" sz="3200" spc="-1" dirty="0" err="1" smtClean="0">
-                <a:uFill>
-                  <a:solidFill>
-                    <a:srgbClr val="FFFFFF"/>
-                  </a:solidFill>
-                </a:uFill>
-                <a:latin typeface="Arial"/>
-              </a:rPr>
-              <a:t>format</a:t>
-            </a:r>
-            <a:r>
-              <a:rPr lang="pt-BR" sz="3200" spc="-1" dirty="0" smtClean="0">
-                <a:uFill>
-                  <a:solidFill>
-                    <a:srgbClr val="FFFFFF"/>
-                  </a:solidFill>
-                </a:uFill>
-                <a:latin typeface="Arial"/>
-              </a:rPr>
-              <a:t>: “%s” (mostra mensagem de </a:t>
-            </a:r>
-            <a:r>
-              <a:rPr lang="pt-BR" sz="3200" spc="-1" dirty="0" err="1" smtClean="0">
-                <a:uFill>
-                  <a:solidFill>
-                    <a:srgbClr val="FFFFFF"/>
-                  </a:solidFill>
-                </a:uFill>
-                <a:latin typeface="Arial"/>
-              </a:rPr>
-              <a:t>commit</a:t>
-            </a:r>
-            <a:r>
-              <a:rPr lang="pt-BR" sz="3200" spc="-1" dirty="0" smtClean="0">
-                <a:uFill>
-                  <a:solidFill>
-                    <a:srgbClr val="FFFFFF"/>
-                  </a:solidFill>
-                </a:uFill>
-                <a:latin typeface="Arial"/>
-              </a:rPr>
-              <a:t>) </a:t>
-            </a:r>
-          </a:p>
-        </p:txBody>
-      </p:sp>
-      <p:graphicFrame>
-        <p:nvGraphicFramePr>
-          <p:cNvPr id="7" name="Tabela 6"/>
-          <p:cNvGraphicFramePr>
-            <a:graphicFrameLocks noGrp="1"/>
-          </p:cNvGraphicFramePr>
-          <p:nvPr>
-            <p:extLst>
-              <p:ext uri="{D42A27DB-BD31-4B8C-83A1-F6EECF244321}">
-                <p14:modId xmlns:p14="http://schemas.microsoft.com/office/powerpoint/2010/main" val="2943962920"/>
-              </p:ext>
-            </p:extLst>
-          </p:nvPr>
-        </p:nvGraphicFramePr>
-        <p:xfrm>
-          <a:off x="1311920" y="3383960"/>
-          <a:ext cx="4136008" cy="3213392"/>
-        </p:xfrm>
-        <a:graphic>
-          <a:graphicData uri="http://schemas.openxmlformats.org/drawingml/2006/table">
-            <a:tbl>
-              <a:tblPr firstRow="1" bandRow="1">
-                <a:tableStyleId>{5C22544A-7EE6-4342-B048-85BDC9FD1C3A}</a:tableStyleId>
-              </a:tblPr>
-              <a:tblGrid>
-                <a:gridCol w="895648">
-                  <a:extLst>
-                    <a:ext uri="{9D8B030D-6E8A-4147-A177-3AD203B41FA5}">
-                      <a16:colId xmlns:a16="http://schemas.microsoft.com/office/drawing/2014/main" val="3931238739"/>
-                    </a:ext>
-                  </a:extLst>
-                </a:gridCol>
-                <a:gridCol w="3240360">
-                  <a:extLst>
-                    <a:ext uri="{9D8B030D-6E8A-4147-A177-3AD203B41FA5}">
-                      <a16:colId xmlns:a16="http://schemas.microsoft.com/office/drawing/2014/main" val="1739560200"/>
-                    </a:ext>
-                  </a:extLst>
-                </a:gridCol>
-              </a:tblGrid>
-              <a:tr h="401674">
-                <a:tc>
-                  <a:txBody>
-                    <a:bodyPr/>
-                    <a:lstStyle/>
-                    <a:p>
-                      <a:r>
-                        <a:rPr lang="pt-BR" dirty="0" smtClean="0"/>
-                        <a:t>Opção</a:t>
-                      </a:r>
-                      <a:endParaRPr lang="pt-BR" dirty="0"/>
-                    </a:p>
-                  </a:txBody>
-                  <a:tcPr/>
-                </a:tc>
-                <a:tc>
-                  <a:txBody>
-                    <a:bodyPr/>
-                    <a:lstStyle/>
-                    <a:p>
-                      <a:r>
-                        <a:rPr lang="pt-BR" dirty="0" smtClean="0"/>
-                        <a:t>Descrição</a:t>
-                      </a:r>
-                      <a:endParaRPr lang="pt-BR" dirty="0"/>
-                    </a:p>
-                  </a:txBody>
-                  <a:tcPr/>
-                </a:tc>
-                <a:extLst>
-                  <a:ext uri="{0D108BD9-81ED-4DB2-BD59-A6C34878D82A}">
-                    <a16:rowId xmlns:a16="http://schemas.microsoft.com/office/drawing/2014/main" val="917021552"/>
-                  </a:ext>
-                </a:extLst>
-              </a:tr>
-              <a:tr h="401674">
-                <a:tc>
-                  <a:txBody>
-                    <a:bodyPr/>
-                    <a:lstStyle/>
-                    <a:p>
-                      <a:r>
-                        <a:rPr lang="pt-BR" dirty="0" smtClean="0"/>
-                        <a:t>%H</a:t>
-                      </a:r>
-                      <a:endParaRPr lang="pt-BR" dirty="0"/>
-                    </a:p>
-                  </a:txBody>
-                  <a:tcPr/>
-                </a:tc>
-                <a:tc>
-                  <a:txBody>
-                    <a:bodyPr/>
-                    <a:lstStyle/>
-                    <a:p>
-                      <a:r>
-                        <a:rPr lang="pt-BR" dirty="0" err="1" smtClean="0"/>
-                        <a:t>Hash</a:t>
-                      </a:r>
-                      <a:r>
-                        <a:rPr lang="pt-BR" dirty="0" smtClean="0"/>
-                        <a:t> do </a:t>
-                      </a:r>
-                      <a:r>
-                        <a:rPr lang="pt-BR" dirty="0" err="1" smtClean="0"/>
-                        <a:t>commit</a:t>
-                      </a:r>
-                      <a:endParaRPr lang="pt-BR" dirty="0"/>
-                    </a:p>
-                  </a:txBody>
-                  <a:tcPr/>
-                </a:tc>
-                <a:extLst>
-                  <a:ext uri="{0D108BD9-81ED-4DB2-BD59-A6C34878D82A}">
-                    <a16:rowId xmlns:a16="http://schemas.microsoft.com/office/drawing/2014/main" val="1377927910"/>
-                  </a:ext>
-                </a:extLst>
-              </a:tr>
-              <a:tr h="401674">
-                <a:tc>
-                  <a:txBody>
-                    <a:bodyPr/>
-                    <a:lstStyle/>
-                    <a:p>
-                      <a:r>
-                        <a:rPr lang="pt-BR" dirty="0" smtClean="0"/>
-                        <a:t>%h</a:t>
-                      </a:r>
-                      <a:endParaRPr lang="pt-BR" dirty="0"/>
-                    </a:p>
-                  </a:txBody>
-                  <a:tcPr/>
-                </a:tc>
-                <a:tc>
-                  <a:txBody>
-                    <a:bodyPr/>
-                    <a:lstStyle/>
-                    <a:p>
-                      <a:r>
-                        <a:rPr lang="pt-BR" dirty="0" err="1" smtClean="0"/>
-                        <a:t>Hash</a:t>
-                      </a:r>
-                      <a:r>
-                        <a:rPr lang="pt-BR" dirty="0" smtClean="0"/>
-                        <a:t> do </a:t>
-                      </a:r>
-                      <a:r>
-                        <a:rPr lang="pt-BR" dirty="0" err="1" smtClean="0"/>
-                        <a:t>commit</a:t>
-                      </a:r>
-                      <a:r>
-                        <a:rPr lang="pt-BR" dirty="0" smtClean="0"/>
-                        <a:t> abreviado</a:t>
-                      </a:r>
-                      <a:endParaRPr lang="pt-BR" dirty="0"/>
-                    </a:p>
-                  </a:txBody>
-                  <a:tcPr/>
-                </a:tc>
-                <a:extLst>
-                  <a:ext uri="{0D108BD9-81ED-4DB2-BD59-A6C34878D82A}">
-                    <a16:rowId xmlns:a16="http://schemas.microsoft.com/office/drawing/2014/main" val="1733569148"/>
-                  </a:ext>
-                </a:extLst>
-              </a:tr>
-              <a:tr h="401674">
-                <a:tc>
-                  <a:txBody>
-                    <a:bodyPr/>
-                    <a:lstStyle/>
-                    <a:p>
-                      <a:r>
-                        <a:rPr lang="pt-BR" dirty="0" smtClean="0"/>
-                        <a:t>%T</a:t>
-                      </a:r>
-                      <a:endParaRPr lang="pt-BR" dirty="0"/>
-                    </a:p>
-                  </a:txBody>
-                  <a:tcPr/>
-                </a:tc>
-                <a:tc>
-                  <a:txBody>
-                    <a:bodyPr/>
-                    <a:lstStyle/>
-                    <a:p>
-                      <a:r>
-                        <a:rPr lang="pt-BR" dirty="0" smtClean="0"/>
-                        <a:t>Árvore do </a:t>
-                      </a:r>
-                      <a:r>
-                        <a:rPr lang="pt-BR" dirty="0" err="1" smtClean="0"/>
-                        <a:t>hash</a:t>
-                      </a:r>
-                      <a:endParaRPr lang="pt-BR" dirty="0"/>
-                    </a:p>
-                  </a:txBody>
-                  <a:tcPr/>
-                </a:tc>
-                <a:extLst>
-                  <a:ext uri="{0D108BD9-81ED-4DB2-BD59-A6C34878D82A}">
-                    <a16:rowId xmlns:a16="http://schemas.microsoft.com/office/drawing/2014/main" val="514363647"/>
-                  </a:ext>
-                </a:extLst>
-              </a:tr>
-              <a:tr h="401674">
-                <a:tc>
-                  <a:txBody>
-                    <a:bodyPr/>
-                    <a:lstStyle/>
-                    <a:p>
-                      <a:r>
-                        <a:rPr lang="pt-BR" dirty="0" smtClean="0"/>
-                        <a:t>%t</a:t>
-                      </a:r>
-                      <a:endParaRPr lang="pt-BR" dirty="0"/>
-                    </a:p>
-                  </a:txBody>
-                  <a:tcPr/>
-                </a:tc>
-                <a:tc>
-                  <a:txBody>
-                    <a:bodyPr/>
-                    <a:lstStyle/>
-                    <a:p>
-                      <a:r>
-                        <a:rPr lang="pt-BR" dirty="0" smtClean="0"/>
-                        <a:t>Árvore do </a:t>
-                      </a:r>
-                      <a:r>
-                        <a:rPr lang="pt-BR" dirty="0" err="1" smtClean="0"/>
-                        <a:t>hash</a:t>
-                      </a:r>
-                      <a:r>
-                        <a:rPr lang="pt-BR" dirty="0" smtClean="0"/>
-                        <a:t> abreviada</a:t>
-                      </a:r>
-                      <a:endParaRPr lang="pt-BR" dirty="0"/>
-                    </a:p>
-                  </a:txBody>
-                  <a:tcPr/>
-                </a:tc>
-                <a:extLst>
-                  <a:ext uri="{0D108BD9-81ED-4DB2-BD59-A6C34878D82A}">
-                    <a16:rowId xmlns:a16="http://schemas.microsoft.com/office/drawing/2014/main" val="1618769288"/>
-                  </a:ext>
-                </a:extLst>
-              </a:tr>
-              <a:tr h="401674">
-                <a:tc>
-                  <a:txBody>
-                    <a:bodyPr/>
-                    <a:lstStyle/>
-                    <a:p>
-                      <a:r>
-                        <a:rPr lang="pt-BR" dirty="0" smtClean="0"/>
-                        <a:t>%P</a:t>
-                      </a:r>
-                      <a:endParaRPr lang="pt-BR" dirty="0"/>
-                    </a:p>
-                  </a:txBody>
-                  <a:tcPr/>
-                </a:tc>
-                <a:tc>
-                  <a:txBody>
-                    <a:bodyPr/>
-                    <a:lstStyle/>
-                    <a:p>
-                      <a:r>
-                        <a:rPr lang="pt-BR" dirty="0" smtClean="0"/>
-                        <a:t>Árvore</a:t>
-                      </a:r>
-                      <a:r>
-                        <a:rPr lang="pt-BR" baseline="0" dirty="0" smtClean="0"/>
-                        <a:t> genealógica</a:t>
-                      </a:r>
-                      <a:endParaRPr lang="pt-BR" dirty="0"/>
-                    </a:p>
-                  </a:txBody>
-                  <a:tcPr/>
-                </a:tc>
-                <a:extLst>
-                  <a:ext uri="{0D108BD9-81ED-4DB2-BD59-A6C34878D82A}">
-                    <a16:rowId xmlns:a16="http://schemas.microsoft.com/office/drawing/2014/main" val="3662361193"/>
-                  </a:ext>
-                </a:extLst>
-              </a:tr>
-              <a:tr h="401674">
-                <a:tc>
-                  <a:txBody>
-                    <a:bodyPr/>
-                    <a:lstStyle/>
-                    <a:p>
-                      <a:r>
-                        <a:rPr lang="pt-BR" dirty="0" smtClean="0"/>
-                        <a:t>%p</a:t>
-                      </a:r>
-                      <a:endParaRPr lang="pt-BR" dirty="0"/>
-                    </a:p>
-                  </a:txBody>
-                  <a:tcPr/>
-                </a:tc>
-                <a:tc>
-                  <a:txBody>
-                    <a:bodyPr/>
-                    <a:lstStyle/>
-                    <a:p>
-                      <a:r>
-                        <a:rPr lang="pt-BR" dirty="0" smtClean="0"/>
-                        <a:t>Árvore genealógica abreviada</a:t>
-                      </a:r>
-                      <a:endParaRPr lang="pt-BR" dirty="0"/>
-                    </a:p>
-                  </a:txBody>
-                  <a:tcPr/>
-                </a:tc>
-                <a:extLst>
-                  <a:ext uri="{0D108BD9-81ED-4DB2-BD59-A6C34878D82A}">
-                    <a16:rowId xmlns:a16="http://schemas.microsoft.com/office/drawing/2014/main" val="174410289"/>
-                  </a:ext>
-                </a:extLst>
-              </a:tr>
-              <a:tr h="401674">
-                <a:tc>
-                  <a:txBody>
-                    <a:bodyPr/>
-                    <a:lstStyle/>
-                    <a:p>
-                      <a:r>
-                        <a:rPr lang="pt-BR" dirty="0" smtClean="0"/>
-                        <a:t>%</a:t>
-                      </a:r>
-                      <a:r>
-                        <a:rPr lang="pt-BR" dirty="0" err="1" smtClean="0"/>
-                        <a:t>an</a:t>
-                      </a:r>
-                      <a:endParaRPr lang="pt-BR" dirty="0"/>
-                    </a:p>
-                  </a:txBody>
-                  <a:tcPr/>
-                </a:tc>
-                <a:tc>
-                  <a:txBody>
-                    <a:bodyPr/>
-                    <a:lstStyle/>
-                    <a:p>
-                      <a:r>
-                        <a:rPr lang="pt-BR" dirty="0" smtClean="0"/>
-                        <a:t>Nome</a:t>
-                      </a:r>
-                      <a:r>
-                        <a:rPr lang="pt-BR" baseline="0" dirty="0" smtClean="0"/>
-                        <a:t> do autor</a:t>
-                      </a:r>
-                      <a:endParaRPr lang="pt-BR" dirty="0"/>
-                    </a:p>
-                  </a:txBody>
-                  <a:tcPr/>
-                </a:tc>
-                <a:extLst>
-                  <a:ext uri="{0D108BD9-81ED-4DB2-BD59-A6C34878D82A}">
-                    <a16:rowId xmlns:a16="http://schemas.microsoft.com/office/drawing/2014/main" val="937480049"/>
-                  </a:ext>
-                </a:extLst>
-              </a:tr>
-            </a:tbl>
-          </a:graphicData>
-        </a:graphic>
-      </p:graphicFrame>
-      <p:graphicFrame>
-        <p:nvGraphicFramePr>
-          <p:cNvPr id="8" name="Tabela 7"/>
-          <p:cNvGraphicFramePr>
-            <a:graphicFrameLocks noGrp="1"/>
-          </p:cNvGraphicFramePr>
-          <p:nvPr>
-            <p:extLst>
-              <p:ext uri="{D42A27DB-BD31-4B8C-83A1-F6EECF244321}">
-                <p14:modId xmlns:p14="http://schemas.microsoft.com/office/powerpoint/2010/main" val="1296243299"/>
-              </p:ext>
-            </p:extLst>
-          </p:nvPr>
-        </p:nvGraphicFramePr>
-        <p:xfrm>
-          <a:off x="6744072" y="3379374"/>
-          <a:ext cx="4136008" cy="3213392"/>
-        </p:xfrm>
-        <a:graphic>
-          <a:graphicData uri="http://schemas.openxmlformats.org/drawingml/2006/table">
-            <a:tbl>
-              <a:tblPr firstRow="1" bandRow="1">
-                <a:tableStyleId>{5C22544A-7EE6-4342-B048-85BDC9FD1C3A}</a:tableStyleId>
-              </a:tblPr>
-              <a:tblGrid>
-                <a:gridCol w="895648">
-                  <a:extLst>
-                    <a:ext uri="{9D8B030D-6E8A-4147-A177-3AD203B41FA5}">
-                      <a16:colId xmlns:a16="http://schemas.microsoft.com/office/drawing/2014/main" val="3931238739"/>
-                    </a:ext>
-                  </a:extLst>
-                </a:gridCol>
-                <a:gridCol w="3240360">
-                  <a:extLst>
-                    <a:ext uri="{9D8B030D-6E8A-4147-A177-3AD203B41FA5}">
-                      <a16:colId xmlns:a16="http://schemas.microsoft.com/office/drawing/2014/main" val="1739560200"/>
-                    </a:ext>
-                  </a:extLst>
-                </a:gridCol>
-              </a:tblGrid>
-              <a:tr h="401674">
-                <a:tc>
-                  <a:txBody>
-                    <a:bodyPr/>
-                    <a:lstStyle/>
-                    <a:p>
-                      <a:r>
-                        <a:rPr lang="pt-BR" dirty="0" smtClean="0"/>
-                        <a:t>Opção</a:t>
-                      </a:r>
-                      <a:endParaRPr lang="pt-BR" dirty="0"/>
-                    </a:p>
-                  </a:txBody>
-                  <a:tcPr/>
-                </a:tc>
-                <a:tc>
-                  <a:txBody>
-                    <a:bodyPr/>
-                    <a:lstStyle/>
-                    <a:p>
-                      <a:r>
-                        <a:rPr lang="pt-BR" dirty="0" smtClean="0"/>
-                        <a:t>Descrição</a:t>
-                      </a:r>
-                      <a:endParaRPr lang="pt-BR" dirty="0"/>
-                    </a:p>
-                  </a:txBody>
-                  <a:tcPr/>
-                </a:tc>
-                <a:extLst>
-                  <a:ext uri="{0D108BD9-81ED-4DB2-BD59-A6C34878D82A}">
-                    <a16:rowId xmlns:a16="http://schemas.microsoft.com/office/drawing/2014/main" val="917021552"/>
-                  </a:ext>
-                </a:extLst>
-              </a:tr>
-              <a:tr h="401674">
-                <a:tc>
-                  <a:txBody>
-                    <a:bodyPr/>
-                    <a:lstStyle/>
-                    <a:p>
-                      <a:r>
-                        <a:rPr lang="pt-BR" dirty="0" smtClean="0"/>
-                        <a:t>%</a:t>
-                      </a:r>
-                      <a:r>
-                        <a:rPr lang="pt-BR" dirty="0" err="1" smtClean="0"/>
-                        <a:t>ae</a:t>
-                      </a:r>
-                      <a:endParaRPr lang="pt-BR" dirty="0"/>
-                    </a:p>
-                  </a:txBody>
-                  <a:tcPr/>
-                </a:tc>
-                <a:tc>
-                  <a:txBody>
-                    <a:bodyPr/>
-                    <a:lstStyle/>
-                    <a:p>
-                      <a:r>
-                        <a:rPr lang="pt-BR" dirty="0" smtClean="0"/>
-                        <a:t>E-mail do autor</a:t>
-                      </a:r>
-                      <a:endParaRPr lang="pt-BR" dirty="0"/>
-                    </a:p>
-                  </a:txBody>
-                  <a:tcPr/>
-                </a:tc>
-                <a:extLst>
-                  <a:ext uri="{0D108BD9-81ED-4DB2-BD59-A6C34878D82A}">
-                    <a16:rowId xmlns:a16="http://schemas.microsoft.com/office/drawing/2014/main" val="1377927910"/>
-                  </a:ext>
-                </a:extLst>
-              </a:tr>
-              <a:tr h="401674">
-                <a:tc>
-                  <a:txBody>
-                    <a:bodyPr/>
-                    <a:lstStyle/>
-                    <a:p>
-                      <a:r>
-                        <a:rPr lang="pt-BR" dirty="0" smtClean="0"/>
-                        <a:t>%ad</a:t>
-                      </a:r>
-                      <a:endParaRPr lang="pt-BR" dirty="0"/>
-                    </a:p>
-                  </a:txBody>
-                  <a:tcPr/>
-                </a:tc>
-                <a:tc>
-                  <a:txBody>
-                    <a:bodyPr/>
-                    <a:lstStyle/>
-                    <a:p>
-                      <a:r>
-                        <a:rPr lang="pt-BR" dirty="0" smtClean="0"/>
-                        <a:t>Data</a:t>
-                      </a:r>
-                      <a:r>
-                        <a:rPr lang="pt-BR" baseline="0" dirty="0" smtClean="0"/>
-                        <a:t> de criação</a:t>
-                      </a:r>
-                      <a:endParaRPr lang="pt-BR" dirty="0"/>
-                    </a:p>
-                  </a:txBody>
-                  <a:tcPr/>
-                </a:tc>
-                <a:extLst>
-                  <a:ext uri="{0D108BD9-81ED-4DB2-BD59-A6C34878D82A}">
-                    <a16:rowId xmlns:a16="http://schemas.microsoft.com/office/drawing/2014/main" val="1733569148"/>
-                  </a:ext>
-                </a:extLst>
-              </a:tr>
-              <a:tr h="401674">
-                <a:tc>
-                  <a:txBody>
-                    <a:bodyPr/>
-                    <a:lstStyle/>
-                    <a:p>
-                      <a:r>
-                        <a:rPr lang="pt-BR" dirty="0" smtClean="0"/>
-                        <a:t>%ar</a:t>
-                      </a:r>
-                      <a:endParaRPr lang="pt-BR" dirty="0"/>
-                    </a:p>
-                  </a:txBody>
-                  <a:tcPr/>
-                </a:tc>
-                <a:tc>
-                  <a:txBody>
-                    <a:bodyPr/>
-                    <a:lstStyle/>
-                    <a:p>
-                      <a:r>
-                        <a:rPr lang="pt-BR" dirty="0" smtClean="0"/>
-                        <a:t>Data de</a:t>
-                      </a:r>
-                      <a:r>
-                        <a:rPr lang="pt-BR" baseline="0" dirty="0" smtClean="0"/>
-                        <a:t> criação relativa</a:t>
-                      </a:r>
-                      <a:endParaRPr lang="pt-BR" dirty="0"/>
-                    </a:p>
-                  </a:txBody>
-                  <a:tcPr/>
-                </a:tc>
-                <a:extLst>
-                  <a:ext uri="{0D108BD9-81ED-4DB2-BD59-A6C34878D82A}">
-                    <a16:rowId xmlns:a16="http://schemas.microsoft.com/office/drawing/2014/main" val="514363647"/>
-                  </a:ext>
-                </a:extLst>
-              </a:tr>
-              <a:tr h="401674">
-                <a:tc>
-                  <a:txBody>
-                    <a:bodyPr/>
-                    <a:lstStyle/>
-                    <a:p>
-                      <a:r>
-                        <a:rPr lang="pt-BR" dirty="0" smtClean="0"/>
-                        <a:t>%</a:t>
-                      </a:r>
-                      <a:r>
-                        <a:rPr lang="pt-BR" dirty="0" err="1" smtClean="0"/>
-                        <a:t>cn</a:t>
-                      </a:r>
-                      <a:endParaRPr lang="pt-BR" dirty="0"/>
-                    </a:p>
-                  </a:txBody>
-                  <a:tcPr/>
-                </a:tc>
-                <a:tc>
-                  <a:txBody>
-                    <a:bodyPr/>
-                    <a:lstStyle/>
-                    <a:p>
-                      <a:r>
-                        <a:rPr lang="pt-BR" dirty="0" smtClean="0"/>
-                        <a:t>Nome</a:t>
-                      </a:r>
-                      <a:r>
-                        <a:rPr lang="pt-BR" baseline="0" dirty="0" smtClean="0"/>
-                        <a:t> de quem </a:t>
-                      </a:r>
-                      <a:r>
-                        <a:rPr lang="pt-BR" baseline="0" dirty="0" err="1" smtClean="0"/>
-                        <a:t>commitou</a:t>
-                      </a:r>
-                      <a:endParaRPr lang="pt-BR" dirty="0"/>
-                    </a:p>
-                  </a:txBody>
-                  <a:tcPr/>
-                </a:tc>
-                <a:extLst>
-                  <a:ext uri="{0D108BD9-81ED-4DB2-BD59-A6C34878D82A}">
-                    <a16:rowId xmlns:a16="http://schemas.microsoft.com/office/drawing/2014/main" val="1618769288"/>
-                  </a:ext>
-                </a:extLst>
-              </a:tr>
-              <a:tr h="401674">
-                <a:tc>
-                  <a:txBody>
-                    <a:bodyPr/>
-                    <a:lstStyle/>
-                    <a:p>
-                      <a:r>
-                        <a:rPr lang="pt-BR" dirty="0" smtClean="0"/>
-                        <a:t>%</a:t>
-                      </a:r>
-                      <a:r>
-                        <a:rPr lang="pt-BR" dirty="0" err="1" smtClean="0"/>
-                        <a:t>ce</a:t>
-                      </a:r>
-                      <a:endParaRPr lang="pt-BR" dirty="0"/>
-                    </a:p>
-                  </a:txBody>
-                  <a:tcPr/>
-                </a:tc>
-                <a:tc>
-                  <a:txBody>
-                    <a:bodyPr/>
-                    <a:lstStyle/>
-                    <a:p>
-                      <a:r>
-                        <a:rPr lang="pt-BR" dirty="0" smtClean="0"/>
-                        <a:t>E-mail de quem </a:t>
-                      </a:r>
-                      <a:r>
-                        <a:rPr lang="pt-BR" dirty="0" err="1" smtClean="0"/>
-                        <a:t>commitou</a:t>
-                      </a:r>
-                      <a:endParaRPr lang="pt-BR" dirty="0"/>
-                    </a:p>
-                  </a:txBody>
-                  <a:tcPr/>
-                </a:tc>
-                <a:extLst>
-                  <a:ext uri="{0D108BD9-81ED-4DB2-BD59-A6C34878D82A}">
-                    <a16:rowId xmlns:a16="http://schemas.microsoft.com/office/drawing/2014/main" val="3662361193"/>
-                  </a:ext>
-                </a:extLst>
-              </a:tr>
-              <a:tr h="401674">
-                <a:tc>
-                  <a:txBody>
-                    <a:bodyPr/>
-                    <a:lstStyle/>
-                    <a:p>
-                      <a:r>
-                        <a:rPr lang="pt-BR" dirty="0" smtClean="0"/>
-                        <a:t>%</a:t>
-                      </a:r>
-                      <a:r>
-                        <a:rPr lang="pt-BR" dirty="0" err="1" smtClean="0"/>
-                        <a:t>cd</a:t>
-                      </a:r>
-                      <a:endParaRPr lang="pt-BR" dirty="0"/>
-                    </a:p>
-                  </a:txBody>
-                  <a:tcPr/>
-                </a:tc>
-                <a:tc>
-                  <a:txBody>
-                    <a:bodyPr/>
-                    <a:lstStyle/>
-                    <a:p>
-                      <a:r>
-                        <a:rPr lang="pt-BR" dirty="0" smtClean="0"/>
-                        <a:t>Data do </a:t>
-                      </a:r>
-                      <a:r>
-                        <a:rPr lang="pt-BR" dirty="0" err="1" smtClean="0"/>
-                        <a:t>commit</a:t>
-                      </a:r>
-                      <a:endParaRPr lang="pt-BR" dirty="0"/>
-                    </a:p>
-                  </a:txBody>
-                  <a:tcPr/>
-                </a:tc>
-                <a:extLst>
-                  <a:ext uri="{0D108BD9-81ED-4DB2-BD59-A6C34878D82A}">
-                    <a16:rowId xmlns:a16="http://schemas.microsoft.com/office/drawing/2014/main" val="174410289"/>
-                  </a:ext>
-                </a:extLst>
-              </a:tr>
-              <a:tr h="401674">
-                <a:tc>
-                  <a:txBody>
-                    <a:bodyPr/>
-                    <a:lstStyle/>
-                    <a:p>
-                      <a:r>
-                        <a:rPr lang="pt-BR" dirty="0" smtClean="0"/>
-                        <a:t>%</a:t>
-                      </a:r>
-                      <a:r>
-                        <a:rPr lang="pt-BR" dirty="0" err="1" smtClean="0"/>
-                        <a:t>cr</a:t>
-                      </a:r>
-                      <a:endParaRPr lang="pt-BR" dirty="0"/>
-                    </a:p>
-                  </a:txBody>
-                  <a:tcPr/>
-                </a:tc>
-                <a:tc>
-                  <a:txBody>
-                    <a:bodyPr/>
-                    <a:lstStyle/>
-                    <a:p>
-                      <a:r>
-                        <a:rPr lang="pt-BR" dirty="0" smtClean="0"/>
-                        <a:t>Data do </a:t>
-                      </a:r>
-                      <a:r>
-                        <a:rPr lang="pt-BR" dirty="0" err="1" smtClean="0"/>
-                        <a:t>commit</a:t>
-                      </a:r>
-                      <a:r>
-                        <a:rPr lang="pt-BR" dirty="0" smtClean="0"/>
-                        <a:t> relativa</a:t>
-                      </a:r>
-                      <a:endParaRPr lang="pt-BR" dirty="0"/>
-                    </a:p>
-                  </a:txBody>
-                  <a:tcPr/>
-                </a:tc>
-                <a:extLst>
-                  <a:ext uri="{0D108BD9-81ED-4DB2-BD59-A6C34878D82A}">
-                    <a16:rowId xmlns:a16="http://schemas.microsoft.com/office/drawing/2014/main" val="937480049"/>
-                  </a:ext>
-                </a:extLst>
-              </a:tr>
-            </a:tbl>
-          </a:graphicData>
-        </a:graphic>
-      </p:graphicFrame>
-    </p:spTree>
-    <p:extLst>
-      <p:ext uri="{BB962C8B-B14F-4D97-AF65-F5344CB8AC3E}">
-        <p14:creationId xmlns:p14="http://schemas.microsoft.com/office/powerpoint/2010/main" val="2511987348"/>
-      </p:ext>
-    </p:extLst>
-  </p:cSld>
-  <p:clrMapOvr>
-    <a:masterClrMapping/>
-  </p:clrMapOvr>
-  <p:timing>
-    <p:tnLst>
-      <p:par>
-        <p:cTn id="1" dur="indefinite" restart="never" nodeType="tmRoot"/>
-      </p:par>
-    </p:tnLst>
-  </p:timing>
-</p:sld>
-</file>
-
-<file path=ppt/slides/slide13.xml><?xml version="1.0" encoding="utf-8"?>
-<p:sld xmlns:a="http://schemas.openxmlformats.org/drawingml/2006/main" xmlns:r="http://schemas.openxmlformats.org/officeDocument/2006/relationships" xmlns:p="http://schemas.openxmlformats.org/presentationml/2006/main">
-  <p:cSld>
-    <p:spTree>
-      <p:nvGrpSpPr>
-        <p:cNvPr id="1" name=""/>
-        <p:cNvGrpSpPr/>
-        <p:nvPr/>
-      </p:nvGrpSpPr>
-      <p:grpSpPr>
-        <a:xfrm>
-          <a:off x="0" y="0"/>
-          <a:ext cx="0" cy="0"/>
-          <a:chOff x="0" y="0"/>
-          <a:chExt cx="0" cy="0"/>
-        </a:xfrm>
-      </p:grpSpPr>
-      <p:sp>
-        <p:nvSpPr>
-          <p:cNvPr id="168" name="CustomShape 1"/>
-          <p:cNvSpPr/>
-          <p:nvPr/>
-        </p:nvSpPr>
-        <p:spPr>
-          <a:xfrm>
-            <a:off x="217800" y="-18720"/>
-            <a:ext cx="10513440" cy="1323360"/>
-          </a:xfrm>
-          <a:prstGeom prst="rect">
-            <a:avLst/>
-          </a:prstGeom>
-          <a:noFill/>
-          <a:ln>
-            <a:noFill/>
-          </a:ln>
-        </p:spPr>
-        <p:style>
-          <a:lnRef idx="0">
-            <a:scrgbClr r="0" g="0" b="0"/>
-          </a:lnRef>
-          <a:fillRef idx="0">
-            <a:scrgbClr r="0" g="0" b="0"/>
-          </a:fillRef>
-          <a:effectRef idx="0">
-            <a:scrgbClr r="0" g="0" b="0"/>
-          </a:effectRef>
-          <a:fontRef idx="minor"/>
-        </p:style>
-        <p:txBody>
-          <a:bodyPr lIns="90000" tIns="45000" rIns="90000" bIns="45000" anchor="ctr"/>
-          <a:lstStyle/>
-          <a:p>
-            <a:pPr>
-              <a:lnSpc>
-                <a:spcPct val="100000"/>
-              </a:lnSpc>
-            </a:pPr>
-            <a:r>
-              <a:rPr lang="pt-BR" sz="3200" b="1" spc="-1" dirty="0" smtClean="0">
-                <a:uFill>
-                  <a:solidFill>
-                    <a:srgbClr val="FFFFFF"/>
-                  </a:solidFill>
-                </a:uFill>
-                <a:latin typeface="Arial" panose="020B0604020202020204" pitchFamily="34" charset="0"/>
-                <a:cs typeface="Arial" panose="020B0604020202020204" pitchFamily="34" charset="0"/>
-              </a:rPr>
-              <a:t>Limitar </a:t>
-            </a:r>
-            <a:r>
-              <a:rPr lang="pt-BR" sz="3200" b="1" spc="-1" dirty="0" err="1" smtClean="0">
-                <a:uFill>
-                  <a:solidFill>
-                    <a:srgbClr val="FFFFFF"/>
-                  </a:solidFill>
-                </a:uFill>
-                <a:latin typeface="Arial" panose="020B0604020202020204" pitchFamily="34" charset="0"/>
-                <a:cs typeface="Arial" panose="020B0604020202020204" pitchFamily="34" charset="0"/>
-              </a:rPr>
-              <a:t>git</a:t>
-            </a:r>
-            <a:r>
-              <a:rPr lang="pt-BR" sz="3200" b="1" spc="-1" dirty="0" smtClean="0">
-                <a:uFill>
-                  <a:solidFill>
-                    <a:srgbClr val="FFFFFF"/>
-                  </a:solidFill>
-                </a:uFill>
-                <a:latin typeface="Arial" panose="020B0604020202020204" pitchFamily="34" charset="0"/>
-                <a:cs typeface="Arial" panose="020B0604020202020204" pitchFamily="34" charset="0"/>
-              </a:rPr>
-              <a:t> log</a:t>
-            </a:r>
-            <a:endParaRPr lang="pt-BR" sz="1800" b="1" strike="noStrike" spc="-1" dirty="0">
-              <a:uFill>
-                <a:solidFill>
-                  <a:srgbClr val="FFFFFF"/>
-                </a:solidFill>
-              </a:uFill>
-              <a:latin typeface="Arial" panose="020B0604020202020204" pitchFamily="34" charset="0"/>
-              <a:cs typeface="Arial" panose="020B0604020202020204" pitchFamily="34" charset="0"/>
-            </a:endParaRPr>
-          </a:p>
-        </p:txBody>
-      </p:sp>
-      <p:sp>
-        <p:nvSpPr>
-          <p:cNvPr id="6" name="CustomShape 2"/>
-          <p:cNvSpPr/>
-          <p:nvPr/>
-        </p:nvSpPr>
-        <p:spPr>
-          <a:xfrm>
-            <a:off x="334800" y="1649192"/>
-            <a:ext cx="11543400" cy="2067840"/>
-          </a:xfrm>
-          <a:prstGeom prst="rect">
-            <a:avLst/>
-          </a:prstGeom>
-          <a:noFill/>
-          <a:ln>
-            <a:noFill/>
-          </a:ln>
-        </p:spPr>
-        <p:style>
-          <a:lnRef idx="0">
-            <a:scrgbClr r="0" g="0" b="0"/>
-          </a:lnRef>
-          <a:fillRef idx="0">
-            <a:scrgbClr r="0" g="0" b="0"/>
-          </a:fillRef>
-          <a:effectRef idx="0">
-            <a:scrgbClr r="0" g="0" b="0"/>
-          </a:effectRef>
-          <a:fontRef idx="minor"/>
-        </p:style>
-        <p:txBody>
-          <a:bodyPr lIns="90000" tIns="45000" rIns="90000" bIns="45000"/>
-          <a:lstStyle/>
-          <a:p>
-            <a:pPr marL="2160">
-              <a:lnSpc>
-                <a:spcPct val="90000"/>
-              </a:lnSpc>
-              <a:buClr>
-                <a:srgbClr val="808080"/>
-              </a:buClr>
-            </a:pPr>
-            <a:endParaRPr lang="pt-BR" sz="1800" b="0" strike="noStrike" spc="-1" dirty="0" smtClean="0">
-              <a:solidFill>
-                <a:srgbClr val="000000"/>
-              </a:solidFill>
-              <a:uFill>
-                <a:solidFill>
-                  <a:srgbClr val="FFFFFF"/>
-                </a:solidFill>
-              </a:uFill>
-              <a:latin typeface="Arial"/>
-            </a:endParaRPr>
-          </a:p>
-        </p:txBody>
-      </p:sp>
-      <p:graphicFrame>
-        <p:nvGraphicFramePr>
-          <p:cNvPr id="2" name="Tabela 1"/>
-          <p:cNvGraphicFramePr>
-            <a:graphicFrameLocks noGrp="1"/>
-          </p:cNvGraphicFramePr>
-          <p:nvPr>
-            <p:extLst>
-              <p:ext uri="{D42A27DB-BD31-4B8C-83A1-F6EECF244321}">
-                <p14:modId xmlns:p14="http://schemas.microsoft.com/office/powerpoint/2010/main" val="3175560580"/>
-              </p:ext>
-            </p:extLst>
-          </p:nvPr>
-        </p:nvGraphicFramePr>
-        <p:xfrm>
-          <a:off x="2032000" y="2300064"/>
-          <a:ext cx="8128000" cy="4328160"/>
-        </p:xfrm>
-        <a:graphic>
-          <a:graphicData uri="http://schemas.openxmlformats.org/drawingml/2006/table">
-            <a:tbl>
-              <a:tblPr firstRow="1" bandRow="1">
-                <a:tableStyleId>{5C22544A-7EE6-4342-B048-85BDC9FD1C3A}</a:tableStyleId>
-              </a:tblPr>
-              <a:tblGrid>
-                <a:gridCol w="4064000">
-                  <a:extLst>
-                    <a:ext uri="{9D8B030D-6E8A-4147-A177-3AD203B41FA5}">
-                      <a16:colId xmlns:a16="http://schemas.microsoft.com/office/drawing/2014/main" val="3374447052"/>
-                    </a:ext>
-                  </a:extLst>
-                </a:gridCol>
-                <a:gridCol w="4064000">
-                  <a:extLst>
-                    <a:ext uri="{9D8B030D-6E8A-4147-A177-3AD203B41FA5}">
-                      <a16:colId xmlns:a16="http://schemas.microsoft.com/office/drawing/2014/main" val="3954223701"/>
-                    </a:ext>
-                  </a:extLst>
-                </a:gridCol>
-              </a:tblGrid>
-              <a:tr h="370840">
-                <a:tc>
-                  <a:txBody>
-                    <a:bodyPr/>
-                    <a:lstStyle/>
-                    <a:p>
-                      <a:r>
-                        <a:rPr lang="pt-BR" dirty="0" smtClean="0"/>
-                        <a:t>Opção</a:t>
-                      </a:r>
-                      <a:endParaRPr lang="pt-BR" dirty="0"/>
-                    </a:p>
-                  </a:txBody>
-                  <a:tcPr/>
-                </a:tc>
-                <a:tc>
-                  <a:txBody>
-                    <a:bodyPr/>
-                    <a:lstStyle/>
-                    <a:p>
-                      <a:r>
-                        <a:rPr lang="pt-BR" dirty="0" smtClean="0"/>
-                        <a:t>Descrição</a:t>
-                      </a:r>
-                      <a:endParaRPr lang="pt-BR" dirty="0"/>
-                    </a:p>
-                  </a:txBody>
-                  <a:tcPr/>
-                </a:tc>
-                <a:extLst>
-                  <a:ext uri="{0D108BD9-81ED-4DB2-BD59-A6C34878D82A}">
-                    <a16:rowId xmlns:a16="http://schemas.microsoft.com/office/drawing/2014/main" val="3724748763"/>
-                  </a:ext>
-                </a:extLst>
-              </a:tr>
-              <a:tr h="370840">
-                <a:tc>
-                  <a:txBody>
-                    <a:bodyPr/>
-                    <a:lstStyle/>
-                    <a:p>
-                      <a:r>
-                        <a:rPr lang="pt-BR" dirty="0" smtClean="0"/>
-                        <a:t>-(n)</a:t>
-                      </a:r>
-                      <a:endParaRPr lang="pt-BR" dirty="0"/>
-                    </a:p>
-                  </a:txBody>
-                  <a:tcPr/>
-                </a:tc>
-                <a:tc>
-                  <a:txBody>
-                    <a:bodyPr/>
-                    <a:lstStyle/>
-                    <a:p>
-                      <a:r>
-                        <a:rPr lang="pt-BR" dirty="0" smtClean="0"/>
-                        <a:t>Número de </a:t>
-                      </a:r>
-                      <a:r>
-                        <a:rPr lang="pt-BR" dirty="0" err="1" smtClean="0"/>
-                        <a:t>commits</a:t>
-                      </a:r>
-                      <a:endParaRPr lang="pt-BR" dirty="0"/>
-                    </a:p>
-                  </a:txBody>
-                  <a:tcPr/>
-                </a:tc>
-                <a:extLst>
-                  <a:ext uri="{0D108BD9-81ED-4DB2-BD59-A6C34878D82A}">
-                    <a16:rowId xmlns:a16="http://schemas.microsoft.com/office/drawing/2014/main" val="588200072"/>
-                  </a:ext>
-                </a:extLst>
-              </a:tr>
-              <a:tr h="370840">
-                <a:tc>
-                  <a:txBody>
-                    <a:bodyPr/>
-                    <a:lstStyle/>
-                    <a:p>
-                      <a:r>
-                        <a:rPr lang="pt-BR" dirty="0" smtClean="0"/>
-                        <a:t>--</a:t>
-                      </a:r>
-                      <a:r>
-                        <a:rPr lang="pt-BR" dirty="0" err="1" smtClean="0"/>
-                        <a:t>since</a:t>
-                      </a:r>
-                      <a:endParaRPr lang="pt-BR" dirty="0" smtClean="0"/>
-                    </a:p>
-                    <a:p>
-                      <a:r>
-                        <a:rPr lang="pt-BR" dirty="0" smtClean="0"/>
-                        <a:t>--</a:t>
-                      </a:r>
-                      <a:r>
-                        <a:rPr lang="pt-BR" dirty="0" err="1" smtClean="0"/>
-                        <a:t>after</a:t>
-                      </a:r>
-                      <a:endParaRPr lang="pt-BR" dirty="0"/>
-                    </a:p>
-                  </a:txBody>
-                  <a:tcPr/>
-                </a:tc>
-                <a:tc>
-                  <a:txBody>
-                    <a:bodyPr/>
-                    <a:lstStyle/>
-                    <a:p>
-                      <a:r>
-                        <a:rPr lang="pt-BR" dirty="0" smtClean="0"/>
-                        <a:t>Depois de uma data</a:t>
-                      </a:r>
-                    </a:p>
-                    <a:p>
-                      <a:r>
-                        <a:rPr lang="pt-BR" dirty="0" err="1" smtClean="0"/>
-                        <a:t>Ex</a:t>
-                      </a:r>
-                      <a:r>
-                        <a:rPr lang="pt-BR" dirty="0" smtClean="0"/>
-                        <a:t>:</a:t>
-                      </a:r>
-                      <a:r>
-                        <a:rPr lang="pt-BR" baseline="0" dirty="0" smtClean="0"/>
-                        <a:t> --</a:t>
-                      </a:r>
-                      <a:r>
-                        <a:rPr lang="pt-BR" baseline="0" dirty="0" err="1" smtClean="0"/>
-                        <a:t>since</a:t>
-                      </a:r>
-                      <a:r>
-                        <a:rPr lang="pt-BR" baseline="0" dirty="0" smtClean="0"/>
-                        <a:t>=2.weeks</a:t>
-                      </a:r>
-                    </a:p>
-                    <a:p>
-                      <a:r>
-                        <a:rPr lang="pt-BR" dirty="0" smtClean="0"/>
-                        <a:t>      --</a:t>
-                      </a:r>
-                      <a:r>
-                        <a:rPr lang="pt-BR" dirty="0" err="1" smtClean="0"/>
-                        <a:t>since</a:t>
-                      </a:r>
-                      <a:r>
-                        <a:rPr lang="pt-BR" dirty="0" smtClean="0"/>
-                        <a:t>=“2019-11-01”</a:t>
-                      </a:r>
-                    </a:p>
-                    <a:p>
-                      <a:r>
-                        <a:rPr lang="pt-BR" dirty="0" smtClean="0"/>
-                        <a:t>      --</a:t>
-                      </a:r>
-                      <a:r>
-                        <a:rPr lang="pt-BR" dirty="0" err="1" smtClean="0"/>
-                        <a:t>since</a:t>
-                      </a:r>
-                      <a:r>
-                        <a:rPr lang="pt-BR" dirty="0" smtClean="0"/>
-                        <a:t>=“1</a:t>
-                      </a:r>
-                      <a:r>
-                        <a:rPr lang="pt-BR" baseline="0" dirty="0" smtClean="0"/>
-                        <a:t>  </a:t>
-                      </a:r>
-                      <a:r>
-                        <a:rPr lang="pt-BR" baseline="0" dirty="0" err="1" smtClean="0"/>
-                        <a:t>year</a:t>
-                      </a:r>
-                      <a:r>
-                        <a:rPr lang="pt-BR" baseline="0" dirty="0" smtClean="0"/>
-                        <a:t> 6 </a:t>
-                      </a:r>
-                      <a:r>
-                        <a:rPr lang="pt-BR" baseline="0" dirty="0" err="1" smtClean="0"/>
-                        <a:t>months</a:t>
-                      </a:r>
-                      <a:r>
-                        <a:rPr lang="pt-BR" baseline="0" dirty="0" smtClean="0"/>
-                        <a:t> 21 </a:t>
-                      </a:r>
-                      <a:r>
-                        <a:rPr lang="pt-BR" baseline="0" dirty="0" err="1" smtClean="0"/>
-                        <a:t>days</a:t>
-                      </a:r>
-                      <a:r>
-                        <a:rPr lang="pt-BR" baseline="0" dirty="0" smtClean="0"/>
-                        <a:t> 3 hours 1 minute 7 </a:t>
-                      </a:r>
-                      <a:r>
-                        <a:rPr lang="pt-BR" baseline="0" dirty="0" err="1" smtClean="0"/>
-                        <a:t>seconds</a:t>
-                      </a:r>
-                      <a:r>
-                        <a:rPr lang="pt-BR" dirty="0" smtClean="0"/>
-                        <a:t>”</a:t>
-                      </a:r>
-                      <a:endParaRPr lang="pt-BR" dirty="0"/>
-                    </a:p>
-                  </a:txBody>
-                  <a:tcPr/>
-                </a:tc>
-                <a:extLst>
-                  <a:ext uri="{0D108BD9-81ED-4DB2-BD59-A6C34878D82A}">
-                    <a16:rowId xmlns:a16="http://schemas.microsoft.com/office/drawing/2014/main" val="565203834"/>
-                  </a:ext>
-                </a:extLst>
-              </a:tr>
-              <a:tr h="370840">
-                <a:tc>
-                  <a:txBody>
-                    <a:bodyPr/>
-                    <a:lstStyle/>
-                    <a:p>
-                      <a:r>
-                        <a:rPr lang="pt-BR" dirty="0" smtClean="0"/>
-                        <a:t>--</a:t>
-                      </a:r>
-                      <a:r>
-                        <a:rPr lang="pt-BR" dirty="0" err="1" smtClean="0"/>
-                        <a:t>until</a:t>
-                      </a:r>
-                      <a:endParaRPr lang="pt-BR" dirty="0" smtClean="0"/>
-                    </a:p>
-                    <a:p>
-                      <a:r>
-                        <a:rPr lang="pt-BR" dirty="0" smtClean="0"/>
-                        <a:t>--</a:t>
-                      </a:r>
-                      <a:r>
-                        <a:rPr lang="pt-BR" dirty="0" err="1" smtClean="0"/>
-                        <a:t>before</a:t>
-                      </a:r>
-                      <a:endParaRPr lang="pt-BR" dirty="0"/>
-                    </a:p>
-                  </a:txBody>
-                  <a:tcPr/>
-                </a:tc>
-                <a:tc>
-                  <a:txBody>
-                    <a:bodyPr/>
-                    <a:lstStyle/>
-                    <a:p>
-                      <a:r>
-                        <a:rPr lang="pt-BR" dirty="0" smtClean="0"/>
-                        <a:t>Antes de uma data</a:t>
-                      </a:r>
-                      <a:endParaRPr lang="pt-BR" dirty="0"/>
-                    </a:p>
-                  </a:txBody>
-                  <a:tcPr/>
-                </a:tc>
-                <a:extLst>
-                  <a:ext uri="{0D108BD9-81ED-4DB2-BD59-A6C34878D82A}">
-                    <a16:rowId xmlns:a16="http://schemas.microsoft.com/office/drawing/2014/main" val="3230200514"/>
-                  </a:ext>
-                </a:extLst>
-              </a:tr>
-              <a:tr h="370840">
-                <a:tc>
-                  <a:txBody>
-                    <a:bodyPr/>
-                    <a:lstStyle/>
-                    <a:p>
-                      <a:r>
-                        <a:rPr lang="pt-BR" dirty="0" smtClean="0"/>
-                        <a:t>--</a:t>
-                      </a:r>
-                      <a:r>
-                        <a:rPr lang="pt-BR" dirty="0" err="1" smtClean="0"/>
-                        <a:t>author</a:t>
-                      </a:r>
-                      <a:endParaRPr lang="pt-BR" dirty="0"/>
-                    </a:p>
-                  </a:txBody>
-                  <a:tcPr/>
-                </a:tc>
-                <a:tc>
-                  <a:txBody>
-                    <a:bodyPr/>
-                    <a:lstStyle/>
-                    <a:p>
-                      <a:r>
-                        <a:rPr lang="pt-BR" dirty="0" smtClean="0"/>
-                        <a:t>Filtra</a:t>
-                      </a:r>
-                      <a:r>
-                        <a:rPr lang="pt-BR" baseline="0" dirty="0" smtClean="0"/>
-                        <a:t> por autor</a:t>
-                      </a:r>
-                      <a:endParaRPr lang="pt-BR" dirty="0"/>
-                    </a:p>
-                  </a:txBody>
-                  <a:tcPr/>
-                </a:tc>
-                <a:extLst>
-                  <a:ext uri="{0D108BD9-81ED-4DB2-BD59-A6C34878D82A}">
-                    <a16:rowId xmlns:a16="http://schemas.microsoft.com/office/drawing/2014/main" val="1878403235"/>
-                  </a:ext>
-                </a:extLst>
-              </a:tr>
-              <a:tr h="370840">
-                <a:tc>
-                  <a:txBody>
-                    <a:bodyPr/>
-                    <a:lstStyle/>
-                    <a:p>
-                      <a:r>
-                        <a:rPr lang="pt-BR" dirty="0" smtClean="0"/>
-                        <a:t>--</a:t>
-                      </a:r>
-                      <a:r>
-                        <a:rPr lang="pt-BR" dirty="0" err="1" smtClean="0"/>
-                        <a:t>commiter</a:t>
-                      </a:r>
-                      <a:endParaRPr lang="pt-BR" dirty="0"/>
-                    </a:p>
-                  </a:txBody>
-                  <a:tcPr/>
-                </a:tc>
-                <a:tc>
-                  <a:txBody>
-                    <a:bodyPr/>
-                    <a:lstStyle/>
-                    <a:p>
-                      <a:r>
-                        <a:rPr lang="pt-BR" dirty="0" err="1" smtClean="0"/>
-                        <a:t>Fitra</a:t>
-                      </a:r>
-                      <a:r>
-                        <a:rPr lang="pt-BR" dirty="0" smtClean="0"/>
-                        <a:t> por quem </a:t>
-                      </a:r>
-                      <a:r>
-                        <a:rPr lang="pt-BR" dirty="0" err="1" smtClean="0"/>
-                        <a:t>commitou</a:t>
-                      </a:r>
-                      <a:endParaRPr lang="pt-BR" dirty="0"/>
-                    </a:p>
-                  </a:txBody>
-                  <a:tcPr/>
-                </a:tc>
-                <a:extLst>
-                  <a:ext uri="{0D108BD9-81ED-4DB2-BD59-A6C34878D82A}">
-                    <a16:rowId xmlns:a16="http://schemas.microsoft.com/office/drawing/2014/main" val="1769541329"/>
-                  </a:ext>
-                </a:extLst>
-              </a:tr>
-              <a:tr h="370840">
-                <a:tc>
-                  <a:txBody>
-                    <a:bodyPr/>
-                    <a:lstStyle/>
-                    <a:p>
-                      <a:r>
-                        <a:rPr lang="pt-BR" dirty="0" smtClean="0"/>
-                        <a:t>--</a:t>
-                      </a:r>
-                      <a:r>
-                        <a:rPr lang="pt-BR" dirty="0" err="1" smtClean="0"/>
-                        <a:t>grep</a:t>
-                      </a:r>
-                      <a:endParaRPr lang="pt-BR" dirty="0"/>
-                    </a:p>
-                  </a:txBody>
-                  <a:tcPr/>
-                </a:tc>
-                <a:tc>
-                  <a:txBody>
-                    <a:bodyPr/>
-                    <a:lstStyle/>
-                    <a:p>
-                      <a:r>
-                        <a:rPr lang="pt-BR" dirty="0" smtClean="0"/>
-                        <a:t>Filtra pela mensagem de </a:t>
-                      </a:r>
-                      <a:r>
-                        <a:rPr lang="pt-BR" dirty="0" err="1" smtClean="0"/>
-                        <a:t>commit</a:t>
-                      </a:r>
-                      <a:endParaRPr lang="pt-BR" dirty="0"/>
-                    </a:p>
-                  </a:txBody>
-                  <a:tcPr/>
-                </a:tc>
-                <a:extLst>
-                  <a:ext uri="{0D108BD9-81ED-4DB2-BD59-A6C34878D82A}">
-                    <a16:rowId xmlns:a16="http://schemas.microsoft.com/office/drawing/2014/main" val="3623419469"/>
-                  </a:ext>
-                </a:extLst>
-              </a:tr>
-              <a:tr h="370840">
-                <a:tc>
-                  <a:txBody>
-                    <a:bodyPr/>
-                    <a:lstStyle/>
-                    <a:p>
-                      <a:r>
-                        <a:rPr lang="pt-BR" dirty="0" smtClean="0"/>
-                        <a:t>-s</a:t>
-                      </a:r>
-                      <a:endParaRPr lang="pt-BR" dirty="0"/>
-                    </a:p>
-                  </a:txBody>
-                  <a:tcPr/>
-                </a:tc>
-                <a:tc>
-                  <a:txBody>
-                    <a:bodyPr/>
-                    <a:lstStyle/>
-                    <a:p>
-                      <a:r>
-                        <a:rPr lang="pt-BR" dirty="0" smtClean="0"/>
-                        <a:t>Filtra por conteúdo do arquivo</a:t>
-                      </a:r>
-                      <a:endParaRPr lang="pt-BR" dirty="0"/>
-                    </a:p>
-                  </a:txBody>
-                  <a:tcPr/>
-                </a:tc>
-                <a:extLst>
-                  <a:ext uri="{0D108BD9-81ED-4DB2-BD59-A6C34878D82A}">
-                    <a16:rowId xmlns:a16="http://schemas.microsoft.com/office/drawing/2014/main" val="3750988505"/>
-                  </a:ext>
-                </a:extLst>
-              </a:tr>
-            </a:tbl>
-          </a:graphicData>
-        </a:graphic>
-      </p:graphicFrame>
-    </p:spTree>
-    <p:extLst>
-      <p:ext uri="{BB962C8B-B14F-4D97-AF65-F5344CB8AC3E}">
-        <p14:creationId xmlns:p14="http://schemas.microsoft.com/office/powerpoint/2010/main" val="447731460"/>
-      </p:ext>
-    </p:extLst>
-  </p:cSld>
-  <p:clrMapOvr>
-    <a:masterClrMapping/>
-  </p:clrMapOvr>
-  <p:timing>
-    <p:tnLst>
-      <p:par>
-        <p:cTn id="1" dur="indefinite" restart="never" nodeType="tmRoot"/>
-      </p:par>
-    </p:tnLst>
-  </p:timing>
-</p:sld>
-</file>
-
-<file path=ppt/slides/slide14.xml><?xml version="1.0" encoding="utf-8"?>
-<p:sld xmlns:a="http://schemas.openxmlformats.org/drawingml/2006/main" xmlns:r="http://schemas.openxmlformats.org/officeDocument/2006/relationships" xmlns:p="http://schemas.openxmlformats.org/presentationml/2006/main">
-  <p:cSld>
-    <p:spTree>
-      <p:nvGrpSpPr>
-        <p:cNvPr id="1" name=""/>
-        <p:cNvGrpSpPr/>
-        <p:nvPr/>
-      </p:nvGrpSpPr>
-      <p:grpSpPr>
-        <a:xfrm>
-          <a:off x="0" y="0"/>
-          <a:ext cx="0" cy="0"/>
-          <a:chOff x="0" y="0"/>
-          <a:chExt cx="0" cy="0"/>
-        </a:xfrm>
-      </p:grpSpPr>
-      <p:sp>
-        <p:nvSpPr>
-          <p:cNvPr id="168" name="CustomShape 1"/>
-          <p:cNvSpPr/>
-          <p:nvPr/>
-        </p:nvSpPr>
-        <p:spPr>
-          <a:xfrm>
-            <a:off x="217800" y="-18720"/>
-            <a:ext cx="10513440" cy="1323360"/>
-          </a:xfrm>
-          <a:prstGeom prst="rect">
-            <a:avLst/>
-          </a:prstGeom>
-          <a:noFill/>
-          <a:ln>
-            <a:noFill/>
-          </a:ln>
-        </p:spPr>
-        <p:style>
-          <a:lnRef idx="0">
-            <a:scrgbClr r="0" g="0" b="0"/>
-          </a:lnRef>
-          <a:fillRef idx="0">
-            <a:scrgbClr r="0" g="0" b="0"/>
-          </a:fillRef>
-          <a:effectRef idx="0">
-            <a:scrgbClr r="0" g="0" b="0"/>
-          </a:effectRef>
-          <a:fontRef idx="minor"/>
-        </p:style>
-        <p:txBody>
-          <a:bodyPr lIns="90000" tIns="45000" rIns="90000" bIns="45000" anchor="ctr"/>
-          <a:lstStyle/>
-          <a:p>
-            <a:pPr>
-              <a:lnSpc>
-                <a:spcPct val="100000"/>
-              </a:lnSpc>
-            </a:pPr>
-            <a:r>
-              <a:rPr lang="pt-BR" sz="3200" b="1" spc="-1" dirty="0" err="1" smtClean="0">
-                <a:uFill>
-                  <a:solidFill>
-                    <a:srgbClr val="FFFFFF"/>
-                  </a:solidFill>
-                </a:uFill>
-                <a:latin typeface="Arial" panose="020B0604020202020204" pitchFamily="34" charset="0"/>
-                <a:cs typeface="Arial" panose="020B0604020202020204" pitchFamily="34" charset="0"/>
-              </a:rPr>
-              <a:t>Markdown</a:t>
-            </a:r>
-            <a:endParaRPr lang="pt-BR" sz="1800" b="1" strike="noStrike" spc="-1" dirty="0">
-              <a:uFill>
-                <a:solidFill>
-                  <a:srgbClr val="FFFFFF"/>
-                </a:solidFill>
-              </a:uFill>
-              <a:latin typeface="Arial" panose="020B0604020202020204" pitchFamily="34" charset="0"/>
-              <a:cs typeface="Arial" panose="020B0604020202020204" pitchFamily="34" charset="0"/>
-            </a:endParaRPr>
-          </a:p>
-        </p:txBody>
-      </p:sp>
-      <p:graphicFrame>
-        <p:nvGraphicFramePr>
-          <p:cNvPr id="2" name="Tabela 1"/>
-          <p:cNvGraphicFramePr>
-            <a:graphicFrameLocks noGrp="1"/>
-          </p:cNvGraphicFramePr>
-          <p:nvPr>
-            <p:extLst>
-              <p:ext uri="{D42A27DB-BD31-4B8C-83A1-F6EECF244321}">
-                <p14:modId xmlns:p14="http://schemas.microsoft.com/office/powerpoint/2010/main" val="3354958409"/>
-              </p:ext>
-            </p:extLst>
-          </p:nvPr>
-        </p:nvGraphicFramePr>
-        <p:xfrm>
-          <a:off x="407368" y="1584152"/>
-          <a:ext cx="11377264" cy="5157216"/>
-        </p:xfrm>
-        <a:graphic>
-          <a:graphicData uri="http://schemas.openxmlformats.org/drawingml/2006/table">
-            <a:tbl>
-              <a:tblPr firstRow="1" bandRow="1">
-                <a:tableStyleId>{5C22544A-7EE6-4342-B048-85BDC9FD1C3A}</a:tableStyleId>
-              </a:tblPr>
-              <a:tblGrid>
-                <a:gridCol w="2376264">
-                  <a:extLst>
-                    <a:ext uri="{9D8B030D-6E8A-4147-A177-3AD203B41FA5}">
-                      <a16:colId xmlns:a16="http://schemas.microsoft.com/office/drawing/2014/main" val="1848859505"/>
-                    </a:ext>
-                  </a:extLst>
-                </a:gridCol>
-                <a:gridCol w="9001000">
-                  <a:extLst>
-                    <a:ext uri="{9D8B030D-6E8A-4147-A177-3AD203B41FA5}">
-                      <a16:colId xmlns:a16="http://schemas.microsoft.com/office/drawing/2014/main" val="2776666458"/>
-                    </a:ext>
-                  </a:extLst>
-                </a:gridCol>
-              </a:tblGrid>
-              <a:tr h="342166">
-                <a:tc>
-                  <a:txBody>
-                    <a:bodyPr/>
-                    <a:lstStyle/>
-                    <a:p>
-                      <a:r>
-                        <a:rPr lang="pt-BR" dirty="0" smtClean="0"/>
-                        <a:t>Tipo</a:t>
-                      </a:r>
-                      <a:endParaRPr lang="pt-BR" dirty="0"/>
-                    </a:p>
-                  </a:txBody>
-                  <a:tcPr/>
-                </a:tc>
-                <a:tc>
-                  <a:txBody>
-                    <a:bodyPr/>
-                    <a:lstStyle/>
-                    <a:p>
-                      <a:r>
-                        <a:rPr lang="pt-BR" dirty="0" smtClean="0"/>
-                        <a:t>Uso</a:t>
-                      </a:r>
-                      <a:endParaRPr lang="pt-BR" dirty="0"/>
-                    </a:p>
-                  </a:txBody>
-                  <a:tcPr/>
-                </a:tc>
-                <a:extLst>
-                  <a:ext uri="{0D108BD9-81ED-4DB2-BD59-A6C34878D82A}">
-                    <a16:rowId xmlns:a16="http://schemas.microsoft.com/office/drawing/2014/main" val="4217071769"/>
-                  </a:ext>
-                </a:extLst>
-              </a:tr>
-              <a:tr h="342166">
-                <a:tc>
-                  <a:txBody>
-                    <a:bodyPr/>
-                    <a:lstStyle/>
-                    <a:p>
-                      <a:pPr marL="2160">
-                        <a:lnSpc>
-                          <a:spcPct val="90000"/>
-                        </a:lnSpc>
-                        <a:buClr>
-                          <a:srgbClr val="808080"/>
-                        </a:buClr>
-                      </a:pPr>
-                      <a:r>
-                        <a:rPr lang="pt-BR" sz="1800" b="0" strike="noStrike" spc="-1" dirty="0" smtClean="0">
-                          <a:solidFill>
-                            <a:srgbClr val="000000"/>
-                          </a:solidFill>
-                          <a:uFill>
-                            <a:solidFill>
-                              <a:srgbClr val="FFFFFF"/>
-                            </a:solidFill>
-                          </a:uFill>
-                          <a:latin typeface="+mn-lt"/>
-                        </a:rPr>
-                        <a:t>Cabeçalho</a:t>
-                      </a:r>
-                    </a:p>
-                  </a:txBody>
-                  <a:tcPr/>
-                </a:tc>
-                <a:tc>
-                  <a:txBody>
-                    <a:bodyPr/>
-                    <a:lstStyle/>
-                    <a:p>
-                      <a:r>
-                        <a:rPr lang="pt-BR" dirty="0" smtClean="0"/>
-                        <a:t># Cabeçalho (quanto mais # menor o texto)</a:t>
-                      </a:r>
-                      <a:endParaRPr lang="pt-BR" dirty="0"/>
-                    </a:p>
-                  </a:txBody>
-                  <a:tcPr/>
-                </a:tc>
-                <a:extLst>
-                  <a:ext uri="{0D108BD9-81ED-4DB2-BD59-A6C34878D82A}">
-                    <a16:rowId xmlns:a16="http://schemas.microsoft.com/office/drawing/2014/main" val="1696643656"/>
-                  </a:ext>
-                </a:extLst>
-              </a:tr>
-              <a:tr h="342166">
-                <a:tc>
-                  <a:txBody>
-                    <a:bodyPr/>
-                    <a:lstStyle/>
-                    <a:p>
-                      <a:r>
-                        <a:rPr lang="pt-BR" dirty="0" smtClean="0"/>
-                        <a:t>Linha horizontal</a:t>
-                      </a:r>
-                      <a:endParaRPr lang="pt-BR" dirty="0"/>
-                    </a:p>
-                  </a:txBody>
-                  <a:tcPr/>
-                </a:tc>
-                <a:tc>
-                  <a:txBody>
-                    <a:bodyPr/>
-                    <a:lstStyle/>
-                    <a:p>
-                      <a:r>
-                        <a:rPr lang="pt-BR" dirty="0" smtClean="0"/>
-                        <a:t>-------------- ou ******************</a:t>
-                      </a:r>
-                      <a:endParaRPr lang="pt-BR" dirty="0"/>
-                    </a:p>
-                  </a:txBody>
-                  <a:tcPr/>
-                </a:tc>
-                <a:extLst>
-                  <a:ext uri="{0D108BD9-81ED-4DB2-BD59-A6C34878D82A}">
-                    <a16:rowId xmlns:a16="http://schemas.microsoft.com/office/drawing/2014/main" val="2169184532"/>
-                  </a:ext>
-                </a:extLst>
-              </a:tr>
-              <a:tr h="342166">
-                <a:tc>
-                  <a:txBody>
-                    <a:bodyPr/>
-                    <a:lstStyle/>
-                    <a:p>
-                      <a:r>
-                        <a:rPr lang="pt-BR" dirty="0" smtClean="0"/>
-                        <a:t>Pular linha</a:t>
-                      </a:r>
-                      <a:endParaRPr lang="pt-BR" dirty="0"/>
-                    </a:p>
-                  </a:txBody>
-                  <a:tcPr/>
-                </a:tc>
-                <a:tc>
-                  <a:txBody>
-                    <a:bodyPr/>
-                    <a:lstStyle/>
-                    <a:p>
-                      <a:r>
-                        <a:rPr lang="pt-BR" dirty="0" smtClean="0"/>
-                        <a:t>(dois espaços)</a:t>
-                      </a:r>
-                      <a:endParaRPr lang="pt-BR" dirty="0"/>
-                    </a:p>
-                  </a:txBody>
-                  <a:tcPr/>
-                </a:tc>
-                <a:extLst>
-                  <a:ext uri="{0D108BD9-81ED-4DB2-BD59-A6C34878D82A}">
-                    <a16:rowId xmlns:a16="http://schemas.microsoft.com/office/drawing/2014/main" val="3783219869"/>
-                  </a:ext>
-                </a:extLst>
-              </a:tr>
-              <a:tr h="342166">
-                <a:tc>
-                  <a:txBody>
-                    <a:bodyPr/>
-                    <a:lstStyle/>
-                    <a:p>
-                      <a:r>
-                        <a:rPr lang="pt-BR" dirty="0" smtClean="0"/>
-                        <a:t>Negrito</a:t>
-                      </a:r>
-                      <a:endParaRPr lang="pt-BR" dirty="0"/>
-                    </a:p>
-                  </a:txBody>
-                  <a:tcPr/>
-                </a:tc>
-                <a:tc>
-                  <a:txBody>
-                    <a:bodyPr/>
-                    <a:lstStyle/>
-                    <a:p>
-                      <a:pPr marL="0" marR="0" lvl="0" indent="0" defTabSz="914400" eaLnBrk="1" fontAlgn="auto" latinLnBrk="0" hangingPunct="1">
-                        <a:lnSpc>
-                          <a:spcPct val="100000"/>
-                        </a:lnSpc>
-                        <a:spcBef>
-                          <a:spcPts val="0"/>
-                        </a:spcBef>
-                        <a:spcAft>
-                          <a:spcPts val="0"/>
-                        </a:spcAft>
-                        <a:buClrTx/>
-                        <a:buSzTx/>
-                        <a:buFontTx/>
-                        <a:buNone/>
-                        <a:tabLst/>
-                        <a:defRPr/>
-                      </a:pPr>
-                      <a:r>
-                        <a:rPr lang="pt-BR" sz="1800" spc="-1" dirty="0" smtClean="0">
-                          <a:uFill>
-                            <a:solidFill>
-                              <a:srgbClr val="FFFFFF"/>
-                            </a:solidFill>
-                          </a:uFill>
-                          <a:latin typeface="+mn-lt"/>
-                        </a:rPr>
-                        <a:t>**negrito** ou __negrito__</a:t>
-                      </a:r>
-                    </a:p>
-                  </a:txBody>
-                  <a:tcPr/>
-                </a:tc>
-                <a:extLst>
-                  <a:ext uri="{0D108BD9-81ED-4DB2-BD59-A6C34878D82A}">
-                    <a16:rowId xmlns:a16="http://schemas.microsoft.com/office/drawing/2014/main" val="2151198670"/>
-                  </a:ext>
-                </a:extLst>
-              </a:tr>
-              <a:tr h="342166">
-                <a:tc>
-                  <a:txBody>
-                    <a:bodyPr/>
-                    <a:lstStyle/>
-                    <a:p>
-                      <a:r>
-                        <a:rPr lang="pt-BR" dirty="0" smtClean="0"/>
-                        <a:t>Itálico</a:t>
-                      </a:r>
-                      <a:endParaRPr lang="pt-BR" dirty="0"/>
-                    </a:p>
-                  </a:txBody>
-                  <a:tcPr/>
-                </a:tc>
-                <a:tc>
-                  <a:txBody>
-                    <a:bodyPr/>
-                    <a:lstStyle/>
-                    <a:p>
-                      <a:pPr marL="0" marR="0" lvl="0" indent="0" defTabSz="914400" eaLnBrk="1" fontAlgn="auto" latinLnBrk="0" hangingPunct="1">
-                        <a:lnSpc>
-                          <a:spcPct val="100000"/>
-                        </a:lnSpc>
-                        <a:spcBef>
-                          <a:spcPts val="0"/>
-                        </a:spcBef>
-                        <a:spcAft>
-                          <a:spcPts val="0"/>
-                        </a:spcAft>
-                        <a:buClrTx/>
-                        <a:buSzTx/>
-                        <a:buFontTx/>
-                        <a:buNone/>
-                        <a:tabLst/>
-                        <a:defRPr/>
-                      </a:pPr>
-                      <a:r>
-                        <a:rPr lang="pt-BR" sz="1800" spc="-1" dirty="0" smtClean="0">
-                          <a:uFill>
-                            <a:solidFill>
-                              <a:srgbClr val="FFFFFF"/>
-                            </a:solidFill>
-                          </a:uFill>
-                          <a:latin typeface="+mn-lt"/>
-                        </a:rPr>
-                        <a:t>*itálico* ou _itálico_</a:t>
-                      </a:r>
-                    </a:p>
-                  </a:txBody>
-                  <a:tcPr/>
-                </a:tc>
-                <a:extLst>
-                  <a:ext uri="{0D108BD9-81ED-4DB2-BD59-A6C34878D82A}">
-                    <a16:rowId xmlns:a16="http://schemas.microsoft.com/office/drawing/2014/main" val="3423254572"/>
-                  </a:ext>
-                </a:extLst>
-              </a:tr>
-              <a:tr h="547465">
-                <a:tc>
-                  <a:txBody>
-                    <a:bodyPr/>
-                    <a:lstStyle/>
-                    <a:p>
-                      <a:r>
-                        <a:rPr lang="pt-BR" dirty="0" smtClean="0"/>
-                        <a:t>Citação</a:t>
-                      </a:r>
-                      <a:endParaRPr lang="pt-BR" dirty="0"/>
-                    </a:p>
-                  </a:txBody>
-                  <a:tcPr/>
-                </a:tc>
-                <a:tc>
-                  <a:txBody>
-                    <a:bodyPr/>
-                    <a:lstStyle/>
-                    <a:p>
-                      <a:pPr>
-                        <a:lnSpc>
-                          <a:spcPct val="90000"/>
-                        </a:lnSpc>
-                      </a:pPr>
-                      <a:r>
-                        <a:rPr lang="pt-BR" sz="1800" spc="-1" dirty="0" smtClean="0">
-                          <a:uFill>
-                            <a:solidFill>
-                              <a:srgbClr val="FFFFFF"/>
-                            </a:solidFill>
-                          </a:uFill>
-                          <a:latin typeface="+mn-lt"/>
-                        </a:rPr>
-                        <a:t>&gt; Citação em bloco</a:t>
-                      </a:r>
-                    </a:p>
-                    <a:p>
-                      <a:pPr>
-                        <a:lnSpc>
-                          <a:spcPct val="90000"/>
-                        </a:lnSpc>
-                      </a:pPr>
-                      <a:r>
-                        <a:rPr lang="pt-BR" sz="1800" spc="-1" dirty="0" smtClean="0">
-                          <a:uFill>
-                            <a:solidFill>
-                              <a:srgbClr val="FFFFFF"/>
-                            </a:solidFill>
-                          </a:uFill>
-                          <a:latin typeface="+mn-lt"/>
-                        </a:rPr>
-                        <a:t>&gt;&gt; Citação em bloco</a:t>
-                      </a:r>
-                    </a:p>
-                  </a:txBody>
-                  <a:tcPr/>
-                </a:tc>
-                <a:extLst>
-                  <a:ext uri="{0D108BD9-81ED-4DB2-BD59-A6C34878D82A}">
-                    <a16:rowId xmlns:a16="http://schemas.microsoft.com/office/drawing/2014/main" val="141288027"/>
-                  </a:ext>
-                </a:extLst>
-              </a:tr>
-              <a:tr h="342166">
-                <a:tc>
-                  <a:txBody>
-                    <a:bodyPr/>
-                    <a:lstStyle/>
-                    <a:p>
-                      <a:r>
-                        <a:rPr lang="pt-BR" dirty="0" smtClean="0"/>
-                        <a:t>Trecho de código</a:t>
-                      </a:r>
-                      <a:endParaRPr lang="pt-BR" dirty="0"/>
-                    </a:p>
-                  </a:txBody>
-                  <a:tcPr/>
-                </a:tc>
-                <a:tc>
-                  <a:txBody>
-                    <a:bodyPr/>
-                    <a:lstStyle/>
-                    <a:p>
-                      <a:pPr marL="0" marR="0" lvl="0" indent="0" defTabSz="914400" eaLnBrk="1" fontAlgn="auto" latinLnBrk="0" hangingPunct="1">
-                        <a:lnSpc>
-                          <a:spcPct val="100000"/>
-                        </a:lnSpc>
-                        <a:spcBef>
-                          <a:spcPts val="0"/>
-                        </a:spcBef>
-                        <a:spcAft>
-                          <a:spcPts val="0"/>
-                        </a:spcAft>
-                        <a:buClrTx/>
-                        <a:buSzTx/>
-                        <a:buFontTx/>
-                        <a:buNone/>
-                        <a:tabLst/>
-                        <a:defRPr/>
-                      </a:pPr>
-                      <a:r>
-                        <a:rPr lang="pt-BR" sz="1800" spc="-1" dirty="0" smtClean="0">
-                          <a:uFill>
-                            <a:solidFill>
-                              <a:srgbClr val="FFFFFF"/>
-                            </a:solidFill>
-                          </a:uFill>
-                          <a:latin typeface="+mn-lt"/>
-                        </a:rPr>
-                        <a:t>` trecho de código `</a:t>
-                      </a:r>
-                    </a:p>
-                  </a:txBody>
-                  <a:tcPr/>
-                </a:tc>
-                <a:extLst>
-                  <a:ext uri="{0D108BD9-81ED-4DB2-BD59-A6C34878D82A}">
-                    <a16:rowId xmlns:a16="http://schemas.microsoft.com/office/drawing/2014/main" val="1906493016"/>
-                  </a:ext>
-                </a:extLst>
-              </a:tr>
-              <a:tr h="598790">
-                <a:tc>
-                  <a:txBody>
-                    <a:bodyPr/>
-                    <a:lstStyle/>
-                    <a:p>
-                      <a:r>
-                        <a:rPr lang="pt-BR" dirty="0" smtClean="0"/>
-                        <a:t>Lista numerada</a:t>
-                      </a:r>
-                      <a:endParaRPr lang="pt-BR" dirty="0"/>
-                    </a:p>
-                  </a:txBody>
-                  <a:tcPr/>
-                </a:tc>
-                <a:tc>
-                  <a:txBody>
-                    <a:bodyPr/>
-                    <a:lstStyle/>
-                    <a:p>
-                      <a:pPr marL="342900" indent="-342900">
-                        <a:buAutoNum type="arabicPeriod"/>
-                      </a:pPr>
-                      <a:r>
-                        <a:rPr lang="pt-BR" baseline="0" dirty="0" smtClean="0"/>
-                        <a:t>Lista numerada</a:t>
-                      </a:r>
-                    </a:p>
-                    <a:p>
-                      <a:pPr marL="0" indent="0">
-                        <a:buNone/>
-                      </a:pPr>
-                      <a:r>
-                        <a:rPr lang="pt-BR" baseline="0" dirty="0" smtClean="0"/>
-                        <a:t>    1. Dentro da lista</a:t>
-                      </a:r>
-                    </a:p>
-                  </a:txBody>
-                  <a:tcPr/>
-                </a:tc>
-                <a:extLst>
-                  <a:ext uri="{0D108BD9-81ED-4DB2-BD59-A6C34878D82A}">
-                    <a16:rowId xmlns:a16="http://schemas.microsoft.com/office/drawing/2014/main" val="2842923939"/>
-                  </a:ext>
-                </a:extLst>
-              </a:tr>
-              <a:tr h="598790">
-                <a:tc>
-                  <a:txBody>
-                    <a:bodyPr/>
-                    <a:lstStyle/>
-                    <a:p>
-                      <a:r>
-                        <a:rPr lang="pt-BR" dirty="0" smtClean="0"/>
-                        <a:t>Lista</a:t>
-                      </a:r>
-                      <a:endParaRPr lang="pt-BR" dirty="0"/>
-                    </a:p>
-                  </a:txBody>
-                  <a:tcPr/>
-                </a:tc>
-                <a:tc>
-                  <a:txBody>
-                    <a:bodyPr/>
-                    <a:lstStyle/>
-                    <a:p>
-                      <a:pPr marL="285750" indent="-285750">
-                        <a:buFontTx/>
-                        <a:buChar char="-"/>
-                      </a:pPr>
-                      <a:r>
-                        <a:rPr lang="pt-BR" dirty="0" smtClean="0"/>
-                        <a:t>Lista (pode ser substituído por + ou *)</a:t>
-                      </a:r>
-                    </a:p>
-                    <a:p>
-                      <a:pPr marL="0" indent="0">
-                        <a:buFontTx/>
-                        <a:buNone/>
-                      </a:pPr>
-                      <a:r>
-                        <a:rPr lang="pt-BR" dirty="0" smtClean="0"/>
-                        <a:t>    - Dentro da lista</a:t>
-                      </a:r>
-                      <a:endParaRPr lang="pt-BR" dirty="0"/>
-                    </a:p>
-                  </a:txBody>
-                  <a:tcPr/>
-                </a:tc>
-                <a:extLst>
-                  <a:ext uri="{0D108BD9-81ED-4DB2-BD59-A6C34878D82A}">
-                    <a16:rowId xmlns:a16="http://schemas.microsoft.com/office/drawing/2014/main" val="1589267749"/>
-                  </a:ext>
-                </a:extLst>
-              </a:tr>
-              <a:tr h="342166">
-                <a:tc>
-                  <a:txBody>
-                    <a:bodyPr/>
-                    <a:lstStyle/>
-                    <a:p>
-                      <a:r>
-                        <a:rPr lang="pt-BR" dirty="0" smtClean="0"/>
-                        <a:t>Link</a:t>
-                      </a:r>
-                      <a:endParaRPr lang="pt-BR" dirty="0"/>
-                    </a:p>
-                  </a:txBody>
-                  <a:tcPr/>
-                </a:tc>
-                <a:tc>
-                  <a:txBody>
-                    <a:bodyPr/>
-                    <a:lstStyle/>
-                    <a:p>
-                      <a:pPr marL="0" marR="0" lvl="0" indent="0" defTabSz="914400" eaLnBrk="1" fontAlgn="auto" latinLnBrk="0" hangingPunct="1">
-                        <a:lnSpc>
-                          <a:spcPct val="100000"/>
-                        </a:lnSpc>
-                        <a:spcBef>
-                          <a:spcPts val="0"/>
-                        </a:spcBef>
-                        <a:spcAft>
-                          <a:spcPts val="0"/>
-                        </a:spcAft>
-                        <a:buClrTx/>
-                        <a:buSzTx/>
-                        <a:buFontTx/>
-                        <a:buNone/>
-                        <a:tabLst/>
-                        <a:defRPr/>
-                      </a:pPr>
-                      <a:r>
-                        <a:rPr lang="pt-BR" sz="1800" spc="-1" dirty="0" smtClean="0">
-                          <a:uFill>
-                            <a:solidFill>
-                              <a:srgbClr val="FFFFFF"/>
-                            </a:solidFill>
-                          </a:uFill>
-                          <a:latin typeface="+mn-lt"/>
-                        </a:rPr>
-                        <a:t>[</a:t>
-                      </a:r>
-                      <a:r>
-                        <a:rPr lang="pt-BR" sz="1800" spc="-1" dirty="0" err="1" smtClean="0">
-                          <a:uFill>
-                            <a:solidFill>
-                              <a:srgbClr val="FFFFFF"/>
-                            </a:solidFill>
-                          </a:uFill>
-                          <a:latin typeface="+mn-lt"/>
-                        </a:rPr>
-                        <a:t>gitlab</a:t>
-                      </a:r>
-                      <a:r>
-                        <a:rPr lang="pt-BR" sz="1800" spc="-1" dirty="0" smtClean="0">
-                          <a:uFill>
-                            <a:solidFill>
-                              <a:srgbClr val="FFFFFF"/>
-                            </a:solidFill>
-                          </a:uFill>
-                          <a:latin typeface="+mn-lt"/>
-                        </a:rPr>
-                        <a:t>](</a:t>
-                      </a:r>
-                      <a:r>
-                        <a:rPr lang="pt-BR" sz="1800" spc="-1" dirty="0" smtClean="0">
-                          <a:uFill>
-                            <a:solidFill>
-                              <a:srgbClr val="FFFFFF"/>
-                            </a:solidFill>
-                          </a:uFill>
-                          <a:latin typeface="+mn-lt"/>
-                          <a:hlinkClick r:id="rId2"/>
-                        </a:rPr>
-                        <a:t>http://www.gitlab.com</a:t>
-                      </a:r>
-                      <a:r>
-                        <a:rPr lang="pt-BR" sz="1800" spc="-1" dirty="0" smtClean="0">
-                          <a:uFill>
-                            <a:solidFill>
-                              <a:srgbClr val="FFFFFF"/>
-                            </a:solidFill>
-                          </a:uFill>
-                          <a:latin typeface="+mn-lt"/>
-                        </a:rPr>
-                        <a:t>) link ou </a:t>
-                      </a:r>
-                      <a:r>
-                        <a:rPr lang="pt-BR" sz="1800" spc="-1" dirty="0" smtClean="0">
-                          <a:uFill>
-                            <a:solidFill>
-                              <a:srgbClr val="FFFFFF"/>
-                            </a:solidFill>
-                          </a:uFill>
-                          <a:hlinkClick r:id="rId2"/>
-                        </a:rPr>
-                        <a:t>http://www.gitlab.com</a:t>
-                      </a:r>
-                      <a:endParaRPr lang="pt-BR" sz="1800" spc="-1" dirty="0" smtClean="0">
-                        <a:uFill>
-                          <a:solidFill>
-                            <a:srgbClr val="FFFFFF"/>
-                          </a:solidFill>
-                        </a:uFill>
-                      </a:endParaRPr>
-                    </a:p>
-                  </a:txBody>
-                  <a:tcPr/>
-                </a:tc>
-                <a:extLst>
-                  <a:ext uri="{0D108BD9-81ED-4DB2-BD59-A6C34878D82A}">
-                    <a16:rowId xmlns:a16="http://schemas.microsoft.com/office/drawing/2014/main" val="3084634918"/>
-                  </a:ext>
-                </a:extLst>
-              </a:tr>
-              <a:tr h="342166">
-                <a:tc>
-                  <a:txBody>
-                    <a:bodyPr/>
-                    <a:lstStyle/>
-                    <a:p>
-                      <a:r>
-                        <a:rPr lang="pt-BR" dirty="0" smtClean="0"/>
-                        <a:t>Imagem</a:t>
-                      </a:r>
-                      <a:endParaRPr lang="pt-BR" dirty="0"/>
-                    </a:p>
-                  </a:txBody>
-                  <a:tcPr/>
-                </a:tc>
-                <a:tc>
-                  <a:txBody>
-                    <a:bodyPr/>
-                    <a:lstStyle/>
-                    <a:p>
-                      <a:pPr marL="0" marR="0" lvl="0" indent="0" defTabSz="914400" eaLnBrk="1" fontAlgn="auto" latinLnBrk="0" hangingPunct="1">
-                        <a:lnSpc>
-                          <a:spcPct val="100000"/>
-                        </a:lnSpc>
-                        <a:spcBef>
-                          <a:spcPts val="0"/>
-                        </a:spcBef>
-                        <a:spcAft>
-                          <a:spcPts val="0"/>
-                        </a:spcAft>
-                        <a:buClrTx/>
-                        <a:buSzTx/>
-                        <a:buFontTx/>
-                        <a:buNone/>
-                        <a:tabLst/>
-                        <a:defRPr/>
-                      </a:pPr>
-                      <a:r>
-                        <a:rPr lang="pt-BR" sz="1800" spc="-1" dirty="0" smtClean="0">
-                          <a:uFill>
-                            <a:solidFill>
-                              <a:srgbClr val="FFFFFF"/>
-                            </a:solidFill>
-                          </a:uFill>
-                        </a:rPr>
-                        <a:t>[![</a:t>
-                      </a:r>
-                      <a:r>
-                        <a:rPr lang="pt-BR" sz="1800" spc="-1" dirty="0" err="1" smtClean="0">
-                          <a:uFill>
-                            <a:solidFill>
-                              <a:srgbClr val="FFFFFF"/>
-                            </a:solidFill>
-                          </a:uFill>
-                        </a:rPr>
-                        <a:t>Foo</a:t>
-                      </a:r>
-                      <a:r>
-                        <a:rPr lang="pt-BR" sz="1800" spc="-1" dirty="0" smtClean="0">
-                          <a:uFill>
-                            <a:solidFill>
-                              <a:srgbClr val="FFFFFF"/>
-                            </a:solidFill>
-                          </a:uFill>
-                        </a:rPr>
-                        <a:t>](</a:t>
-                      </a:r>
-                      <a:r>
-                        <a:rPr lang="pt-BR" sz="1800" dirty="0" smtClean="0">
-                          <a:hlinkClick r:id="rId3"/>
-                        </a:rPr>
-                        <a:t>http://www.jfsp.jus.br/documentos/administrativo/NUCS/img-uteis/Logo-JF-small.jpg</a:t>
-                      </a:r>
-                      <a:r>
-                        <a:rPr lang="pt-BR" sz="1800" spc="-1" dirty="0" smtClean="0">
-                          <a:uFill>
-                            <a:solidFill>
-                              <a:srgbClr val="FFFFFF"/>
-                            </a:solidFill>
-                          </a:uFill>
-                        </a:rPr>
-                        <a:t>)]</a:t>
-                      </a:r>
-                      <a:endParaRPr lang="pt-BR" dirty="0"/>
-                    </a:p>
-                  </a:txBody>
-                  <a:tcPr/>
-                </a:tc>
-                <a:extLst>
-                  <a:ext uri="{0D108BD9-81ED-4DB2-BD59-A6C34878D82A}">
-                    <a16:rowId xmlns:a16="http://schemas.microsoft.com/office/drawing/2014/main" val="2466044992"/>
-                  </a:ext>
-                </a:extLst>
-              </a:tr>
-            </a:tbl>
-          </a:graphicData>
-        </a:graphic>
-      </p:graphicFrame>
-    </p:spTree>
-    <p:extLst>
-      <p:ext uri="{BB962C8B-B14F-4D97-AF65-F5344CB8AC3E}">
-        <p14:creationId xmlns:p14="http://schemas.microsoft.com/office/powerpoint/2010/main" val="2766597814"/>
-      </p:ext>
-    </p:extLst>
-  </p:cSld>
-  <p:clrMapOvr>
-    <a:masterClrMapping/>
-  </p:clrMapOvr>
-  <p:timing>
-    <p:tnLst>
-      <p:par>
-        <p:cTn id="1" dur="indefinite" restart="never" nodeType="tmRoot"/>
-      </p:par>
-    </p:tnLst>
-  </p:timing>
-</p:sld>
-</file>
-
-<file path=ppt/slides/slide15.xml><?xml version="1.0" encoding="utf-8"?>
-<p:sld xmlns:a="http://schemas.openxmlformats.org/drawingml/2006/main" xmlns:r="http://schemas.openxmlformats.org/officeDocument/2006/relationships" xmlns:p="http://schemas.openxmlformats.org/presentationml/2006/main">
-  <p:cSld>
-    <p:spTree>
-      <p:nvGrpSpPr>
-        <p:cNvPr id="1" name=""/>
-        <p:cNvGrpSpPr/>
-        <p:nvPr/>
-      </p:nvGrpSpPr>
-      <p:grpSpPr>
-        <a:xfrm>
-          <a:off x="0" y="0"/>
-          <a:ext cx="0" cy="0"/>
-          <a:chOff x="0" y="0"/>
-          <a:chExt cx="0" cy="0"/>
-        </a:xfrm>
-      </p:grpSpPr>
-      <p:sp>
-        <p:nvSpPr>
-          <p:cNvPr id="180" name="CustomShape 1"/>
-          <p:cNvSpPr/>
-          <p:nvPr/>
-        </p:nvSpPr>
-        <p:spPr>
-          <a:xfrm>
-            <a:off x="217800" y="-18720"/>
-            <a:ext cx="10513440" cy="1323360"/>
-          </a:xfrm>
-          <a:prstGeom prst="rect">
-            <a:avLst/>
-          </a:prstGeom>
-          <a:noFill/>
-          <a:ln>
-            <a:noFill/>
-          </a:ln>
-        </p:spPr>
-        <p:style>
-          <a:lnRef idx="0">
-            <a:scrgbClr r="0" g="0" b="0"/>
-          </a:lnRef>
-          <a:fillRef idx="0">
-            <a:scrgbClr r="0" g="0" b="0"/>
-          </a:fillRef>
-          <a:effectRef idx="0">
-            <a:scrgbClr r="0" g="0" b="0"/>
-          </a:effectRef>
-          <a:fontRef idx="minor"/>
-        </p:style>
-        <p:txBody>
-          <a:bodyPr lIns="90000" tIns="45000" rIns="90000" bIns="45000" anchor="ctr"/>
-          <a:lstStyle/>
-          <a:p>
-            <a:pPr>
-              <a:lnSpc>
-                <a:spcPct val="100000"/>
-              </a:lnSpc>
-            </a:pPr>
-            <a:r>
-              <a:rPr lang="pt-BR" sz="3200" b="1" strike="noStrike" spc="-1" dirty="0" smtClean="0">
-                <a:uFill>
-                  <a:solidFill>
-                    <a:srgbClr val="FFFFFF"/>
-                  </a:solidFill>
-                </a:uFill>
-                <a:latin typeface="Arial" panose="020B0604020202020204" pitchFamily="34" charset="0"/>
-                <a:ea typeface="DejaVu Sans"/>
-                <a:cs typeface="Arial" panose="020B0604020202020204" pitchFamily="34" charset="0"/>
-              </a:rPr>
-              <a:t>Snapshot e </a:t>
-            </a:r>
-            <a:r>
-              <a:rPr lang="pt-BR" sz="3200" b="1" strike="noStrike" spc="-1" dirty="0" err="1" smtClean="0">
-                <a:uFill>
-                  <a:solidFill>
-                    <a:srgbClr val="FFFFFF"/>
-                  </a:solidFill>
-                </a:uFill>
-                <a:latin typeface="Arial" panose="020B0604020202020204" pitchFamily="34" charset="0"/>
-                <a:ea typeface="DejaVu Sans"/>
-                <a:cs typeface="Arial" panose="020B0604020202020204" pitchFamily="34" charset="0"/>
-              </a:rPr>
-              <a:t>Branch</a:t>
-            </a:r>
-            <a:endParaRPr lang="pt-BR" sz="1800" b="1" strike="noStrike" spc="-1" dirty="0">
-              <a:uFill>
-                <a:solidFill>
-                  <a:srgbClr val="FFFFFF"/>
-                </a:solidFill>
-              </a:uFill>
-              <a:latin typeface="Arial" panose="020B0604020202020204" pitchFamily="34" charset="0"/>
-              <a:cs typeface="Arial" panose="020B0604020202020204" pitchFamily="34" charset="0"/>
-            </a:endParaRPr>
-          </a:p>
-        </p:txBody>
-      </p:sp>
-      <p:pic>
-        <p:nvPicPr>
-          <p:cNvPr id="2" name="Imagem 1"/>
-          <p:cNvPicPr>
-            <a:picLocks noChangeAspect="1"/>
-          </p:cNvPicPr>
-          <p:nvPr/>
-        </p:nvPicPr>
-        <p:blipFill>
-          <a:blip r:embed="rId2">
-            <a:extLst>
-              <a:ext uri="{28A0092B-C50C-407E-A947-70E740481C1C}">
-                <a14:useLocalDpi xmlns:a14="http://schemas.microsoft.com/office/drawing/2010/main" val="0"/>
-              </a:ext>
-            </a:extLst>
-          </a:blip>
-          <a:stretch>
-            <a:fillRect/>
-          </a:stretch>
-        </p:blipFill>
-        <p:spPr>
-          <a:xfrm>
-            <a:off x="1196652" y="2068785"/>
-            <a:ext cx="9867900" cy="4600575"/>
-          </a:xfrm>
-          <a:prstGeom prst="rect">
-            <a:avLst/>
-          </a:prstGeom>
-        </p:spPr>
-      </p:pic>
-    </p:spTree>
-  </p:cSld>
-  <p:clrMapOvr>
-    <a:masterClrMapping/>
-  </p:clrMapOvr>
-  <p:timing>
-    <p:tnLst>
-      <p:par>
-        <p:cTn id="1" dur="indefinite" restart="never" nodeType="tmRoot">
-          <p:childTnLst>
-            <p:seq>
-              <p:cTn id="2" nodeType="mainSeq"/>
-              <p:prevCondLst>
-                <p:cond evt="onPrev" delay="0">
-                  <p:tgtEl>
-                    <p:sldTgt/>
-                  </p:tgtEl>
-                </p:cond>
-              </p:prevCondLst>
-              <p:nextCondLst>
-                <p:cond evt="onNext" delay="0">
-                  <p:tgtEl>
-                    <p:sldTgt/>
-                  </p:tgtEl>
-                </p:cond>
-              </p:nextCondLst>
-            </p:seq>
-          </p:childTnLst>
-        </p:cTn>
-      </p:par>
-    </p:tnLst>
-  </p:timing>
-</p:sld>
-</file>
-
-<file path=ppt/slides/slide16.xml><?xml version="1.0" encoding="utf-8"?>
-<p:sld xmlns:a="http://schemas.openxmlformats.org/drawingml/2006/main" xmlns:r="http://schemas.openxmlformats.org/officeDocument/2006/relationships" xmlns:p="http://schemas.openxmlformats.org/presentationml/2006/main">
-  <p:cSld>
-    <p:spTree>
-      <p:nvGrpSpPr>
-        <p:cNvPr id="1" name=""/>
-        <p:cNvGrpSpPr/>
-        <p:nvPr/>
-      </p:nvGrpSpPr>
-      <p:grpSpPr>
-        <a:xfrm>
-          <a:off x="0" y="0"/>
-          <a:ext cx="0" cy="0"/>
-          <a:chOff x="0" y="0"/>
-          <a:chExt cx="0" cy="0"/>
-        </a:xfrm>
-      </p:grpSpPr>
-      <p:sp>
-        <p:nvSpPr>
-          <p:cNvPr id="183" name="CustomShape 1"/>
-          <p:cNvSpPr/>
-          <p:nvPr/>
-        </p:nvSpPr>
-        <p:spPr>
-          <a:xfrm>
-            <a:off x="217800" y="-18720"/>
-            <a:ext cx="10513440" cy="1323360"/>
-          </a:xfrm>
-          <a:prstGeom prst="rect">
-            <a:avLst/>
-          </a:prstGeom>
-          <a:noFill/>
-          <a:ln>
-            <a:noFill/>
-          </a:ln>
-        </p:spPr>
-        <p:style>
-          <a:lnRef idx="0">
-            <a:scrgbClr r="0" g="0" b="0"/>
-          </a:lnRef>
-          <a:fillRef idx="0">
-            <a:scrgbClr r="0" g="0" b="0"/>
-          </a:fillRef>
-          <a:effectRef idx="0">
-            <a:scrgbClr r="0" g="0" b="0"/>
-          </a:effectRef>
-          <a:fontRef idx="minor"/>
-        </p:style>
-        <p:txBody>
-          <a:bodyPr lIns="90000" tIns="45000" rIns="90000" bIns="45000" anchor="ctr"/>
-          <a:lstStyle/>
-          <a:p>
-            <a:pPr>
-              <a:lnSpc>
-                <a:spcPct val="100000"/>
-              </a:lnSpc>
-            </a:pPr>
-            <a:r>
-              <a:rPr lang="pt-BR" sz="3200" b="1" strike="noStrike" spc="-1" dirty="0" smtClean="0">
-                <a:uFill>
-                  <a:solidFill>
-                    <a:srgbClr val="FFFFFF"/>
-                  </a:solidFill>
-                </a:uFill>
-                <a:latin typeface="Arial" panose="020B0604020202020204" pitchFamily="34" charset="0"/>
-                <a:ea typeface="DejaVu Sans"/>
-                <a:cs typeface="Arial" panose="020B0604020202020204" pitchFamily="34" charset="0"/>
-              </a:rPr>
-              <a:t>Merge</a:t>
-            </a:r>
-            <a:endParaRPr lang="pt-BR" sz="1800" b="1" strike="noStrike" spc="-1" dirty="0">
-              <a:uFill>
-                <a:solidFill>
-                  <a:srgbClr val="FFFFFF"/>
-                </a:solidFill>
-              </a:uFill>
-              <a:latin typeface="Arial" panose="020B0604020202020204" pitchFamily="34" charset="0"/>
-              <a:cs typeface="Arial" panose="020B0604020202020204" pitchFamily="34" charset="0"/>
-            </a:endParaRPr>
-          </a:p>
-        </p:txBody>
-      </p:sp>
-      <p:pic>
-        <p:nvPicPr>
-          <p:cNvPr id="2" name="Imagem 1"/>
-          <p:cNvPicPr>
-            <a:picLocks noChangeAspect="1"/>
-          </p:cNvPicPr>
-          <p:nvPr/>
-        </p:nvPicPr>
-        <p:blipFill>
-          <a:blip r:embed="rId2">
-            <a:extLst>
-              <a:ext uri="{28A0092B-C50C-407E-A947-70E740481C1C}">
-                <a14:useLocalDpi xmlns:a14="http://schemas.microsoft.com/office/drawing/2010/main" val="0"/>
-              </a:ext>
-            </a:extLst>
-          </a:blip>
-          <a:stretch>
-            <a:fillRect/>
-          </a:stretch>
-        </p:blipFill>
-        <p:spPr>
-          <a:xfrm>
-            <a:off x="2286000" y="1700808"/>
-            <a:ext cx="7620000" cy="4362450"/>
-          </a:xfrm>
-          <a:prstGeom prst="rect">
-            <a:avLst/>
-          </a:prstGeom>
-        </p:spPr>
-      </p:pic>
-    </p:spTree>
-  </p:cSld>
-  <p:clrMapOvr>
-    <a:masterClrMapping/>
-  </p:clrMapOvr>
-  <p:timing>
-    <p:tnLst>
-      <p:par>
-        <p:cTn id="1" dur="indefinite" restart="never" nodeType="tmRoot">
-          <p:childTnLst>
-            <p:seq>
-              <p:cTn id="2" nodeType="mainSeq"/>
-              <p:prevCondLst>
-                <p:cond evt="onPrev" delay="0">
-                  <p:tgtEl>
-                    <p:sldTgt/>
-                  </p:tgtEl>
-                </p:cond>
-              </p:prevCondLst>
-              <p:nextCondLst>
-                <p:cond evt="onNext" delay="0">
-                  <p:tgtEl>
-                    <p:sldTgt/>
-                  </p:tgtEl>
-                </p:cond>
-              </p:nextCondLst>
-            </p:seq>
-          </p:childTnLst>
-        </p:cTn>
-      </p:par>
-    </p:tnLst>
-  </p:timing>
-</p:sld>
-</file>
-
-<file path=ppt/slides/slide17.xml><?xml version="1.0" encoding="utf-8"?>
-<p:sld xmlns:a="http://schemas.openxmlformats.org/drawingml/2006/main" xmlns:r="http://schemas.openxmlformats.org/officeDocument/2006/relationships" xmlns:p="http://schemas.openxmlformats.org/presentationml/2006/main">
-  <p:cSld>
-    <p:spTree>
-      <p:nvGrpSpPr>
-        <p:cNvPr id="1" name=""/>
-        <p:cNvGrpSpPr/>
-        <p:nvPr/>
-      </p:nvGrpSpPr>
-      <p:grpSpPr>
-        <a:xfrm>
-          <a:off x="0" y="0"/>
-          <a:ext cx="0" cy="0"/>
-          <a:chOff x="0" y="0"/>
-          <a:chExt cx="0" cy="0"/>
-        </a:xfrm>
-      </p:grpSpPr>
-      <p:sp>
-        <p:nvSpPr>
           <p:cNvPr id="186" name="CustomShape 1"/>
           <p:cNvSpPr/>
           <p:nvPr/>
@@ -8281,7 +3991,7 @@
 </p:sld>
 </file>
 
-<file path=ppt/slides/slide18.xml><?xml version="1.0" encoding="utf-8"?>
+<file path=ppt/slides/slide11.xml><?xml version="1.0" encoding="utf-8"?>
 <p:sld xmlns:a="http://schemas.openxmlformats.org/drawingml/2006/main" xmlns:r="http://schemas.openxmlformats.org/officeDocument/2006/relationships" xmlns:p="http://schemas.openxmlformats.org/presentationml/2006/main">
   <p:cSld>
     <p:spTree>
@@ -8447,7 +4157,7 @@
 </p:sld>
 </file>
 
-<file path=ppt/slides/slide19.xml><?xml version="1.0" encoding="utf-8"?>
+<file path=ppt/slides/slide12.xml><?xml version="1.0" encoding="utf-8"?>
 <p:sld xmlns:a="http://schemas.openxmlformats.org/drawingml/2006/main" xmlns:r="http://schemas.openxmlformats.org/officeDocument/2006/relationships" xmlns:p="http://schemas.openxmlformats.org/presentationml/2006/main">
   <p:cSld>
     <p:spTree>
@@ -9739,452 +5449,7 @@
 </p:sld>
 </file>
 
-<file path=ppt/slides/slide2.xml><?xml version="1.0" encoding="utf-8"?>
-<p:sld xmlns:a="http://schemas.openxmlformats.org/drawingml/2006/main" xmlns:r="http://schemas.openxmlformats.org/officeDocument/2006/relationships" xmlns:p="http://schemas.openxmlformats.org/presentationml/2006/main">
-  <p:cSld>
-    <p:spTree>
-      <p:nvGrpSpPr>
-        <p:cNvPr id="1" name=""/>
-        <p:cNvGrpSpPr/>
-        <p:nvPr/>
-      </p:nvGrpSpPr>
-      <p:grpSpPr>
-        <a:xfrm>
-          <a:off x="0" y="0"/>
-          <a:ext cx="0" cy="0"/>
-          <a:chOff x="0" y="0"/>
-          <a:chExt cx="0" cy="0"/>
-        </a:xfrm>
-      </p:grpSpPr>
-      <p:sp>
-        <p:nvSpPr>
-          <p:cNvPr id="177" name="CustomShape 1"/>
-          <p:cNvSpPr/>
-          <p:nvPr/>
-        </p:nvSpPr>
-        <p:spPr>
-          <a:xfrm>
-            <a:off x="217800" y="-18720"/>
-            <a:ext cx="10513440" cy="1323360"/>
-          </a:xfrm>
-          <a:prstGeom prst="rect">
-            <a:avLst/>
-          </a:prstGeom>
-          <a:noFill/>
-          <a:ln>
-            <a:noFill/>
-          </a:ln>
-        </p:spPr>
-        <p:style>
-          <a:lnRef idx="0">
-            <a:scrgbClr r="0" g="0" b="0"/>
-          </a:lnRef>
-          <a:fillRef idx="0">
-            <a:scrgbClr r="0" g="0" b="0"/>
-          </a:fillRef>
-          <a:effectRef idx="0">
-            <a:scrgbClr r="0" g="0" b="0"/>
-          </a:effectRef>
-          <a:fontRef idx="minor"/>
-        </p:style>
-        <p:txBody>
-          <a:bodyPr lIns="90000" tIns="45000" rIns="90000" bIns="45000" anchor="ctr"/>
-          <a:lstStyle/>
-          <a:p>
-            <a:pPr>
-              <a:lnSpc>
-                <a:spcPct val="100000"/>
-              </a:lnSpc>
-            </a:pPr>
-            <a:r>
-              <a:rPr lang="pt-BR" sz="3200" b="1" strike="noStrike" spc="-1" dirty="0" smtClean="0">
-                <a:uFill>
-                  <a:solidFill>
-                    <a:srgbClr val="FFFFFF"/>
-                  </a:solidFill>
-                </a:uFill>
-                <a:latin typeface="Arial" panose="020B0604020202020204" pitchFamily="34" charset="0"/>
-                <a:ea typeface="DejaVu Sans"/>
-                <a:cs typeface="Arial" panose="020B0604020202020204" pitchFamily="34" charset="0"/>
-              </a:rPr>
-              <a:t>Revisão</a:t>
-            </a:r>
-            <a:endParaRPr lang="pt-BR" sz="1800" b="1" strike="noStrike" spc="-1" dirty="0">
-              <a:uFill>
-                <a:solidFill>
-                  <a:srgbClr val="FFFFFF"/>
-                </a:solidFill>
-              </a:uFill>
-              <a:latin typeface="Arial" panose="020B0604020202020204" pitchFamily="34" charset="0"/>
-              <a:cs typeface="Arial" panose="020B0604020202020204" pitchFamily="34" charset="0"/>
-            </a:endParaRPr>
-          </a:p>
-        </p:txBody>
-      </p:sp>
-      <p:sp>
-        <p:nvSpPr>
-          <p:cNvPr id="3" name="CustomShape 2"/>
-          <p:cNvSpPr/>
-          <p:nvPr/>
-        </p:nvSpPr>
-        <p:spPr>
-          <a:xfrm>
-            <a:off x="334800" y="1649192"/>
-            <a:ext cx="11543400" cy="2067840"/>
-          </a:xfrm>
-          <a:prstGeom prst="rect">
-            <a:avLst/>
-          </a:prstGeom>
-          <a:noFill/>
-          <a:ln>
-            <a:noFill/>
-          </a:ln>
-        </p:spPr>
-        <p:style>
-          <a:lnRef idx="0">
-            <a:scrgbClr r="0" g="0" b="0"/>
-          </a:lnRef>
-          <a:fillRef idx="0">
-            <a:scrgbClr r="0" g="0" b="0"/>
-          </a:fillRef>
-          <a:effectRef idx="0">
-            <a:scrgbClr r="0" g="0" b="0"/>
-          </a:effectRef>
-          <a:fontRef idx="minor"/>
-        </p:style>
-        <p:txBody>
-          <a:bodyPr lIns="90000" tIns="45000" rIns="90000" bIns="45000"/>
-          <a:lstStyle/>
-          <a:p>
-            <a:pPr marL="2160">
-              <a:lnSpc>
-                <a:spcPct val="90000"/>
-              </a:lnSpc>
-              <a:buClr>
-                <a:srgbClr val="808080"/>
-              </a:buClr>
-            </a:pPr>
-            <a:endParaRPr lang="pt-BR" sz="1800" b="0" strike="noStrike" spc="-1" dirty="0" smtClean="0">
-              <a:solidFill>
-                <a:srgbClr val="000000"/>
-              </a:solidFill>
-              <a:uFill>
-                <a:solidFill>
-                  <a:srgbClr val="FFFFFF"/>
-                </a:solidFill>
-              </a:uFill>
-              <a:latin typeface="Arial"/>
-            </a:endParaRPr>
-          </a:p>
-          <a:p>
-            <a:pPr>
-              <a:lnSpc>
-                <a:spcPct val="90000"/>
-              </a:lnSpc>
-            </a:pPr>
-            <a:r>
-              <a:rPr lang="pt-BR" sz="3200" spc="-1" dirty="0" err="1" smtClean="0">
-                <a:uFill>
-                  <a:solidFill>
-                    <a:srgbClr val="FFFFFF"/>
-                  </a:solidFill>
-                </a:uFill>
-                <a:latin typeface="Arial"/>
-              </a:rPr>
-              <a:t>git</a:t>
-            </a:r>
-            <a:r>
-              <a:rPr lang="pt-BR" sz="3200" spc="-1" dirty="0" smtClean="0">
-                <a:uFill>
-                  <a:solidFill>
-                    <a:srgbClr val="FFFFFF"/>
-                  </a:solidFill>
-                </a:uFill>
-                <a:latin typeface="Arial"/>
-              </a:rPr>
-              <a:t> log</a:t>
-            </a:r>
-          </a:p>
-          <a:p>
-            <a:pPr>
-              <a:lnSpc>
-                <a:spcPct val="90000"/>
-              </a:lnSpc>
-            </a:pPr>
-            <a:endParaRPr lang="pt-BR" sz="3200" spc="-1" dirty="0">
-              <a:uFill>
-                <a:solidFill>
-                  <a:srgbClr val="FFFFFF"/>
-                </a:solidFill>
-              </a:uFill>
-              <a:latin typeface="Arial"/>
-            </a:endParaRPr>
-          </a:p>
-          <a:p>
-            <a:pPr>
-              <a:lnSpc>
-                <a:spcPct val="90000"/>
-              </a:lnSpc>
-            </a:pPr>
-            <a:r>
-              <a:rPr lang="pt-BR" sz="3200" spc="-1" dirty="0" err="1">
-                <a:uFill>
-                  <a:solidFill>
-                    <a:srgbClr val="FFFFFF"/>
-                  </a:solidFill>
-                </a:uFill>
-                <a:latin typeface="Arial"/>
-              </a:rPr>
-              <a:t>git</a:t>
-            </a:r>
-            <a:r>
-              <a:rPr lang="pt-BR" sz="3200" spc="-1" dirty="0">
-                <a:uFill>
-                  <a:solidFill>
-                    <a:srgbClr val="FFFFFF"/>
-                  </a:solidFill>
-                </a:uFill>
-                <a:latin typeface="Arial"/>
-              </a:rPr>
-              <a:t> </a:t>
-            </a:r>
-            <a:r>
-              <a:rPr lang="pt-BR" sz="3200" spc="-1" dirty="0" smtClean="0">
-                <a:uFill>
-                  <a:solidFill>
-                    <a:srgbClr val="FFFFFF"/>
-                  </a:solidFill>
-                </a:uFill>
-                <a:latin typeface="Arial"/>
-              </a:rPr>
-              <a:t>reset</a:t>
-            </a:r>
-            <a:endParaRPr lang="pt-BR" sz="3200" spc="-1" dirty="0">
-              <a:uFill>
-                <a:solidFill>
-                  <a:srgbClr val="FFFFFF"/>
-                </a:solidFill>
-              </a:uFill>
-              <a:latin typeface="Arial"/>
-            </a:endParaRPr>
-          </a:p>
-          <a:p>
-            <a:pPr>
-              <a:lnSpc>
-                <a:spcPct val="90000"/>
-              </a:lnSpc>
-            </a:pPr>
-            <a:endParaRPr lang="pt-BR" sz="3200" spc="-1" dirty="0" smtClean="0">
-              <a:uFill>
-                <a:solidFill>
-                  <a:srgbClr val="FFFFFF"/>
-                </a:solidFill>
-              </a:uFill>
-              <a:latin typeface="Arial"/>
-            </a:endParaRPr>
-          </a:p>
-          <a:p>
-            <a:pPr>
-              <a:lnSpc>
-                <a:spcPct val="90000"/>
-              </a:lnSpc>
-            </a:pPr>
-            <a:r>
-              <a:rPr lang="pt-BR" sz="3200" spc="-1" dirty="0" err="1" smtClean="0">
-                <a:uFill>
-                  <a:solidFill>
-                    <a:srgbClr val="FFFFFF"/>
-                  </a:solidFill>
-                </a:uFill>
-                <a:latin typeface="Arial"/>
-              </a:rPr>
-              <a:t>git</a:t>
-            </a:r>
-            <a:r>
-              <a:rPr lang="pt-BR" sz="3200" spc="-1" dirty="0" smtClean="0">
-                <a:uFill>
-                  <a:solidFill>
-                    <a:srgbClr val="FFFFFF"/>
-                  </a:solidFill>
-                </a:uFill>
-                <a:latin typeface="Arial"/>
-              </a:rPr>
-              <a:t> </a:t>
-            </a:r>
-            <a:r>
-              <a:rPr lang="pt-BR" sz="3200" spc="-1" dirty="0" err="1" smtClean="0">
-                <a:uFill>
-                  <a:solidFill>
-                    <a:srgbClr val="FFFFFF"/>
-                  </a:solidFill>
-                </a:uFill>
-                <a:latin typeface="Arial"/>
-              </a:rPr>
-              <a:t>tag</a:t>
-            </a:r>
-            <a:endParaRPr lang="pt-BR" sz="3200" spc="-1" dirty="0" smtClean="0">
-              <a:uFill>
-                <a:solidFill>
-                  <a:srgbClr val="FFFFFF"/>
-                </a:solidFill>
-              </a:uFill>
-              <a:latin typeface="Arial"/>
-            </a:endParaRPr>
-          </a:p>
-          <a:p>
-            <a:pPr>
-              <a:lnSpc>
-                <a:spcPct val="90000"/>
-              </a:lnSpc>
-            </a:pPr>
-            <a:endParaRPr lang="pt-BR" sz="3200" spc="-1" dirty="0">
-              <a:uFill>
-                <a:solidFill>
-                  <a:srgbClr val="FFFFFF"/>
-                </a:solidFill>
-              </a:uFill>
-              <a:latin typeface="Arial"/>
-            </a:endParaRPr>
-          </a:p>
-          <a:p>
-            <a:pPr>
-              <a:lnSpc>
-                <a:spcPct val="90000"/>
-              </a:lnSpc>
-            </a:pPr>
-            <a:r>
-              <a:rPr lang="pt-BR" sz="3200" spc="-1" dirty="0" err="1" smtClean="0">
-                <a:uFill>
-                  <a:solidFill>
-                    <a:srgbClr val="FFFFFF"/>
-                  </a:solidFill>
-                </a:uFill>
-                <a:latin typeface="Arial"/>
-              </a:rPr>
-              <a:t>git</a:t>
-            </a:r>
-            <a:r>
-              <a:rPr lang="pt-BR" sz="3200" spc="-1" dirty="0" smtClean="0">
-                <a:uFill>
-                  <a:solidFill>
-                    <a:srgbClr val="FFFFFF"/>
-                  </a:solidFill>
-                </a:uFill>
-                <a:latin typeface="Arial"/>
-              </a:rPr>
-              <a:t> merge</a:t>
-            </a:r>
-          </a:p>
-          <a:p>
-            <a:pPr>
-              <a:lnSpc>
-                <a:spcPct val="90000"/>
-              </a:lnSpc>
-            </a:pPr>
-            <a:endParaRPr lang="pt-BR" sz="3200" spc="-1" dirty="0">
-              <a:uFill>
-                <a:solidFill>
-                  <a:srgbClr val="FFFFFF"/>
-                </a:solidFill>
-              </a:uFill>
-              <a:latin typeface="Arial"/>
-            </a:endParaRPr>
-          </a:p>
-          <a:p>
-            <a:pPr>
-              <a:lnSpc>
-                <a:spcPct val="90000"/>
-              </a:lnSpc>
-            </a:pPr>
-            <a:r>
-              <a:rPr lang="pt-BR" sz="3200" spc="-1" dirty="0" smtClean="0">
-                <a:uFill>
-                  <a:solidFill>
-                    <a:srgbClr val="FFFFFF"/>
-                  </a:solidFill>
-                </a:uFill>
-                <a:latin typeface="Arial"/>
-              </a:rPr>
-              <a:t>O que é </a:t>
-            </a:r>
-            <a:r>
-              <a:rPr lang="pt-BR" sz="3200" spc="-1" dirty="0" err="1" smtClean="0">
-                <a:uFill>
-                  <a:solidFill>
-                    <a:srgbClr val="FFFFFF"/>
-                  </a:solidFill>
-                </a:uFill>
-                <a:latin typeface="Arial"/>
-              </a:rPr>
-              <a:t>branch</a:t>
-            </a:r>
-            <a:endParaRPr lang="pt-BR" sz="3200" spc="-1" dirty="0" smtClean="0">
-              <a:uFill>
-                <a:solidFill>
-                  <a:srgbClr val="FFFFFF"/>
-                </a:solidFill>
-              </a:uFill>
-              <a:latin typeface="Arial"/>
-            </a:endParaRPr>
-          </a:p>
-          <a:p>
-            <a:pPr>
-              <a:lnSpc>
-                <a:spcPct val="90000"/>
-              </a:lnSpc>
-            </a:pPr>
-            <a:endParaRPr lang="pt-BR" sz="3200" spc="-1" dirty="0" smtClean="0">
-              <a:uFill>
-                <a:solidFill>
-                  <a:srgbClr val="FFFFFF"/>
-                </a:solidFill>
-              </a:uFill>
-              <a:latin typeface="Arial"/>
-            </a:endParaRPr>
-          </a:p>
-        </p:txBody>
-      </p:sp>
-    </p:spTree>
-    <p:extLst>
-      <p:ext uri="{BB962C8B-B14F-4D97-AF65-F5344CB8AC3E}">
-        <p14:creationId xmlns:p14="http://schemas.microsoft.com/office/powerpoint/2010/main" val="1646215842"/>
-      </p:ext>
-    </p:extLst>
-  </p:cSld>
-  <p:clrMapOvr>
-    <a:masterClrMapping/>
-  </p:clrMapOvr>
-  <p:timing>
-    <p:tnLst>
-      <p:par>
-        <p:cTn id="1" dur="indefinite" restart="never" nodeType="tmRoot">
-          <p:childTnLst>
-            <p:seq>
-              <p:cTn id="2" nodeType="mainSeq"/>
-              <p:prevCondLst>
-                <p:cond evt="onPrev" delay="0">
-                  <p:tgtEl>
-                    <p:sldTgt/>
-                  </p:tgtEl>
-                </p:cond>
-              </p:prevCondLst>
-              <p:nextCondLst>
-                <p:cond evt="onNext" delay="0">
-                  <p:tgtEl>
-                    <p:sldTgt/>
-                  </p:tgtEl>
-                </p:cond>
-              </p:nextCondLst>
-            </p:seq>
-          </p:childTnLst>
-        </p:cTn>
-      </p:par>
-    </p:tnLst>
-  </p:timing>
-</p:sld>
-</file>
-
-<file path=ppt/slides/slide20.xml><?xml version="1.0" encoding="utf-8"?>
+<file path=ppt/slides/slide13.xml><?xml version="1.0" encoding="utf-8"?>
 <p:sld xmlns:a="http://schemas.openxmlformats.org/drawingml/2006/main" xmlns:r="http://schemas.openxmlformats.org/officeDocument/2006/relationships" xmlns:p="http://schemas.openxmlformats.org/presentationml/2006/main">
   <p:cSld>
     <p:spTree>
@@ -11444,7 +6709,7 @@
 </p:sld>
 </file>
 
-<file path=ppt/slides/slide21.xml><?xml version="1.0" encoding="utf-8"?>
+<file path=ppt/slides/slide2.xml><?xml version="1.0" encoding="utf-8"?>
 <p:sld xmlns:a="http://schemas.openxmlformats.org/drawingml/2006/main" xmlns:r="http://schemas.openxmlformats.org/officeDocument/2006/relationships" xmlns:p="http://schemas.openxmlformats.org/presentationml/2006/main">
   <p:cSld>
     <p:spTree>
@@ -11463,7 +6728,7 @@
       </p:grpSpPr>
       <p:sp>
         <p:nvSpPr>
-          <p:cNvPr id="186" name="CustomShape 1"/>
+          <p:cNvPr id="177" name="CustomShape 1"/>
           <p:cNvSpPr/>
           <p:nvPr/>
         </p:nvSpPr>
@@ -11502,7 +6767,7 @@
               </a:lnSpc>
             </a:pPr>
             <a:r>
-              <a:rPr lang="pt-BR" sz="3200" b="1" strike="noStrike" spc="-1" dirty="0" err="1" smtClean="0">
+              <a:rPr lang="pt-BR" sz="3200" b="1" strike="noStrike" spc="-1" dirty="0" smtClean="0">
                 <a:uFill>
                   <a:solidFill>
                     <a:srgbClr val="FFFFFF"/>
@@ -11512,7 +6777,7 @@
                 <a:ea typeface="DejaVu Sans"/>
                 <a:cs typeface="Arial" panose="020B0604020202020204" pitchFamily="34" charset="0"/>
               </a:rPr>
-              <a:t>Rebase</a:t>
+              <a:t>Revisão</a:t>
             </a:r>
             <a:endParaRPr lang="pt-BR" sz="1800" b="1" strike="noStrike" spc="-1" dirty="0">
               <a:uFill>
@@ -11526,40 +6791,333 @@
           </a:p>
         </p:txBody>
       </p:sp>
-      <p:pic>
-        <p:nvPicPr>
-          <p:cNvPr id="2" name="Imagem 1"/>
-          <p:cNvPicPr>
-            <a:picLocks noChangeAspect="1"/>
-          </p:cNvPicPr>
+      <p:sp>
+        <p:nvSpPr>
+          <p:cNvPr id="3" name="CustomShape 2"/>
+          <p:cNvSpPr/>
           <p:nvPr/>
-        </p:nvPicPr>
-        <p:blipFill>
-          <a:blip r:embed="rId3">
-            <a:extLst>
-              <a:ext uri="{28A0092B-C50C-407E-A947-70E740481C1C}">
-                <a14:useLocalDpi xmlns:a14="http://schemas.microsoft.com/office/drawing/2010/main" val="0"/>
-              </a:ext>
-            </a:extLst>
-          </a:blip>
-          <a:stretch>
-            <a:fillRect/>
-          </a:stretch>
-        </p:blipFill>
+        </p:nvSpPr>
         <p:spPr>
           <a:xfrm>
-            <a:off x="3302000" y="0"/>
-            <a:ext cx="5588000" cy="6858000"/>
+            <a:off x="334800" y="1649192"/>
+            <a:ext cx="11543400" cy="2067840"/>
           </a:xfrm>
           <a:prstGeom prst="rect">
             <a:avLst/>
           </a:prstGeom>
+          <a:noFill/>
+          <a:ln>
+            <a:noFill/>
+          </a:ln>
         </p:spPr>
-      </p:pic>
+        <p:style>
+          <a:lnRef idx="0">
+            <a:scrgbClr r="0" g="0" b="0"/>
+          </a:lnRef>
+          <a:fillRef idx="0">
+            <a:scrgbClr r="0" g="0" b="0"/>
+          </a:fillRef>
+          <a:effectRef idx="0">
+            <a:scrgbClr r="0" g="0" b="0"/>
+          </a:effectRef>
+          <a:fontRef idx="minor"/>
+        </p:style>
+        <p:txBody>
+          <a:bodyPr lIns="90000" tIns="45000" rIns="90000" bIns="45000"/>
+          <a:lstStyle/>
+          <a:p>
+            <a:pPr marL="2160">
+              <a:lnSpc>
+                <a:spcPct val="90000"/>
+              </a:lnSpc>
+              <a:buClr>
+                <a:srgbClr val="808080"/>
+              </a:buClr>
+            </a:pPr>
+            <a:endParaRPr lang="pt-BR" sz="1800" b="0" strike="noStrike" spc="-1" dirty="0" smtClean="0">
+              <a:solidFill>
+                <a:srgbClr val="000000"/>
+              </a:solidFill>
+              <a:uFill>
+                <a:solidFill>
+                  <a:srgbClr val="FFFFFF"/>
+                </a:solidFill>
+              </a:uFill>
+              <a:latin typeface="Arial"/>
+            </a:endParaRPr>
+          </a:p>
+          <a:p>
+            <a:pPr>
+              <a:lnSpc>
+                <a:spcPct val="90000"/>
+              </a:lnSpc>
+            </a:pPr>
+            <a:r>
+              <a:rPr lang="pt-BR" sz="3200" spc="-1" dirty="0" err="1" smtClean="0">
+                <a:uFill>
+                  <a:solidFill>
+                    <a:srgbClr val="FFFFFF"/>
+                  </a:solidFill>
+                </a:uFill>
+                <a:latin typeface="Arial"/>
+              </a:rPr>
+              <a:t>git</a:t>
+            </a:r>
+            <a:r>
+              <a:rPr lang="pt-BR" sz="3200" spc="-1" dirty="0" smtClean="0">
+                <a:uFill>
+                  <a:solidFill>
+                    <a:srgbClr val="FFFFFF"/>
+                  </a:solidFill>
+                </a:uFill>
+                <a:latin typeface="Arial"/>
+              </a:rPr>
+              <a:t> log</a:t>
+            </a:r>
+          </a:p>
+          <a:p>
+            <a:pPr>
+              <a:lnSpc>
+                <a:spcPct val="90000"/>
+              </a:lnSpc>
+            </a:pPr>
+            <a:endParaRPr lang="pt-BR" sz="3200" spc="-1" dirty="0">
+              <a:uFill>
+                <a:solidFill>
+                  <a:srgbClr val="FFFFFF"/>
+                </a:solidFill>
+              </a:uFill>
+              <a:latin typeface="Arial"/>
+            </a:endParaRPr>
+          </a:p>
+          <a:p>
+            <a:pPr>
+              <a:lnSpc>
+                <a:spcPct val="90000"/>
+              </a:lnSpc>
+            </a:pPr>
+            <a:r>
+              <a:rPr lang="pt-BR" sz="3200" spc="-1" dirty="0" err="1">
+                <a:uFill>
+                  <a:solidFill>
+                    <a:srgbClr val="FFFFFF"/>
+                  </a:solidFill>
+                </a:uFill>
+                <a:latin typeface="Arial"/>
+              </a:rPr>
+              <a:t>git</a:t>
+            </a:r>
+            <a:r>
+              <a:rPr lang="pt-BR" sz="3200" spc="-1" dirty="0">
+                <a:uFill>
+                  <a:solidFill>
+                    <a:srgbClr val="FFFFFF"/>
+                  </a:solidFill>
+                </a:uFill>
+                <a:latin typeface="Arial"/>
+              </a:rPr>
+              <a:t> </a:t>
+            </a:r>
+            <a:r>
+              <a:rPr lang="pt-BR" sz="3200" spc="-1" dirty="0" smtClean="0">
+                <a:uFill>
+                  <a:solidFill>
+                    <a:srgbClr val="FFFFFF"/>
+                  </a:solidFill>
+                </a:uFill>
+                <a:latin typeface="Arial"/>
+              </a:rPr>
+              <a:t>reset</a:t>
+            </a:r>
+            <a:endParaRPr lang="pt-BR" sz="3200" spc="-1" dirty="0">
+              <a:uFill>
+                <a:solidFill>
+                  <a:srgbClr val="FFFFFF"/>
+                </a:solidFill>
+              </a:uFill>
+              <a:latin typeface="Arial"/>
+            </a:endParaRPr>
+          </a:p>
+          <a:p>
+            <a:pPr>
+              <a:lnSpc>
+                <a:spcPct val="90000"/>
+              </a:lnSpc>
+            </a:pPr>
+            <a:endParaRPr lang="pt-BR" sz="3200" spc="-1" dirty="0" smtClean="0">
+              <a:uFill>
+                <a:solidFill>
+                  <a:srgbClr val="FFFFFF"/>
+                </a:solidFill>
+              </a:uFill>
+              <a:latin typeface="Arial"/>
+            </a:endParaRPr>
+          </a:p>
+          <a:p>
+            <a:pPr>
+              <a:lnSpc>
+                <a:spcPct val="90000"/>
+              </a:lnSpc>
+            </a:pPr>
+            <a:r>
+              <a:rPr lang="pt-BR" sz="3200" spc="-1" dirty="0" err="1" smtClean="0">
+                <a:uFill>
+                  <a:solidFill>
+                    <a:srgbClr val="FFFFFF"/>
+                  </a:solidFill>
+                </a:uFill>
+                <a:latin typeface="Arial"/>
+              </a:rPr>
+              <a:t>git</a:t>
+            </a:r>
+            <a:r>
+              <a:rPr lang="pt-BR" sz="3200" spc="-1" dirty="0" smtClean="0">
+                <a:uFill>
+                  <a:solidFill>
+                    <a:srgbClr val="FFFFFF"/>
+                  </a:solidFill>
+                </a:uFill>
+                <a:latin typeface="Arial"/>
+              </a:rPr>
+              <a:t> </a:t>
+            </a:r>
+            <a:r>
+              <a:rPr lang="pt-BR" sz="3200" spc="-1" dirty="0" err="1" smtClean="0">
+                <a:uFill>
+                  <a:solidFill>
+                    <a:srgbClr val="FFFFFF"/>
+                  </a:solidFill>
+                </a:uFill>
+                <a:latin typeface="Arial"/>
+              </a:rPr>
+              <a:t>tag</a:t>
+            </a:r>
+            <a:endParaRPr lang="pt-BR" sz="3200" spc="-1" dirty="0" smtClean="0">
+              <a:uFill>
+                <a:solidFill>
+                  <a:srgbClr val="FFFFFF"/>
+                </a:solidFill>
+              </a:uFill>
+              <a:latin typeface="Arial"/>
+            </a:endParaRPr>
+          </a:p>
+          <a:p>
+            <a:pPr>
+              <a:lnSpc>
+                <a:spcPct val="90000"/>
+              </a:lnSpc>
+            </a:pPr>
+            <a:endParaRPr lang="pt-BR" sz="3200" spc="-1" dirty="0">
+              <a:uFill>
+                <a:solidFill>
+                  <a:srgbClr val="FFFFFF"/>
+                </a:solidFill>
+              </a:uFill>
+              <a:latin typeface="Arial"/>
+            </a:endParaRPr>
+          </a:p>
+          <a:p>
+            <a:pPr>
+              <a:lnSpc>
+                <a:spcPct val="90000"/>
+              </a:lnSpc>
+            </a:pPr>
+            <a:r>
+              <a:rPr lang="pt-BR" sz="3200" spc="-1" dirty="0" err="1" smtClean="0">
+                <a:uFill>
+                  <a:solidFill>
+                    <a:srgbClr val="FFFFFF"/>
+                  </a:solidFill>
+                </a:uFill>
+                <a:latin typeface="Arial"/>
+              </a:rPr>
+              <a:t>git</a:t>
+            </a:r>
+            <a:r>
+              <a:rPr lang="pt-BR" sz="3200" spc="-1" dirty="0" smtClean="0">
+                <a:uFill>
+                  <a:solidFill>
+                    <a:srgbClr val="FFFFFF"/>
+                  </a:solidFill>
+                </a:uFill>
+                <a:latin typeface="Arial"/>
+              </a:rPr>
+              <a:t> merge</a:t>
+            </a:r>
+          </a:p>
+          <a:p>
+            <a:pPr>
+              <a:lnSpc>
+                <a:spcPct val="90000"/>
+              </a:lnSpc>
+            </a:pPr>
+            <a:endParaRPr lang="pt-BR" sz="3200" spc="-1" dirty="0">
+              <a:uFill>
+                <a:solidFill>
+                  <a:srgbClr val="FFFFFF"/>
+                </a:solidFill>
+              </a:uFill>
+              <a:latin typeface="Arial"/>
+            </a:endParaRPr>
+          </a:p>
+          <a:p>
+            <a:pPr>
+              <a:lnSpc>
+                <a:spcPct val="90000"/>
+              </a:lnSpc>
+            </a:pPr>
+            <a:r>
+              <a:rPr lang="pt-BR" sz="3200" spc="-1" dirty="0" smtClean="0">
+                <a:uFill>
+                  <a:solidFill>
+                    <a:srgbClr val="FFFFFF"/>
+                  </a:solidFill>
+                </a:uFill>
+                <a:latin typeface="Arial"/>
+              </a:rPr>
+              <a:t>O que é </a:t>
+            </a:r>
+            <a:r>
+              <a:rPr lang="pt-BR" sz="3200" spc="-1" dirty="0" err="1" smtClean="0">
+                <a:uFill>
+                  <a:solidFill>
+                    <a:srgbClr val="FFFFFF"/>
+                  </a:solidFill>
+                </a:uFill>
+                <a:latin typeface="Arial"/>
+              </a:rPr>
+              <a:t>branch</a:t>
+            </a:r>
+            <a:endParaRPr lang="pt-BR" sz="3200" spc="-1" dirty="0" smtClean="0">
+              <a:uFill>
+                <a:solidFill>
+                  <a:srgbClr val="FFFFFF"/>
+                </a:solidFill>
+              </a:uFill>
+              <a:latin typeface="Arial"/>
+            </a:endParaRPr>
+          </a:p>
+          <a:p>
+            <a:pPr>
+              <a:lnSpc>
+                <a:spcPct val="90000"/>
+              </a:lnSpc>
+            </a:pPr>
+            <a:endParaRPr lang="pt-BR" sz="3200" spc="-1" dirty="0" smtClean="0">
+              <a:uFill>
+                <a:solidFill>
+                  <a:srgbClr val="FFFFFF"/>
+                </a:solidFill>
+              </a:uFill>
+              <a:latin typeface="Arial"/>
+            </a:endParaRPr>
+          </a:p>
+        </p:txBody>
+      </p:sp>
     </p:spTree>
     <p:extLst>
       <p:ext uri="{BB962C8B-B14F-4D97-AF65-F5344CB8AC3E}">
-        <p14:creationId xmlns:p14="http://schemas.microsoft.com/office/powerpoint/2010/main" val="250161482"/>
+        <p14:creationId xmlns:p14="http://schemas.microsoft.com/office/powerpoint/2010/main" val="1646215842"/>
       </p:ext>
     </p:extLst>
   </p:cSld>
@@ -11596,7 +7154,7 @@
 </p:sld>
 </file>
 
-<file path=ppt/slides/slide22.xml><?xml version="1.0" encoding="utf-8"?>
+<file path=ppt/slides/slide3.xml><?xml version="1.0" encoding="utf-8"?>
 <p:sld xmlns:a="http://schemas.openxmlformats.org/drawingml/2006/main" xmlns:r="http://schemas.openxmlformats.org/officeDocument/2006/relationships" xmlns:p="http://schemas.openxmlformats.org/presentationml/2006/main">
   <p:cSld>
     <p:spTree>
@@ -11615,7 +7173,7 @@
       </p:grpSpPr>
       <p:sp>
         <p:nvSpPr>
-          <p:cNvPr id="186" name="CustomShape 1"/>
+          <p:cNvPr id="177" name="CustomShape 1"/>
           <p:cNvSpPr/>
           <p:nvPr/>
         </p:nvSpPr>
@@ -11654,7 +7212,7 @@
               </a:lnSpc>
             </a:pPr>
             <a:r>
-              <a:rPr lang="pt-BR" sz="3200" b="1" strike="noStrike" spc="-1" dirty="0" smtClean="0">
+              <a:rPr lang="pt-BR" sz="3200" b="1" spc="-1" dirty="0" smtClean="0">
                 <a:uFill>
                   <a:solidFill>
                     <a:srgbClr val="FFFFFF"/>
@@ -11664,851 +7222,10 @@
                 <a:ea typeface="DejaVu Sans"/>
                 <a:cs typeface="Arial" panose="020B0604020202020204" pitchFamily="34" charset="0"/>
               </a:rPr>
-              <a:t>Cuidados</a:t>
-            </a:r>
-            <a:endParaRPr lang="pt-BR" sz="1800" b="1" strike="noStrike" spc="-1" dirty="0">
-              <a:uFill>
-                <a:solidFill>
-                  <a:srgbClr val="FFFFFF"/>
-                </a:solidFill>
-              </a:uFill>
-              <a:latin typeface="Arial" panose="020B0604020202020204" pitchFamily="34" charset="0"/>
-              <a:cs typeface="Arial" panose="020B0604020202020204" pitchFamily="34" charset="0"/>
-            </a:endParaRPr>
-          </a:p>
-        </p:txBody>
-      </p:sp>
-      <p:pic>
-        <p:nvPicPr>
-          <p:cNvPr id="3" name="Imagem 2"/>
-          <p:cNvPicPr>
-            <a:picLocks noChangeAspect="1"/>
-          </p:cNvPicPr>
-          <p:nvPr/>
-        </p:nvPicPr>
-        <p:blipFill>
-          <a:blip r:embed="rId3">
-            <a:extLst>
-              <a:ext uri="{28A0092B-C50C-407E-A947-70E740481C1C}">
-                <a14:useLocalDpi xmlns:a14="http://schemas.microsoft.com/office/drawing/2010/main" val="0"/>
-              </a:ext>
-            </a:extLst>
-          </a:blip>
-          <a:stretch>
-            <a:fillRect/>
-          </a:stretch>
-        </p:blipFill>
-        <p:spPr>
-          <a:xfrm>
-            <a:off x="7104112" y="2276872"/>
-            <a:ext cx="4887416" cy="4276489"/>
-          </a:xfrm>
-          <a:prstGeom prst="rect">
-            <a:avLst/>
-          </a:prstGeom>
-        </p:spPr>
-      </p:pic>
-      <mc:AlternateContent xmlns:mc="http://schemas.openxmlformats.org/markup-compatibility/2006" xmlns:a14="http://schemas.microsoft.com/office/drawing/2010/main">
-        <mc:Choice Requires="a14">
-          <p:sp>
-            <p:nvSpPr>
-              <p:cNvPr id="4" name="CaixaDeTexto 3"/>
-              <p:cNvSpPr txBox="1"/>
-              <p:nvPr/>
-            </p:nvSpPr>
-            <p:spPr>
-              <a:xfrm>
-                <a:off x="217800" y="2963118"/>
-                <a:ext cx="6168302" cy="553998"/>
-              </a:xfrm>
-              <a:prstGeom prst="rect">
-                <a:avLst/>
-              </a:prstGeom>
-              <a:noFill/>
-            </p:spPr>
-            <p:txBody>
-              <a:bodyPr wrap="square" lIns="0" tIns="0" rIns="0" bIns="0" rtlCol="0">
-                <a:spAutoFit/>
-              </a:bodyPr>
-              <a:lstStyle/>
-              <a:p>
-                <a:pPr/>
-                <a14:m>
-                  <m:oMathPara xmlns:m="http://schemas.openxmlformats.org/officeDocument/2006/math">
-                    <m:oMathParaPr>
-                      <m:jc m:val="centerGroup"/>
-                    </m:oMathParaPr>
-                    <m:oMath xmlns:m="http://schemas.openxmlformats.org/officeDocument/2006/math">
-                      <m:sSup>
-                        <m:sSupPr>
-                          <m:ctrlPr>
-                            <a:rPr lang="pt-BR" sz="3600" i="1" dirty="0" smtClean="0">
-                              <a:solidFill>
-                                <a:srgbClr val="808080"/>
-                              </a:solidFill>
-                              <a:latin typeface="Cambria Math" panose="02040503050406030204" pitchFamily="18" charset="0"/>
-                            </a:rPr>
-                          </m:ctrlPr>
-                        </m:sSupPr>
-                        <m:e>
-                          <m:d>
-                            <m:dPr>
-                              <m:ctrlPr>
-                                <a:rPr lang="pt-BR" sz="3600" i="1" dirty="0">
-                                  <a:solidFill>
-                                    <a:srgbClr val="808080"/>
-                                  </a:solidFill>
-                                  <a:latin typeface="Cambria Math" panose="02040503050406030204" pitchFamily="18" charset="0"/>
-                                </a:rPr>
-                              </m:ctrlPr>
-                            </m:dPr>
-                            <m:e>
-                              <m:sSub>
-                                <m:sSubPr>
-                                  <m:ctrlPr>
-                                    <a:rPr lang="pt-BR" sz="3600" i="1" dirty="0">
-                                      <a:solidFill>
-                                        <a:srgbClr val="808080"/>
-                                      </a:solidFill>
-                                      <a:latin typeface="Cambria Math" panose="02040503050406030204" pitchFamily="18" charset="0"/>
-                                    </a:rPr>
-                                  </m:ctrlPr>
-                                </m:sSubPr>
-                                <m:e>
-                                  <m:r>
-                                    <a:rPr lang="pt-BR" sz="3600" i="1" dirty="0">
-                                      <a:solidFill>
-                                        <a:srgbClr val="808080"/>
-                                      </a:solidFill>
-                                      <a:latin typeface="Cambria Math" panose="02040503050406030204" pitchFamily="18" charset="0"/>
-                                    </a:rPr>
-                                    <m:t>𝑣</m:t>
-                                  </m:r>
-                                </m:e>
-                                <m:sub>
-                                  <m:r>
-                                    <a:rPr lang="pt-BR" sz="3600" b="0" i="1" dirty="0" smtClean="0">
-                                      <a:solidFill>
-                                        <a:srgbClr val="808080"/>
-                                      </a:solidFill>
-                                      <a:latin typeface="Cambria Math" panose="02040503050406030204" pitchFamily="18" charset="0"/>
-                                    </a:rPr>
-                                    <m:t>𝑡</m:t>
-                                  </m:r>
-                                </m:sub>
-                              </m:sSub>
-                              <m:r>
-                                <a:rPr lang="pt-BR" sz="3600" b="0" i="0" dirty="0" smtClean="0">
-                                  <a:solidFill>
-                                    <a:srgbClr val="808080"/>
-                                  </a:solidFill>
-                                  <a:latin typeface="Cambria Math" panose="02040503050406030204" pitchFamily="18" charset="0"/>
-                                </a:rPr>
-                                <m:t>∗</m:t>
-                              </m:r>
-                              <m:sSub>
-                                <m:sSubPr>
-                                  <m:ctrlPr>
-                                    <a:rPr lang="pt-BR" sz="3600" i="1" dirty="0">
-                                      <a:solidFill>
-                                        <a:srgbClr val="808080"/>
-                                      </a:solidFill>
-                                      <a:latin typeface="Cambria Math" panose="02040503050406030204" pitchFamily="18" charset="0"/>
-                                    </a:rPr>
-                                  </m:ctrlPr>
-                                </m:sSubPr>
-                                <m:e>
-                                  <m:r>
-                                    <a:rPr lang="pt-BR" sz="3600" i="1" dirty="0">
-                                      <a:solidFill>
-                                        <a:srgbClr val="808080"/>
-                                      </a:solidFill>
-                                      <a:latin typeface="Cambria Math" panose="02040503050406030204" pitchFamily="18" charset="0"/>
-                                    </a:rPr>
-                                    <m:t>𝑛</m:t>
-                                  </m:r>
-                                </m:e>
-                                <m:sub>
-                                  <m:r>
-                                    <a:rPr lang="pt-BR" sz="3600" i="1" dirty="0">
-                                      <a:solidFill>
-                                        <a:srgbClr val="808080"/>
-                                      </a:solidFill>
-                                      <a:latin typeface="Cambria Math" panose="02040503050406030204" pitchFamily="18" charset="0"/>
-                                    </a:rPr>
-                                    <m:t>𝑒</m:t>
-                                  </m:r>
-                                </m:sub>
-                              </m:sSub>
-                            </m:e>
-                          </m:d>
-                        </m:e>
-                        <m:sup>
-                          <m:r>
-                            <a:rPr lang="pt-BR" sz="3600" b="0" i="1" dirty="0" smtClean="0">
-                              <a:solidFill>
-                                <a:srgbClr val="808080"/>
-                              </a:solidFill>
-                              <a:latin typeface="Cambria Math" panose="02040503050406030204" pitchFamily="18" charset="0"/>
-                            </a:rPr>
-                            <m:t>𝑡𝑝</m:t>
-                          </m:r>
-                        </m:sup>
-                      </m:sSup>
-                      <m:r>
-                        <a:rPr lang="pt-BR" sz="3600" i="0" dirty="0">
-                          <a:solidFill>
-                            <a:srgbClr val="808080"/>
-                          </a:solidFill>
-                          <a:latin typeface="Cambria Math" panose="02040503050406030204" pitchFamily="18" charset="0"/>
-                        </a:rPr>
-                        <m:t>=</m:t>
-                      </m:r>
-                      <m:sSub>
-                        <m:sSubPr>
-                          <m:ctrlPr>
-                            <a:rPr lang="pt-BR" sz="3600" i="1" dirty="0">
-                              <a:solidFill>
-                                <a:srgbClr val="808080"/>
-                              </a:solidFill>
-                              <a:latin typeface="Cambria Math" panose="02040503050406030204" pitchFamily="18" charset="0"/>
-                            </a:rPr>
-                          </m:ctrlPr>
-                        </m:sSubPr>
-                        <m:e>
-                          <m:r>
-                            <a:rPr lang="pt-BR" sz="3600" b="0" i="1" dirty="0" smtClean="0">
-                              <a:solidFill>
-                                <a:srgbClr val="808080"/>
-                              </a:solidFill>
-                              <a:latin typeface="Cambria Math" panose="02040503050406030204" pitchFamily="18" charset="0"/>
-                            </a:rPr>
-                            <m:t>𝐷</m:t>
-                          </m:r>
-                        </m:e>
-                        <m:sub>
-                          <m:r>
-                            <a:rPr lang="pt-BR" sz="3600" b="0" i="1" dirty="0" smtClean="0">
-                              <a:solidFill>
-                                <a:srgbClr val="808080"/>
-                              </a:solidFill>
-                              <a:latin typeface="Cambria Math" panose="02040503050406030204" pitchFamily="18" charset="0"/>
-                            </a:rPr>
-                            <m:t>𝑀</m:t>
-                          </m:r>
-                        </m:sub>
-                      </m:sSub>
-                    </m:oMath>
-                  </m:oMathPara>
-                </a14:m>
-                <a:endParaRPr lang="pt-BR" sz="3600" dirty="0"/>
-              </a:p>
-            </p:txBody>
-          </p:sp>
-        </mc:Choice>
-        <mc:Fallback xmlns="">
-          <p:sp>
-            <p:nvSpPr>
-              <p:cNvPr id="4" name="CaixaDeTexto 3"/>
-              <p:cNvSpPr txBox="1">
-                <a:spLocks noRot="1" noChangeAspect="1" noMove="1" noResize="1" noEditPoints="1" noAdjustHandles="1" noChangeArrowheads="1" noChangeShapeType="1" noTextEdit="1"/>
-              </p:cNvSpPr>
-              <p:nvPr/>
-            </p:nvSpPr>
-            <p:spPr>
-              <a:xfrm>
-                <a:off x="217800" y="2963118"/>
-                <a:ext cx="6168302" cy="553998"/>
-              </a:xfrm>
-              <a:prstGeom prst="rect">
-                <a:avLst/>
-              </a:prstGeom>
-              <a:blipFill>
-                <a:blip r:embed="rId4"/>
-                <a:stretch>
-                  <a:fillRect/>
-                </a:stretch>
-              </a:blipFill>
-            </p:spPr>
-            <p:txBody>
-              <a:bodyPr/>
-              <a:lstStyle/>
-              <a:p>
-                <a:r>
-                  <a:rPr lang="pt-BR">
-                    <a:noFill/>
-                  </a:rPr>
-                  <a:t> </a:t>
-                </a:r>
-              </a:p>
-            </p:txBody>
-          </p:sp>
-        </mc:Fallback>
-      </mc:AlternateContent>
-      <mc:AlternateContent xmlns:mc="http://schemas.openxmlformats.org/markup-compatibility/2006" xmlns:a14="http://schemas.microsoft.com/office/drawing/2010/main">
-        <mc:Choice Requires="a14">
-          <p:sp>
-            <p:nvSpPr>
-              <p:cNvPr id="6" name="CustomShape 2"/>
-              <p:cNvSpPr/>
-              <p:nvPr/>
-            </p:nvSpPr>
-            <p:spPr>
-              <a:xfrm>
-                <a:off x="334800" y="3789040"/>
-                <a:ext cx="11543400" cy="2067840"/>
-              </a:xfrm>
-              <a:prstGeom prst="rect">
-                <a:avLst/>
-              </a:prstGeom>
-              <a:noFill/>
-              <a:ln>
-                <a:noFill/>
-              </a:ln>
-            </p:spPr>
-            <p:style>
-              <a:lnRef idx="0">
-                <a:scrgbClr r="0" g="0" b="0"/>
-              </a:lnRef>
-              <a:fillRef idx="0">
-                <a:scrgbClr r="0" g="0" b="0"/>
-              </a:fillRef>
-              <a:effectRef idx="0">
-                <a:scrgbClr r="0" g="0" b="0"/>
-              </a:effectRef>
-              <a:fontRef idx="minor"/>
-            </p:style>
-            <p:txBody>
-              <a:bodyPr lIns="90000" tIns="45000" rIns="90000" bIns="45000"/>
-              <a:lstStyle/>
-              <a:p>
-                <a:pPr>
-                  <a:lnSpc>
-                    <a:spcPct val="90000"/>
-                  </a:lnSpc>
-                </a:pPr>
-                <a:endParaRPr lang="pt-BR" sz="1800" b="0" strike="noStrike" spc="-1" dirty="0" smtClean="0">
-                  <a:solidFill>
-                    <a:srgbClr val="000000"/>
-                  </a:solidFill>
-                  <a:uFill>
-                    <a:solidFill>
-                      <a:srgbClr val="FFFFFF"/>
-                    </a:solidFill>
-                  </a:uFill>
-                  <a:latin typeface="Arial"/>
-                </a:endParaRPr>
-              </a:p>
-              <a:p>
-                <a:pPr marL="2160">
-                  <a:lnSpc>
-                    <a:spcPct val="90000"/>
-                  </a:lnSpc>
-                  <a:buClr>
-                    <a:srgbClr val="808080"/>
-                  </a:buClr>
-                </a:pPr>
-                <a:r>
-                  <a:rPr lang="pt-BR" sz="2000" b="0" strike="noStrike" spc="-1" dirty="0" smtClean="0">
-                    <a:solidFill>
-                      <a:srgbClr val="808080"/>
-                    </a:solidFill>
-                    <a:uFill>
-                      <a:solidFill>
-                        <a:srgbClr val="FFFFFF"/>
-                      </a:solidFill>
-                    </a:uFill>
-                    <a:latin typeface="EDP Preon"/>
-                  </a:rPr>
-                  <a:t>Onde</a:t>
-                </a:r>
-              </a:p>
-              <a:p>
-                <a:pPr marL="2160">
-                  <a:lnSpc>
-                    <a:spcPct val="90000"/>
-                  </a:lnSpc>
-                  <a:buClr>
-                    <a:srgbClr val="808080"/>
-                  </a:buClr>
-                </a:pPr>
-                <a:endParaRPr lang="pt-BR" sz="2000" spc="-1" dirty="0">
-                  <a:solidFill>
-                    <a:srgbClr val="808080"/>
-                  </a:solidFill>
-                  <a:uFill>
-                    <a:solidFill>
-                      <a:srgbClr val="FFFFFF"/>
-                    </a:solidFill>
-                  </a:uFill>
-                  <a:latin typeface="EDP Preon"/>
-                </a:endParaRPr>
-              </a:p>
-              <a:p>
-                <a:pPr marL="2160">
-                  <a:lnSpc>
-                    <a:spcPct val="90000"/>
-                  </a:lnSpc>
-                  <a:buClr>
-                    <a:srgbClr val="808080"/>
-                  </a:buClr>
-                </a:pPr>
-                <a14:m>
-                  <m:oMath xmlns:m="http://schemas.openxmlformats.org/officeDocument/2006/math">
-                    <m:sSub>
-                      <m:sSubPr>
-                        <m:ctrlPr>
-                          <a:rPr lang="pt-BR" i="1" dirty="0">
-                            <a:solidFill>
-                              <a:srgbClr val="808080"/>
-                            </a:solidFill>
-                            <a:latin typeface="Cambria Math" panose="02040503050406030204" pitchFamily="18" charset="0"/>
-                          </a:rPr>
-                        </m:ctrlPr>
-                      </m:sSubPr>
-                      <m:e>
-                        <m:r>
-                          <a:rPr lang="pt-BR" i="1" dirty="0">
-                            <a:solidFill>
-                              <a:srgbClr val="808080"/>
-                            </a:solidFill>
-                            <a:latin typeface="Cambria Math" panose="02040503050406030204" pitchFamily="18" charset="0"/>
-                          </a:rPr>
-                          <m:t>𝑣</m:t>
-                        </m:r>
-                      </m:e>
-                      <m:sub>
-                        <m:r>
-                          <a:rPr lang="pt-BR" i="1" dirty="0">
-                            <a:solidFill>
-                              <a:srgbClr val="808080"/>
-                            </a:solidFill>
-                            <a:latin typeface="Cambria Math" panose="02040503050406030204" pitchFamily="18" charset="0"/>
-                          </a:rPr>
-                          <m:t>𝑡</m:t>
-                        </m:r>
-                      </m:sub>
-                    </m:sSub>
-                    <m:r>
-                      <a:rPr lang="pt-BR" dirty="0">
-                        <a:latin typeface="Cambria Math" panose="02040503050406030204" pitchFamily="18" charset="0"/>
-                      </a:rPr>
-                      <m:t> </m:t>
-                    </m:r>
-                  </m:oMath>
-                </a14:m>
-                <a:r>
-                  <a:rPr lang="pt-BR" spc="-1" dirty="0">
-                    <a:solidFill>
-                      <a:srgbClr val="808080"/>
-                    </a:solidFill>
-                    <a:uFill>
-                      <a:solidFill>
-                        <a:srgbClr val="FFFFFF"/>
-                      </a:solidFill>
-                    </a:uFill>
-                    <a:latin typeface="EDP Preon"/>
-                  </a:rPr>
-                  <a:t>: Volume de </a:t>
-                </a:r>
-                <a:r>
-                  <a:rPr lang="pt-BR" spc="-1" dirty="0" smtClean="0">
-                    <a:solidFill>
-                      <a:srgbClr val="808080"/>
-                    </a:solidFill>
-                    <a:uFill>
-                      <a:solidFill>
-                        <a:srgbClr val="FFFFFF"/>
-                      </a:solidFill>
-                    </a:uFill>
-                    <a:latin typeface="EDP Preon"/>
-                  </a:rPr>
-                  <a:t>trabalho</a:t>
-                </a:r>
-                <a:endParaRPr lang="pt-BR" sz="1800" b="0" strike="noStrike" spc="-1" dirty="0">
-                  <a:solidFill>
-                    <a:srgbClr val="000000"/>
-                  </a:solidFill>
-                  <a:uFill>
-                    <a:solidFill>
-                      <a:srgbClr val="FFFFFF"/>
-                    </a:solidFill>
-                  </a:uFill>
-                  <a:latin typeface="Arial"/>
-                </a:endParaRPr>
-              </a:p>
-              <a:p>
-                <a:pPr marL="2160">
-                  <a:lnSpc>
-                    <a:spcPct val="90000"/>
-                  </a:lnSpc>
-                  <a:buClr>
-                    <a:srgbClr val="808080"/>
-                  </a:buClr>
-                </a:pPr>
-                <a14:m>
-                  <m:oMath xmlns:m="http://schemas.openxmlformats.org/officeDocument/2006/math">
-                    <m:sSub>
-                      <m:sSubPr>
-                        <m:ctrlPr>
-                          <a:rPr lang="pt-BR" sz="2000" i="1" dirty="0" smtClean="0">
-                            <a:solidFill>
-                              <a:srgbClr val="808080"/>
-                            </a:solidFill>
-                            <a:latin typeface="Cambria Math" panose="02040503050406030204" pitchFamily="18" charset="0"/>
-                          </a:rPr>
-                        </m:ctrlPr>
-                      </m:sSubPr>
-                      <m:e>
-                        <m:r>
-                          <a:rPr lang="pt-BR" sz="2000" i="1" dirty="0">
-                            <a:solidFill>
-                              <a:srgbClr val="808080"/>
-                            </a:solidFill>
-                            <a:latin typeface="Cambria Math" panose="02040503050406030204" pitchFamily="18" charset="0"/>
-                          </a:rPr>
-                          <m:t>𝑛</m:t>
-                        </m:r>
-                      </m:e>
-                      <m:sub>
-                        <m:r>
-                          <a:rPr lang="pt-BR" sz="2000" i="1" dirty="0">
-                            <a:solidFill>
-                              <a:srgbClr val="808080"/>
-                            </a:solidFill>
-                            <a:latin typeface="Cambria Math" panose="02040503050406030204" pitchFamily="18" charset="0"/>
-                          </a:rPr>
-                          <m:t>𝑒</m:t>
-                        </m:r>
-                      </m:sub>
-                    </m:sSub>
-                  </m:oMath>
-                </a14:m>
-                <a:r>
-                  <a:rPr lang="pt-BR" sz="2000" spc="-1" dirty="0" smtClean="0">
-                    <a:solidFill>
-                      <a:srgbClr val="808080"/>
-                    </a:solidFill>
-                    <a:uFill>
-                      <a:solidFill>
-                        <a:srgbClr val="FFFFFF"/>
-                      </a:solidFill>
-                    </a:uFill>
-                    <a:latin typeface="EDP Preon"/>
-                  </a:rPr>
-                  <a:t> : Número de pessoas na equipe</a:t>
-                </a:r>
-                <a:endParaRPr lang="pt-BR" sz="1800" b="0" strike="noStrike" spc="-1" dirty="0">
-                  <a:solidFill>
-                    <a:srgbClr val="000000"/>
-                  </a:solidFill>
-                  <a:uFill>
-                    <a:solidFill>
-                      <a:srgbClr val="FFFFFF"/>
-                    </a:solidFill>
-                  </a:uFill>
-                  <a:latin typeface="Arial"/>
-                </a:endParaRPr>
-              </a:p>
-              <a:p>
-                <a:pPr marL="2160">
-                  <a:lnSpc>
-                    <a:spcPct val="90000"/>
-                  </a:lnSpc>
-                  <a:buClr>
-                    <a:srgbClr val="808080"/>
-                  </a:buClr>
-                </a:pPr>
-                <a14:m>
-                  <m:oMath xmlns:m="http://schemas.openxmlformats.org/officeDocument/2006/math">
-                    <m:r>
-                      <a:rPr lang="pt-BR" sz="2000" i="1" dirty="0" smtClean="0">
-                        <a:solidFill>
-                          <a:srgbClr val="808080"/>
-                        </a:solidFill>
-                        <a:latin typeface="Cambria Math" panose="02040503050406030204" pitchFamily="18" charset="0"/>
-                      </a:rPr>
-                      <m:t>𝑡𝑝</m:t>
-                    </m:r>
-                  </m:oMath>
-                </a14:m>
-                <a:r>
-                  <a:rPr lang="pt-BR" sz="2000" b="0" strike="noStrike" spc="-1" dirty="0" smtClean="0">
-                    <a:solidFill>
-                      <a:srgbClr val="808080"/>
-                    </a:solidFill>
-                    <a:uFill>
-                      <a:solidFill>
-                        <a:srgbClr val="FFFFFF"/>
-                      </a:solidFill>
-                    </a:uFill>
-                    <a:latin typeface="EDP Preon"/>
-                    <a:ea typeface="DejaVu Sans"/>
-                  </a:rPr>
-                  <a:t> : Tempo sem </a:t>
-                </a:r>
-                <a:r>
-                  <a:rPr lang="pt-BR" sz="2000" b="0" strike="noStrike" spc="-1" dirty="0" err="1" smtClean="0">
-                    <a:solidFill>
-                      <a:srgbClr val="808080"/>
-                    </a:solidFill>
-                    <a:uFill>
-                      <a:solidFill>
-                        <a:srgbClr val="FFFFFF"/>
-                      </a:solidFill>
-                    </a:uFill>
-                    <a:latin typeface="EDP Preon"/>
-                    <a:ea typeface="DejaVu Sans"/>
-                  </a:rPr>
-                  <a:t>push</a:t>
-                </a:r>
-                <a:endParaRPr lang="pt-BR" sz="1800" b="0" strike="noStrike" spc="-1" dirty="0">
-                  <a:solidFill>
-                    <a:srgbClr val="000000"/>
-                  </a:solidFill>
-                  <a:uFill>
-                    <a:solidFill>
-                      <a:srgbClr val="FFFFFF"/>
-                    </a:solidFill>
-                  </a:uFill>
-                  <a:latin typeface="Arial"/>
-                </a:endParaRPr>
-              </a:p>
-              <a:p>
-                <a:pPr marL="2160">
-                  <a:lnSpc>
-                    <a:spcPct val="90000"/>
-                  </a:lnSpc>
-                  <a:buClr>
-                    <a:srgbClr val="808080"/>
-                  </a:buClr>
-                </a:pPr>
-                <a14:m>
-                  <m:oMath xmlns:m="http://schemas.openxmlformats.org/officeDocument/2006/math">
-                    <m:sSub>
-                      <m:sSubPr>
-                        <m:ctrlPr>
-                          <a:rPr lang="pt-BR" sz="2000" i="1" dirty="0" smtClean="0">
-                            <a:solidFill>
-                              <a:srgbClr val="808080"/>
-                            </a:solidFill>
-                            <a:latin typeface="Cambria Math" panose="02040503050406030204" pitchFamily="18" charset="0"/>
-                          </a:rPr>
-                        </m:ctrlPr>
-                      </m:sSubPr>
-                      <m:e>
-                        <m:r>
-                          <a:rPr lang="pt-BR" sz="2000" i="1" dirty="0">
-                            <a:solidFill>
-                              <a:srgbClr val="808080"/>
-                            </a:solidFill>
-                            <a:latin typeface="Cambria Math" panose="02040503050406030204" pitchFamily="18" charset="0"/>
-                          </a:rPr>
-                          <m:t>𝐷</m:t>
-                        </m:r>
-                      </m:e>
-                      <m:sub>
-                        <m:r>
-                          <a:rPr lang="pt-BR" sz="2000" i="1" dirty="0">
-                            <a:solidFill>
-                              <a:srgbClr val="808080"/>
-                            </a:solidFill>
-                            <a:latin typeface="Cambria Math" panose="02040503050406030204" pitchFamily="18" charset="0"/>
-                          </a:rPr>
-                          <m:t>𝑀</m:t>
-                        </m:r>
-                      </m:sub>
-                    </m:sSub>
-                  </m:oMath>
-                </a14:m>
-                <a:r>
-                  <a:rPr lang="pt-BR" sz="2000" spc="-1" dirty="0" smtClean="0">
-                    <a:solidFill>
-                      <a:srgbClr val="808080"/>
-                    </a:solidFill>
-                    <a:uFill>
-                      <a:solidFill>
-                        <a:srgbClr val="FFFFFF"/>
-                      </a:solidFill>
-                    </a:uFill>
-                    <a:latin typeface="EDP Preon"/>
-                  </a:rPr>
-                  <a:t> : Dificuldade do merge</a:t>
-                </a:r>
-                <a:endParaRPr lang="pt-BR" sz="1800" b="0" strike="noStrike" spc="-1" dirty="0">
-                  <a:solidFill>
-                    <a:srgbClr val="000000"/>
-                  </a:solidFill>
-                  <a:uFill>
-                    <a:solidFill>
-                      <a:srgbClr val="FFFFFF"/>
-                    </a:solidFill>
-                  </a:uFill>
-                  <a:latin typeface="Arial"/>
-                </a:endParaRPr>
-              </a:p>
-              <a:p>
-                <a:pPr>
-                  <a:lnSpc>
-                    <a:spcPct val="90000"/>
-                  </a:lnSpc>
-                </a:pPr>
-                <a:endParaRPr lang="pt-BR" sz="1800" b="0" strike="noStrike" spc="-1" dirty="0">
-                  <a:solidFill>
-                    <a:srgbClr val="000000"/>
-                  </a:solidFill>
-                  <a:uFill>
-                    <a:solidFill>
-                      <a:srgbClr val="FFFFFF"/>
-                    </a:solidFill>
-                  </a:uFill>
-                  <a:latin typeface="Arial"/>
-                </a:endParaRPr>
-              </a:p>
-            </p:txBody>
-          </p:sp>
-        </mc:Choice>
-        <mc:Fallback xmlns="">
-          <p:sp>
-            <p:nvSpPr>
-              <p:cNvPr id="6" name="CustomShape 2"/>
-              <p:cNvSpPr>
-                <a:spLocks noRot="1" noChangeAspect="1" noMove="1" noResize="1" noEditPoints="1" noAdjustHandles="1" noChangeArrowheads="1" noChangeShapeType="1" noTextEdit="1"/>
-              </p:cNvSpPr>
-              <p:nvPr/>
-            </p:nvSpPr>
-            <p:spPr>
-              <a:xfrm>
-                <a:off x="334800" y="3789040"/>
-                <a:ext cx="11543400" cy="2067840"/>
-              </a:xfrm>
-              <a:prstGeom prst="rect">
-                <a:avLst/>
-              </a:prstGeom>
-              <a:blipFill>
-                <a:blip r:embed="rId5"/>
-                <a:stretch>
-                  <a:fillRect l="-581"/>
-                </a:stretch>
-              </a:blipFill>
-              <a:ln>
-                <a:noFill/>
-              </a:ln>
-            </p:spPr>
-            <p:txBody>
-              <a:bodyPr/>
-              <a:lstStyle/>
-              <a:p>
-                <a:r>
-                  <a:rPr lang="pt-BR">
-                    <a:noFill/>
-                  </a:rPr>
-                  <a:t> </a:t>
-                </a:r>
-              </a:p>
-            </p:txBody>
-          </p:sp>
-        </mc:Fallback>
-      </mc:AlternateContent>
-    </p:spTree>
-    <p:extLst>
-      <p:ext uri="{BB962C8B-B14F-4D97-AF65-F5344CB8AC3E}">
-        <p14:creationId xmlns:p14="http://schemas.microsoft.com/office/powerpoint/2010/main" val="1470816633"/>
-      </p:ext>
-    </p:extLst>
-  </p:cSld>
-  <p:clrMapOvr>
-    <a:masterClrMapping/>
-  </p:clrMapOvr>
-  <p:timing>
-    <p:tnLst>
-      <p:par>
-        <p:cTn id="1" dur="indefinite" restart="never" nodeType="tmRoot">
-          <p:childTnLst>
-            <p:seq>
-              <p:cTn id="2" nodeType="mainSeq"/>
-              <p:prevCondLst>
-                <p:cond evt="onPrev" delay="0">
-                  <p:tgtEl>
-                    <p:sldTgt/>
-                  </p:tgtEl>
-                </p:cond>
-              </p:prevCondLst>
-              <p:nextCondLst>
-                <p:cond evt="onNext" delay="0">
-                  <p:tgtEl>
-                    <p:sldTgt/>
-                  </p:tgtEl>
-                </p:cond>
-              </p:nextCondLst>
-            </p:seq>
-          </p:childTnLst>
-        </p:cTn>
-      </p:par>
-    </p:tnLst>
-  </p:timing>
-</p:sld>
-</file>
-
-<file path=ppt/slides/slide23.xml><?xml version="1.0" encoding="utf-8"?>
-<p:sld xmlns:a="http://schemas.openxmlformats.org/drawingml/2006/main" xmlns:r="http://schemas.openxmlformats.org/officeDocument/2006/relationships" xmlns:p="http://schemas.openxmlformats.org/presentationml/2006/main">
-  <p:cSld>
-    <p:spTree>
-      <p:nvGrpSpPr>
-        <p:cNvPr id="1" name=""/>
-        <p:cNvGrpSpPr/>
-        <p:nvPr/>
-      </p:nvGrpSpPr>
-      <p:grpSpPr>
-        <a:xfrm>
-          <a:off x="0" y="0"/>
-          <a:ext cx="0" cy="0"/>
-          <a:chOff x="0" y="0"/>
-          <a:chExt cx="0" cy="0"/>
-        </a:xfrm>
-      </p:grpSpPr>
-      <p:sp>
-        <p:nvSpPr>
-          <p:cNvPr id="186" name="CustomShape 1"/>
-          <p:cNvSpPr/>
-          <p:nvPr/>
-        </p:nvSpPr>
-        <p:spPr>
-          <a:xfrm>
-            <a:off x="217800" y="-18720"/>
-            <a:ext cx="10513440" cy="1323360"/>
-          </a:xfrm>
-          <a:prstGeom prst="rect">
-            <a:avLst/>
-          </a:prstGeom>
-          <a:noFill/>
-          <a:ln>
-            <a:noFill/>
-          </a:ln>
-        </p:spPr>
-        <p:style>
-          <a:lnRef idx="0">
-            <a:scrgbClr r="0" g="0" b="0"/>
-          </a:lnRef>
-          <a:fillRef idx="0">
-            <a:scrgbClr r="0" g="0" b="0"/>
-          </a:fillRef>
-          <a:effectRef idx="0">
-            <a:scrgbClr r="0" g="0" b="0"/>
-          </a:effectRef>
-          <a:fontRef idx="minor"/>
-        </p:style>
-        <p:txBody>
-          <a:bodyPr lIns="90000" tIns="45000" rIns="90000" bIns="45000" anchor="ctr"/>
-          <a:lstStyle/>
-          <a:p>
-            <a:pPr>
-              <a:lnSpc>
-                <a:spcPct val="100000"/>
-              </a:lnSpc>
-            </a:pPr>
-            <a:r>
-              <a:rPr lang="pt-BR" sz="3200" b="1" strike="noStrike" spc="-1" dirty="0" smtClean="0">
+              <a:t>.</a:t>
+            </a:r>
+            <a:r>
+              <a:rPr lang="pt-BR" sz="3200" b="1" spc="-1" dirty="0" err="1" smtClean="0">
                 <a:uFill>
                   <a:solidFill>
                     <a:srgbClr val="FFFFFF"/>
@@ -12518,640 +7235,7 @@
                 <a:ea typeface="DejaVu Sans"/>
                 <a:cs typeface="Arial" panose="020B0604020202020204" pitchFamily="34" charset="0"/>
               </a:rPr>
-              <a:t>Boas práticas</a:t>
-            </a:r>
-            <a:endParaRPr lang="pt-BR" sz="1800" b="1" strike="noStrike" spc="-1" dirty="0">
-              <a:uFill>
-                <a:solidFill>
-                  <a:srgbClr val="FFFFFF"/>
-                </a:solidFill>
-              </a:uFill>
-              <a:latin typeface="Arial" panose="020B0604020202020204" pitchFamily="34" charset="0"/>
-              <a:cs typeface="Arial" panose="020B0604020202020204" pitchFamily="34" charset="0"/>
-            </a:endParaRPr>
-          </a:p>
-        </p:txBody>
-      </p:sp>
-      <p:pic>
-        <p:nvPicPr>
-          <p:cNvPr id="2" name="Imagem 1"/>
-          <p:cNvPicPr>
-            <a:picLocks noChangeAspect="1"/>
-          </p:cNvPicPr>
-          <p:nvPr/>
-        </p:nvPicPr>
-        <p:blipFill>
-          <a:blip r:embed="rId3">
-            <a:extLst>
-              <a:ext uri="{28A0092B-C50C-407E-A947-70E740481C1C}">
-                <a14:useLocalDpi xmlns:a14="http://schemas.microsoft.com/office/drawing/2010/main" val="0"/>
-              </a:ext>
-            </a:extLst>
-          </a:blip>
-          <a:stretch>
-            <a:fillRect/>
-          </a:stretch>
-        </p:blipFill>
-        <p:spPr>
-          <a:xfrm>
-            <a:off x="1991544" y="4005064"/>
-            <a:ext cx="7234163" cy="2461494"/>
-          </a:xfrm>
-          <a:prstGeom prst="rect">
-            <a:avLst/>
-          </a:prstGeom>
-        </p:spPr>
-      </p:pic>
-      <p:sp>
-        <p:nvSpPr>
-          <p:cNvPr id="5" name="CustomShape 2"/>
-          <p:cNvSpPr/>
-          <p:nvPr/>
-        </p:nvSpPr>
-        <p:spPr>
-          <a:xfrm>
-            <a:off x="334800" y="2146320"/>
-            <a:ext cx="11543400" cy="2067840"/>
-          </a:xfrm>
-          <a:prstGeom prst="rect">
-            <a:avLst/>
-          </a:prstGeom>
-          <a:noFill/>
-          <a:ln>
-            <a:noFill/>
-          </a:ln>
-        </p:spPr>
-        <p:style>
-          <a:lnRef idx="0">
-            <a:scrgbClr r="0" g="0" b="0"/>
-          </a:lnRef>
-          <a:fillRef idx="0">
-            <a:scrgbClr r="0" g="0" b="0"/>
-          </a:fillRef>
-          <a:effectRef idx="0">
-            <a:scrgbClr r="0" g="0" b="0"/>
-          </a:effectRef>
-          <a:fontRef idx="minor"/>
-        </p:style>
-        <p:txBody>
-          <a:bodyPr lIns="90000" tIns="45000" rIns="90000" bIns="45000"/>
-          <a:lstStyle/>
-          <a:p>
-            <a:pPr>
-              <a:lnSpc>
-                <a:spcPct val="90000"/>
-              </a:lnSpc>
-            </a:pPr>
-            <a:endParaRPr lang="pt-BR" sz="1800" b="0" strike="noStrike" spc="-1" dirty="0">
-              <a:solidFill>
-                <a:srgbClr val="000000"/>
-              </a:solidFill>
-              <a:uFill>
-                <a:solidFill>
-                  <a:srgbClr val="FFFFFF"/>
-                </a:solidFill>
-              </a:uFill>
-              <a:latin typeface="Arial"/>
-            </a:endParaRPr>
-          </a:p>
-          <a:p>
-            <a:pPr marL="343080" indent="-340920">
-              <a:lnSpc>
-                <a:spcPct val="90000"/>
-              </a:lnSpc>
-              <a:buClr>
-                <a:srgbClr val="808080"/>
-              </a:buClr>
-              <a:buFont typeface="Arial"/>
-              <a:buChar char="•"/>
-            </a:pPr>
-            <a:r>
-              <a:rPr lang="pt-BR" sz="2000" b="0" strike="noStrike" spc="-1" dirty="0" smtClean="0">
-                <a:solidFill>
-                  <a:srgbClr val="808080"/>
-                </a:solidFill>
-                <a:uFill>
-                  <a:solidFill>
-                    <a:srgbClr val="FFFFFF"/>
-                  </a:solidFill>
-                </a:uFill>
-                <a:latin typeface="EDP Preon"/>
-                <a:ea typeface="DejaVu Sans"/>
-              </a:rPr>
-              <a:t>Comunicação e planejamento com o time</a:t>
-            </a:r>
-            <a:endParaRPr lang="pt-BR" sz="1800" b="0" strike="noStrike" spc="-1" dirty="0">
-              <a:solidFill>
-                <a:srgbClr val="000000"/>
-              </a:solidFill>
-              <a:uFill>
-                <a:solidFill>
-                  <a:srgbClr val="FFFFFF"/>
-                </a:solidFill>
-              </a:uFill>
-              <a:latin typeface="Arial"/>
-            </a:endParaRPr>
-          </a:p>
-          <a:p>
-            <a:pPr marL="343080" indent="-340920">
-              <a:lnSpc>
-                <a:spcPct val="90000"/>
-              </a:lnSpc>
-              <a:buClr>
-                <a:srgbClr val="808080"/>
-              </a:buClr>
-              <a:buFont typeface="Arial"/>
-              <a:buChar char="•"/>
-            </a:pPr>
-            <a:r>
-              <a:rPr lang="pt-BR" sz="2000" b="0" strike="noStrike" spc="-1" dirty="0" smtClean="0">
-                <a:solidFill>
-                  <a:srgbClr val="808080"/>
-                </a:solidFill>
-                <a:uFill>
-                  <a:solidFill>
-                    <a:srgbClr val="FFFFFF"/>
-                  </a:solidFill>
-                </a:uFill>
-                <a:latin typeface="EDP Preon"/>
-                <a:ea typeface="DejaVu Sans"/>
-              </a:rPr>
-              <a:t>Atualizar (</a:t>
-            </a:r>
-            <a:r>
-              <a:rPr lang="pt-BR" sz="2000" b="0" strike="noStrike" spc="-1" dirty="0" err="1" smtClean="0">
-                <a:solidFill>
-                  <a:srgbClr val="808080"/>
-                </a:solidFill>
-                <a:uFill>
-                  <a:solidFill>
-                    <a:srgbClr val="FFFFFF"/>
-                  </a:solidFill>
-                </a:uFill>
-                <a:latin typeface="EDP Preon"/>
-                <a:ea typeface="DejaVu Sans"/>
-              </a:rPr>
-              <a:t>pull</a:t>
-            </a:r>
-            <a:r>
-              <a:rPr lang="pt-BR" sz="2000" b="0" strike="noStrike" spc="-1" dirty="0" smtClean="0">
-                <a:solidFill>
-                  <a:srgbClr val="808080"/>
-                </a:solidFill>
-                <a:uFill>
-                  <a:solidFill>
-                    <a:srgbClr val="FFFFFF"/>
-                  </a:solidFill>
-                </a:uFill>
-                <a:latin typeface="EDP Preon"/>
-                <a:ea typeface="DejaVu Sans"/>
-              </a:rPr>
-              <a:t>) sua </a:t>
-            </a:r>
-            <a:r>
-              <a:rPr lang="pt-BR" sz="2000" b="0" strike="noStrike" spc="-1" dirty="0" err="1" smtClean="0">
-                <a:solidFill>
-                  <a:srgbClr val="808080"/>
-                </a:solidFill>
-                <a:uFill>
-                  <a:solidFill>
-                    <a:srgbClr val="FFFFFF"/>
-                  </a:solidFill>
-                </a:uFill>
-                <a:latin typeface="EDP Preon"/>
-                <a:ea typeface="DejaVu Sans"/>
-              </a:rPr>
-              <a:t>branch</a:t>
-            </a:r>
-            <a:r>
-              <a:rPr lang="pt-BR" sz="2000" b="0" strike="noStrike" spc="-1" dirty="0" smtClean="0">
-                <a:solidFill>
-                  <a:srgbClr val="808080"/>
-                </a:solidFill>
-                <a:uFill>
-                  <a:solidFill>
-                    <a:srgbClr val="FFFFFF"/>
-                  </a:solidFill>
-                </a:uFill>
-                <a:latin typeface="EDP Preon"/>
-                <a:ea typeface="DejaVu Sans"/>
-              </a:rPr>
-              <a:t> periodicamente</a:t>
-            </a:r>
-            <a:endParaRPr lang="pt-BR" sz="1800" b="0" strike="noStrike" spc="-1" dirty="0">
-              <a:solidFill>
-                <a:srgbClr val="000000"/>
-              </a:solidFill>
-              <a:uFill>
-                <a:solidFill>
-                  <a:srgbClr val="FFFFFF"/>
-                </a:solidFill>
-              </a:uFill>
-              <a:latin typeface="Arial"/>
-            </a:endParaRPr>
-          </a:p>
-          <a:p>
-            <a:pPr marL="343080" indent="-340920">
-              <a:lnSpc>
-                <a:spcPct val="90000"/>
-              </a:lnSpc>
-              <a:buClr>
-                <a:srgbClr val="808080"/>
-              </a:buClr>
-              <a:buFont typeface="Arial"/>
-              <a:buChar char="•"/>
-            </a:pPr>
-            <a:r>
-              <a:rPr lang="pt-BR" sz="2000" b="0" strike="noStrike" spc="-1" dirty="0" smtClean="0">
-                <a:solidFill>
-                  <a:srgbClr val="808080"/>
-                </a:solidFill>
-                <a:uFill>
-                  <a:solidFill>
-                    <a:srgbClr val="FFFFFF"/>
-                  </a:solidFill>
-                </a:uFill>
-                <a:latin typeface="EDP Preon"/>
-                <a:ea typeface="DejaVu Sans"/>
-              </a:rPr>
-              <a:t>Uma </a:t>
-            </a:r>
-            <a:r>
-              <a:rPr lang="pt-BR" sz="2000" b="0" strike="noStrike" spc="-1" dirty="0" err="1" smtClean="0">
-                <a:solidFill>
-                  <a:srgbClr val="808080"/>
-                </a:solidFill>
-                <a:uFill>
-                  <a:solidFill>
-                    <a:srgbClr val="FFFFFF"/>
-                  </a:solidFill>
-                </a:uFill>
-                <a:latin typeface="EDP Preon"/>
-                <a:ea typeface="DejaVu Sans"/>
-              </a:rPr>
-              <a:t>branch</a:t>
-            </a:r>
-            <a:r>
-              <a:rPr lang="pt-BR" sz="2000" b="0" strike="noStrike" spc="-1" dirty="0" smtClean="0">
-                <a:solidFill>
-                  <a:srgbClr val="808080"/>
-                </a:solidFill>
-                <a:uFill>
-                  <a:solidFill>
-                    <a:srgbClr val="FFFFFF"/>
-                  </a:solidFill>
-                </a:uFill>
-                <a:latin typeface="EDP Preon"/>
-                <a:ea typeface="DejaVu Sans"/>
-              </a:rPr>
-              <a:t> para cada tarefa</a:t>
-            </a:r>
-          </a:p>
-          <a:p>
-            <a:pPr marL="343080" indent="-340920">
-              <a:lnSpc>
-                <a:spcPct val="90000"/>
-              </a:lnSpc>
-              <a:buClr>
-                <a:srgbClr val="808080"/>
-              </a:buClr>
-              <a:buFont typeface="Arial"/>
-              <a:buChar char="•"/>
-            </a:pPr>
-            <a:r>
-              <a:rPr lang="pt-BR" sz="2000" spc="-1" dirty="0" smtClean="0">
-                <a:solidFill>
-                  <a:srgbClr val="808080"/>
-                </a:solidFill>
-                <a:uFill>
-                  <a:solidFill>
-                    <a:srgbClr val="FFFFFF"/>
-                  </a:solidFill>
-                </a:uFill>
-                <a:latin typeface="EDP Preon"/>
-              </a:rPr>
-              <a:t>Nomenclatura padrão para </a:t>
-            </a:r>
-            <a:r>
-              <a:rPr lang="pt-BR" sz="2000" spc="-1" dirty="0" err="1" smtClean="0">
-                <a:solidFill>
-                  <a:srgbClr val="808080"/>
-                </a:solidFill>
-                <a:uFill>
-                  <a:solidFill>
-                    <a:srgbClr val="FFFFFF"/>
-                  </a:solidFill>
-                </a:uFill>
-                <a:latin typeface="EDP Preon"/>
-              </a:rPr>
-              <a:t>branch</a:t>
-            </a:r>
-            <a:r>
-              <a:rPr lang="pt-BR" sz="2000" spc="-1" dirty="0" smtClean="0">
-                <a:solidFill>
-                  <a:srgbClr val="808080"/>
-                </a:solidFill>
-                <a:uFill>
-                  <a:solidFill>
-                    <a:srgbClr val="FFFFFF"/>
-                  </a:solidFill>
-                </a:uFill>
-                <a:latin typeface="EDP Preon"/>
-              </a:rPr>
-              <a:t>. </a:t>
-            </a:r>
-            <a:r>
-              <a:rPr lang="pt-BR" sz="2000" spc="-1" dirty="0" err="1" smtClean="0">
-                <a:solidFill>
-                  <a:srgbClr val="808080"/>
-                </a:solidFill>
-                <a:uFill>
-                  <a:solidFill>
-                    <a:srgbClr val="FFFFFF"/>
-                  </a:solidFill>
-                </a:uFill>
-                <a:latin typeface="EDP Preon"/>
-              </a:rPr>
-              <a:t>Ex</a:t>
-            </a:r>
-            <a:r>
-              <a:rPr lang="pt-BR" sz="2000" spc="-1" dirty="0" smtClean="0">
-                <a:solidFill>
-                  <a:srgbClr val="808080"/>
-                </a:solidFill>
-                <a:uFill>
-                  <a:solidFill>
-                    <a:srgbClr val="FFFFFF"/>
-                  </a:solidFill>
-                </a:uFill>
-                <a:latin typeface="EDP Preon"/>
-              </a:rPr>
-              <a:t>:. 20190627_feature_relatório_custos</a:t>
-            </a:r>
-            <a:endParaRPr lang="pt-BR" sz="1800" b="0" strike="noStrike" spc="-1" dirty="0">
-              <a:solidFill>
-                <a:srgbClr val="000000"/>
-              </a:solidFill>
-              <a:uFill>
-                <a:solidFill>
-                  <a:srgbClr val="FFFFFF"/>
-                </a:solidFill>
-              </a:uFill>
-              <a:latin typeface="Arial"/>
-            </a:endParaRPr>
-          </a:p>
-          <a:p>
-            <a:pPr>
-              <a:lnSpc>
-                <a:spcPct val="90000"/>
-              </a:lnSpc>
-            </a:pPr>
-            <a:endParaRPr lang="pt-BR" sz="1800" b="0" strike="noStrike" spc="-1" dirty="0">
-              <a:solidFill>
-                <a:srgbClr val="000000"/>
-              </a:solidFill>
-              <a:uFill>
-                <a:solidFill>
-                  <a:srgbClr val="FFFFFF"/>
-                </a:solidFill>
-              </a:uFill>
-              <a:latin typeface="Arial"/>
-            </a:endParaRPr>
-          </a:p>
-        </p:txBody>
-      </p:sp>
-    </p:spTree>
-    <p:extLst>
-      <p:ext uri="{BB962C8B-B14F-4D97-AF65-F5344CB8AC3E}">
-        <p14:creationId xmlns:p14="http://schemas.microsoft.com/office/powerpoint/2010/main" val="448834551"/>
-      </p:ext>
-    </p:extLst>
-  </p:cSld>
-  <p:clrMapOvr>
-    <a:masterClrMapping/>
-  </p:clrMapOvr>
-  <p:timing>
-    <p:tnLst>
-      <p:par>
-        <p:cTn id="1" dur="indefinite" restart="never" nodeType="tmRoot">
-          <p:childTnLst>
-            <p:seq>
-              <p:cTn id="2" nodeType="mainSeq"/>
-              <p:prevCondLst>
-                <p:cond evt="onPrev" delay="0">
-                  <p:tgtEl>
-                    <p:sldTgt/>
-                  </p:tgtEl>
-                </p:cond>
-              </p:prevCondLst>
-              <p:nextCondLst>
-                <p:cond evt="onNext" delay="0">
-                  <p:tgtEl>
-                    <p:sldTgt/>
-                  </p:tgtEl>
-                </p:cond>
-              </p:nextCondLst>
-            </p:seq>
-          </p:childTnLst>
-        </p:cTn>
-      </p:par>
-    </p:tnLst>
-  </p:timing>
-</p:sld>
-</file>
-
-<file path=ppt/slides/slide24.xml><?xml version="1.0" encoding="utf-8"?>
-<p:sld xmlns:a="http://schemas.openxmlformats.org/drawingml/2006/main" xmlns:r="http://schemas.openxmlformats.org/officeDocument/2006/relationships" xmlns:p="http://schemas.openxmlformats.org/presentationml/2006/main">
-  <p:cSld>
-    <p:spTree>
-      <p:nvGrpSpPr>
-        <p:cNvPr id="1" name=""/>
-        <p:cNvGrpSpPr/>
-        <p:nvPr/>
-      </p:nvGrpSpPr>
-      <p:grpSpPr>
-        <a:xfrm>
-          <a:off x="0" y="0"/>
-          <a:ext cx="0" cy="0"/>
-          <a:chOff x="0" y="0"/>
-          <a:chExt cx="0" cy="0"/>
-        </a:xfrm>
-      </p:grpSpPr>
-      <p:sp>
-        <p:nvSpPr>
-          <p:cNvPr id="189" name="CustomShape 1"/>
-          <p:cNvSpPr/>
-          <p:nvPr/>
-        </p:nvSpPr>
-        <p:spPr>
-          <a:xfrm>
-            <a:off x="307440" y="1145880"/>
-            <a:ext cx="9141840" cy="2385360"/>
-          </a:xfrm>
-          <a:prstGeom prst="rect">
-            <a:avLst/>
-          </a:prstGeom>
-          <a:noFill/>
-          <a:ln>
-            <a:noFill/>
-          </a:ln>
-        </p:spPr>
-        <p:style>
-          <a:lnRef idx="0">
-            <a:scrgbClr r="0" g="0" b="0"/>
-          </a:lnRef>
-          <a:fillRef idx="0">
-            <a:scrgbClr r="0" g="0" b="0"/>
-          </a:fillRef>
-          <a:effectRef idx="0">
-            <a:scrgbClr r="0" g="0" b="0"/>
-          </a:effectRef>
-          <a:fontRef idx="minor"/>
-        </p:style>
-        <p:txBody>
-          <a:bodyPr lIns="90000" tIns="45000" rIns="90000" bIns="45000" anchor="b"/>
-          <a:lstStyle/>
-          <a:p>
-            <a:pPr algn="ctr">
-              <a:lnSpc>
-                <a:spcPct val="100000"/>
-              </a:lnSpc>
-            </a:pPr>
-            <a:r>
-              <a:rPr lang="pt-BR" sz="8000" b="1" strike="noStrike" spc="-1" dirty="0">
-                <a:uFill>
-                  <a:solidFill>
-                    <a:srgbClr val="FFFFFF"/>
-                  </a:solidFill>
-                </a:uFill>
-                <a:latin typeface="Arial" panose="020B0604020202020204" pitchFamily="34" charset="0"/>
-                <a:ea typeface="DejaVu Sans"/>
-                <a:cs typeface="Arial" panose="020B0604020202020204" pitchFamily="34" charset="0"/>
-              </a:rPr>
-              <a:t>OBRIGADO</a:t>
-            </a:r>
-            <a:endParaRPr lang="pt-BR" sz="1800" b="1" strike="noStrike" spc="-1" dirty="0">
-              <a:uFill>
-                <a:solidFill>
-                  <a:srgbClr val="FFFFFF"/>
-                </a:solidFill>
-              </a:uFill>
-              <a:latin typeface="Arial" panose="020B0604020202020204" pitchFamily="34" charset="0"/>
-              <a:cs typeface="Arial" panose="020B0604020202020204" pitchFamily="34" charset="0"/>
-            </a:endParaRPr>
-          </a:p>
-        </p:txBody>
-      </p:sp>
-    </p:spTree>
-  </p:cSld>
-  <p:clrMapOvr>
-    <a:masterClrMapping/>
-  </p:clrMapOvr>
-  <p:timing>
-    <p:tnLst>
-      <p:par>
-        <p:cTn id="1" dur="indefinite" restart="never" nodeType="tmRoot"/>
-      </p:par>
-    </p:tnLst>
-  </p:timing>
-</p:sld>
-</file>
-
-<file path=ppt/slides/slide3.xml><?xml version="1.0" encoding="utf-8"?>
-<p:sld xmlns:a="http://schemas.openxmlformats.org/drawingml/2006/main" xmlns:r="http://schemas.openxmlformats.org/officeDocument/2006/relationships" xmlns:p="http://schemas.openxmlformats.org/presentationml/2006/main">
-  <p:cSld>
-    <p:spTree>
-      <p:nvGrpSpPr>
-        <p:cNvPr id="1" name=""/>
-        <p:cNvGrpSpPr/>
-        <p:nvPr/>
-      </p:nvGrpSpPr>
-      <p:grpSpPr>
-        <a:xfrm>
-          <a:off x="0" y="0"/>
-          <a:ext cx="0" cy="0"/>
-          <a:chOff x="0" y="0"/>
-          <a:chExt cx="0" cy="0"/>
-        </a:xfrm>
-      </p:grpSpPr>
-      <p:sp>
-        <p:nvSpPr>
-          <p:cNvPr id="177" name="CustomShape 1"/>
-          <p:cNvSpPr/>
-          <p:nvPr/>
-        </p:nvSpPr>
-        <p:spPr>
-          <a:xfrm>
-            <a:off x="217800" y="-18720"/>
-            <a:ext cx="10513440" cy="1323360"/>
-          </a:xfrm>
-          <a:prstGeom prst="rect">
-            <a:avLst/>
-          </a:prstGeom>
-          <a:noFill/>
-          <a:ln>
-            <a:noFill/>
-          </a:ln>
-        </p:spPr>
-        <p:style>
-          <a:lnRef idx="0">
-            <a:scrgbClr r="0" g="0" b="0"/>
-          </a:lnRef>
-          <a:fillRef idx="0">
-            <a:scrgbClr r="0" g="0" b="0"/>
-          </a:fillRef>
-          <a:effectRef idx="0">
-            <a:scrgbClr r="0" g="0" b="0"/>
-          </a:effectRef>
-          <a:fontRef idx="minor"/>
-        </p:style>
-        <p:txBody>
-          <a:bodyPr lIns="90000" tIns="45000" rIns="90000" bIns="45000" anchor="ctr"/>
-          <a:lstStyle/>
-          <a:p>
-            <a:pPr>
-              <a:lnSpc>
-                <a:spcPct val="100000"/>
-              </a:lnSpc>
-            </a:pPr>
-            <a:r>
-              <a:rPr lang="pt-BR" sz="3200" b="1" spc="-1" dirty="0" smtClean="0">
-                <a:uFill>
-                  <a:solidFill>
-                    <a:srgbClr val="FFFFFF"/>
-                  </a:solidFill>
-                </a:uFill>
-                <a:latin typeface="Arial" panose="020B0604020202020204" pitchFamily="34" charset="0"/>
-                <a:ea typeface="DejaVu Sans"/>
-                <a:cs typeface="Arial" panose="020B0604020202020204" pitchFamily="34" charset="0"/>
-              </a:rPr>
-              <a:t>.</a:t>
-            </a:r>
-            <a:r>
-              <a:rPr lang="pt-BR" sz="3200" b="1" spc="-1" dirty="0" err="1" smtClean="0">
-                <a:uFill>
-                  <a:solidFill>
-                    <a:srgbClr val="FFFFFF"/>
-                  </a:solidFill>
-                </a:uFill>
-                <a:latin typeface="Arial" panose="020B0604020202020204" pitchFamily="34" charset="0"/>
-                <a:ea typeface="DejaVu Sans"/>
-                <a:cs typeface="Arial" panose="020B0604020202020204" pitchFamily="34" charset="0"/>
-              </a:rPr>
-              <a:t>g</a:t>
-            </a:r>
-            <a:r>
-              <a:rPr lang="pt-BR" sz="3200" b="1" spc="-1" dirty="0" err="1" smtClean="0">
-                <a:uFill>
-                  <a:solidFill>
-                    <a:srgbClr val="FFFFFF"/>
-                  </a:solidFill>
-                </a:uFill>
-                <a:latin typeface="Arial" panose="020B0604020202020204" pitchFamily="34" charset="0"/>
-                <a:ea typeface="DejaVu Sans"/>
-                <a:cs typeface="Arial" panose="020B0604020202020204" pitchFamily="34" charset="0"/>
-              </a:rPr>
-              <a:t>itignore</a:t>
+              <a:t>gitignore</a:t>
             </a:r>
             <a:endParaRPr lang="pt-BR" sz="1800" b="1" strike="noStrike" spc="-1" dirty="0">
               <a:uFill>
@@ -14310,7 +8394,7 @@
       </p:grpSpPr>
       <p:sp>
         <p:nvSpPr>
-          <p:cNvPr id="168" name="CustomShape 1"/>
+          <p:cNvPr id="180" name="CustomShape 1"/>
           <p:cNvSpPr/>
           <p:nvPr/>
         </p:nvSpPr>
@@ -14349,40 +8433,30 @@
               </a:lnSpc>
             </a:pPr>
             <a:r>
-              <a:rPr lang="pt-BR" sz="3200" b="1" spc="-1" dirty="0" err="1" smtClean="0">
+              <a:rPr lang="pt-BR" sz="3200" b="1" strike="noStrike" spc="-1" dirty="0" smtClean="0">
                 <a:uFill>
                   <a:solidFill>
                     <a:srgbClr val="FFFFFF"/>
                   </a:solidFill>
                 </a:uFill>
                 <a:latin typeface="Arial" panose="020B0604020202020204" pitchFamily="34" charset="0"/>
+                <a:ea typeface="DejaVu Sans"/>
                 <a:cs typeface="Arial" panose="020B0604020202020204" pitchFamily="34" charset="0"/>
               </a:rPr>
-              <a:t>git</a:t>
-            </a:r>
-            <a:r>
-              <a:rPr lang="pt-BR" sz="3200" b="1" spc="-1" dirty="0" smtClean="0">
+              <a:t>Snapshot e </a:t>
+            </a:r>
+            <a:r>
+              <a:rPr lang="pt-BR" sz="3200" b="1" strike="noStrike" spc="-1" dirty="0" err="1" smtClean="0">
                 <a:uFill>
                   <a:solidFill>
                     <a:srgbClr val="FFFFFF"/>
                   </a:solidFill>
                 </a:uFill>
                 <a:latin typeface="Arial" panose="020B0604020202020204" pitchFamily="34" charset="0"/>
+                <a:ea typeface="DejaVu Sans"/>
                 <a:cs typeface="Arial" panose="020B0604020202020204" pitchFamily="34" charset="0"/>
               </a:rPr>
-              <a:t> </a:t>
-            </a:r>
-            <a:r>
-              <a:rPr lang="pt-BR" sz="3200" b="1" spc="-1" dirty="0" err="1" smtClean="0">
-                <a:uFill>
-                  <a:solidFill>
-                    <a:srgbClr val="FFFFFF"/>
-                  </a:solidFill>
-                </a:uFill>
-                <a:latin typeface="Arial" panose="020B0604020202020204" pitchFamily="34" charset="0"/>
-                <a:cs typeface="Arial" panose="020B0604020202020204" pitchFamily="34" charset="0"/>
-              </a:rPr>
-              <a:t>tag</a:t>
+              <a:t>Branch</a:t>
             </a:r>
             <a:endParaRPr lang="pt-BR" sz="1800" b="1" strike="noStrike" spc="-1" dirty="0">
               <a:uFill>
@@ -14392,310 +8466,6 @@
               </a:uFill>
               <a:latin typeface="Arial" panose="020B0604020202020204" pitchFamily="34" charset="0"/>
               <a:cs typeface="Arial" panose="020B0604020202020204" pitchFamily="34" charset="0"/>
-            </a:endParaRPr>
-          </a:p>
-        </p:txBody>
-      </p:sp>
-      <p:sp>
-        <p:nvSpPr>
-          <p:cNvPr id="6" name="CustomShape 2"/>
-          <p:cNvSpPr/>
-          <p:nvPr/>
-        </p:nvSpPr>
-        <p:spPr>
-          <a:xfrm>
-            <a:off x="334800" y="1649192"/>
-            <a:ext cx="11543400" cy="2067840"/>
-          </a:xfrm>
-          <a:prstGeom prst="rect">
-            <a:avLst/>
-          </a:prstGeom>
-          <a:noFill/>
-          <a:ln>
-            <a:noFill/>
-          </a:ln>
-        </p:spPr>
-        <p:style>
-          <a:lnRef idx="0">
-            <a:scrgbClr r="0" g="0" b="0"/>
-          </a:lnRef>
-          <a:fillRef idx="0">
-            <a:scrgbClr r="0" g="0" b="0"/>
-          </a:fillRef>
-          <a:effectRef idx="0">
-            <a:scrgbClr r="0" g="0" b="0"/>
-          </a:effectRef>
-          <a:fontRef idx="minor"/>
-        </p:style>
-        <p:txBody>
-          <a:bodyPr lIns="90000" tIns="45000" rIns="90000" bIns="45000"/>
-          <a:lstStyle/>
-          <a:p>
-            <a:pPr marL="2160">
-              <a:lnSpc>
-                <a:spcPct val="90000"/>
-              </a:lnSpc>
-              <a:buClr>
-                <a:srgbClr val="808080"/>
-              </a:buClr>
-            </a:pPr>
-            <a:endParaRPr lang="pt-BR" sz="1800" b="0" strike="noStrike" spc="-1" dirty="0" smtClean="0">
-              <a:solidFill>
-                <a:srgbClr val="000000"/>
-              </a:solidFill>
-              <a:uFill>
-                <a:solidFill>
-                  <a:srgbClr val="FFFFFF"/>
-                </a:solidFill>
-              </a:uFill>
-              <a:latin typeface="Arial"/>
-            </a:endParaRPr>
-          </a:p>
-          <a:p>
-            <a:pPr>
-              <a:lnSpc>
-                <a:spcPct val="90000"/>
-              </a:lnSpc>
-            </a:pPr>
-            <a:r>
-              <a:rPr lang="pt-BR" sz="3200" spc="-1" dirty="0" err="1">
-                <a:uFill>
-                  <a:solidFill>
-                    <a:srgbClr val="FFFFFF"/>
-                  </a:solidFill>
-                </a:uFill>
-                <a:latin typeface="Arial"/>
-              </a:rPr>
-              <a:t>g</a:t>
-            </a:r>
-            <a:r>
-              <a:rPr lang="pt-BR" sz="3200" spc="-1" dirty="0" err="1" smtClean="0">
-                <a:uFill>
-                  <a:solidFill>
-                    <a:srgbClr val="FFFFFF"/>
-                  </a:solidFill>
-                </a:uFill>
-                <a:latin typeface="Arial"/>
-              </a:rPr>
-              <a:t>it</a:t>
-            </a:r>
-            <a:r>
-              <a:rPr lang="pt-BR" sz="3200" spc="-1" dirty="0" smtClean="0">
-                <a:uFill>
-                  <a:solidFill>
-                    <a:srgbClr val="FFFFFF"/>
-                  </a:solidFill>
-                </a:uFill>
-                <a:latin typeface="Arial"/>
-              </a:rPr>
-              <a:t> </a:t>
-            </a:r>
-            <a:r>
-              <a:rPr lang="pt-BR" sz="3200" spc="-1" dirty="0" err="1" smtClean="0">
-                <a:uFill>
-                  <a:solidFill>
-                    <a:srgbClr val="FFFFFF"/>
-                  </a:solidFill>
-                </a:uFill>
-                <a:latin typeface="Arial"/>
-              </a:rPr>
-              <a:t>tag</a:t>
-            </a:r>
-            <a:endParaRPr lang="pt-BR" sz="3200" spc="-1" dirty="0" smtClean="0">
-              <a:uFill>
-                <a:solidFill>
-                  <a:srgbClr val="FFFFFF"/>
-                </a:solidFill>
-              </a:uFill>
-              <a:latin typeface="Arial"/>
-            </a:endParaRPr>
-          </a:p>
-          <a:p>
-            <a:pPr>
-              <a:lnSpc>
-                <a:spcPct val="90000"/>
-              </a:lnSpc>
-            </a:pPr>
-            <a:endParaRPr lang="pt-BR" sz="3200" spc="-1" dirty="0">
-              <a:uFill>
-                <a:solidFill>
-                  <a:srgbClr val="FFFFFF"/>
-                </a:solidFill>
-              </a:uFill>
-              <a:latin typeface="Arial"/>
-            </a:endParaRPr>
-          </a:p>
-          <a:p>
-            <a:pPr>
-              <a:lnSpc>
-                <a:spcPct val="90000"/>
-              </a:lnSpc>
-            </a:pPr>
-            <a:r>
-              <a:rPr lang="pt-BR" sz="3200" spc="-1" dirty="0" err="1" smtClean="0">
-                <a:uFill>
-                  <a:solidFill>
-                    <a:srgbClr val="FFFFFF"/>
-                  </a:solidFill>
-                </a:uFill>
-                <a:latin typeface="Arial"/>
-              </a:rPr>
-              <a:t>git</a:t>
-            </a:r>
-            <a:r>
-              <a:rPr lang="pt-BR" sz="3200" spc="-1" dirty="0">
-                <a:uFill>
-                  <a:solidFill>
-                    <a:srgbClr val="FFFFFF"/>
-                  </a:solidFill>
-                </a:uFill>
-                <a:latin typeface="Arial"/>
-              </a:rPr>
-              <a:t> </a:t>
-            </a:r>
-            <a:r>
-              <a:rPr lang="pt-BR" sz="3200" spc="-1" dirty="0" err="1" smtClean="0">
-                <a:uFill>
-                  <a:solidFill>
-                    <a:srgbClr val="FFFFFF"/>
-                  </a:solidFill>
-                </a:uFill>
-                <a:latin typeface="Arial"/>
-              </a:rPr>
-              <a:t>tag</a:t>
-            </a:r>
-            <a:r>
-              <a:rPr lang="pt-BR" sz="3200" spc="-1" dirty="0" smtClean="0">
-                <a:uFill>
-                  <a:solidFill>
-                    <a:srgbClr val="FFFFFF"/>
-                  </a:solidFill>
-                </a:uFill>
-                <a:latin typeface="Arial"/>
-              </a:rPr>
-              <a:t> -a v1.0 -m ‘versão 1.0’</a:t>
-            </a:r>
-          </a:p>
-          <a:p>
-            <a:pPr>
-              <a:lnSpc>
-                <a:spcPct val="90000"/>
-              </a:lnSpc>
-            </a:pPr>
-            <a:endParaRPr lang="pt-BR" sz="3200" spc="-1" dirty="0">
-              <a:uFill>
-                <a:solidFill>
-                  <a:srgbClr val="FFFFFF"/>
-                </a:solidFill>
-              </a:uFill>
-              <a:latin typeface="Arial"/>
-            </a:endParaRPr>
-          </a:p>
-          <a:p>
-            <a:pPr>
-              <a:lnSpc>
-                <a:spcPct val="90000"/>
-              </a:lnSpc>
-            </a:pPr>
-            <a:r>
-              <a:rPr lang="pt-BR" sz="3200" spc="-1" dirty="0" err="1">
-                <a:uFill>
-                  <a:solidFill>
-                    <a:srgbClr val="FFFFFF"/>
-                  </a:solidFill>
-                </a:uFill>
-                <a:latin typeface="Arial"/>
-              </a:rPr>
-              <a:t>g</a:t>
-            </a:r>
-            <a:r>
-              <a:rPr lang="pt-BR" sz="3200" spc="-1" dirty="0" err="1" smtClean="0">
-                <a:uFill>
-                  <a:solidFill>
-                    <a:srgbClr val="FFFFFF"/>
-                  </a:solidFill>
-                </a:uFill>
-                <a:latin typeface="Arial"/>
-              </a:rPr>
-              <a:t>it</a:t>
-            </a:r>
-            <a:r>
-              <a:rPr lang="pt-BR" sz="3200" spc="-1" dirty="0" smtClean="0">
-                <a:uFill>
-                  <a:solidFill>
-                    <a:srgbClr val="FFFFFF"/>
-                  </a:solidFill>
-                </a:uFill>
-                <a:latin typeface="Arial"/>
-              </a:rPr>
-              <a:t> </a:t>
-            </a:r>
-            <a:r>
-              <a:rPr lang="pt-BR" sz="3200" spc="-1" dirty="0" err="1" smtClean="0">
-                <a:uFill>
-                  <a:solidFill>
-                    <a:srgbClr val="FFFFFF"/>
-                  </a:solidFill>
-                </a:uFill>
-                <a:latin typeface="Arial"/>
-              </a:rPr>
-              <a:t>tag</a:t>
-            </a:r>
-            <a:r>
-              <a:rPr lang="pt-BR" sz="3200" spc="-1" dirty="0" smtClean="0">
-                <a:uFill>
-                  <a:solidFill>
-                    <a:srgbClr val="FFFFFF"/>
-                  </a:solidFill>
-                </a:uFill>
-                <a:latin typeface="Arial"/>
-              </a:rPr>
-              <a:t> -a v0.1 &lt;commitSHA-1&gt;</a:t>
-            </a:r>
-          </a:p>
-          <a:p>
-            <a:pPr>
-              <a:lnSpc>
-                <a:spcPct val="90000"/>
-              </a:lnSpc>
-            </a:pPr>
-            <a:endParaRPr lang="pt-BR" sz="3200" spc="-1" dirty="0">
-              <a:uFill>
-                <a:solidFill>
-                  <a:srgbClr val="FFFFFF"/>
-                </a:solidFill>
-              </a:uFill>
-              <a:latin typeface="Arial"/>
-            </a:endParaRPr>
-          </a:p>
-          <a:p>
-            <a:pPr>
-              <a:lnSpc>
-                <a:spcPct val="90000"/>
-              </a:lnSpc>
-            </a:pPr>
-            <a:endParaRPr lang="pt-BR" sz="3200" spc="-1" dirty="0" smtClean="0">
-              <a:uFill>
-                <a:solidFill>
-                  <a:srgbClr val="FFFFFF"/>
-                </a:solidFill>
-              </a:uFill>
-              <a:latin typeface="Arial"/>
-            </a:endParaRPr>
-          </a:p>
-          <a:p>
-            <a:pPr>
-              <a:lnSpc>
-                <a:spcPct val="90000"/>
-              </a:lnSpc>
-            </a:pPr>
-            <a:endParaRPr lang="pt-BR" sz="3200" spc="-1" dirty="0" smtClean="0">
-              <a:uFill>
-                <a:solidFill>
-                  <a:srgbClr val="FFFFFF"/>
-                </a:solidFill>
-              </a:uFill>
-              <a:latin typeface="Arial"/>
             </a:endParaRPr>
           </a:p>
         </p:txBody>
@@ -14722,8 +8492,8 @@
         </p:blipFill>
         <p:spPr>
           <a:xfrm>
-            <a:off x="6023992" y="2239094"/>
-            <a:ext cx="6162675" cy="4286250"/>
+            <a:off x="1196652" y="2068785"/>
+            <a:ext cx="9867900" cy="4600575"/>
           </a:xfrm>
           <a:prstGeom prst="rect">
             <a:avLst/>
@@ -14731,11 +8501,6 @@
         </p:spPr>
       </p:pic>
     </p:spTree>
-    <p:extLst>
-      <p:ext uri="{BB962C8B-B14F-4D97-AF65-F5344CB8AC3E}">
-        <p14:creationId xmlns:p14="http://schemas.microsoft.com/office/powerpoint/2010/main" val="125082428"/>
-      </p:ext>
-    </p:extLst>
   </p:cSld>
   <p:clrMapOvr>
     <a:masterClrMapping/>
@@ -14743,7 +8508,27 @@
   <p:timing>
     <p:tnLst>
       <p:par>
-        <p:cTn id="1" dur="indefinite" restart="never" nodeType="tmRoot"/>
+        <p:cTn id="1" dur="indefinite" restart="never" nodeType="tmRoot">
+          <p:childTnLst>
+            <p:seq>
+              <p:cTn id="2" nodeType="mainSeq"/>
+              <p:prevCondLst>
+                <p:cond evt="onPrev" delay="0">
+                  <p:tgtEl>
+                    <p:sldTgt/>
+                  </p:tgtEl>
+                </p:cond>
+              </p:prevCondLst>
+              <p:nextCondLst>
+                <p:cond evt="onNext" delay="0">
+                  <p:tgtEl>
+                    <p:sldTgt/>
+                  </p:tgtEl>
+                </p:cond>
+              </p:nextCondLst>
+            </p:seq>
+          </p:childTnLst>
+        </p:cTn>
       </p:par>
     </p:tnLst>
   </p:timing>
@@ -14769,7 +8554,7 @@
       </p:grpSpPr>
       <p:sp>
         <p:nvSpPr>
-          <p:cNvPr id="168" name="CustomShape 1"/>
+          <p:cNvPr id="183" name="CustomShape 1"/>
           <p:cNvSpPr/>
           <p:nvPr/>
         </p:nvSpPr>
@@ -14808,28 +8593,17 @@
               </a:lnSpc>
             </a:pPr>
             <a:r>
-              <a:rPr lang="pt-BR" sz="3200" b="1" spc="-1" dirty="0" err="1" smtClean="0">
+              <a:rPr lang="pt-BR" sz="3200" b="1" strike="noStrike" spc="-1" dirty="0" smtClean="0">
                 <a:uFill>
                   <a:solidFill>
                     <a:srgbClr val="FFFFFF"/>
                   </a:solidFill>
                 </a:uFill>
                 <a:latin typeface="Arial" panose="020B0604020202020204" pitchFamily="34" charset="0"/>
+                <a:ea typeface="DejaVu Sans"/>
                 <a:cs typeface="Arial" panose="020B0604020202020204" pitchFamily="34" charset="0"/>
               </a:rPr>
-              <a:t>git</a:t>
-            </a:r>
-            <a:r>
-              <a:rPr lang="pt-BR" sz="3200" b="1" spc="-1" dirty="0" smtClean="0">
-                <a:uFill>
-                  <a:solidFill>
-                    <a:srgbClr val="FFFFFF"/>
-                  </a:solidFill>
-                </a:uFill>
-                <a:latin typeface="Arial" panose="020B0604020202020204" pitchFamily="34" charset="0"/>
-                <a:cs typeface="Arial" panose="020B0604020202020204" pitchFamily="34" charset="0"/>
-              </a:rPr>
-              <a:t> alias</a:t>
+              <a:t>Merge</a:t>
             </a:r>
             <a:endParaRPr lang="pt-BR" sz="1800" b="1" strike="noStrike" spc="-1" dirty="0">
               <a:uFill>
@@ -14840,268 +8614,6 @@
               <a:latin typeface="Arial" panose="020B0604020202020204" pitchFamily="34" charset="0"/>
               <a:cs typeface="Arial" panose="020B0604020202020204" pitchFamily="34" charset="0"/>
             </a:endParaRPr>
-          </a:p>
-        </p:txBody>
-      </p:sp>
-      <p:sp>
-        <p:nvSpPr>
-          <p:cNvPr id="6" name="CustomShape 2"/>
-          <p:cNvSpPr/>
-          <p:nvPr/>
-        </p:nvSpPr>
-        <p:spPr>
-          <a:xfrm>
-            <a:off x="334800" y="1649192"/>
-            <a:ext cx="11543400" cy="2067840"/>
-          </a:xfrm>
-          <a:prstGeom prst="rect">
-            <a:avLst/>
-          </a:prstGeom>
-          <a:noFill/>
-          <a:ln>
-            <a:noFill/>
-          </a:ln>
-        </p:spPr>
-        <p:style>
-          <a:lnRef idx="0">
-            <a:scrgbClr r="0" g="0" b="0"/>
-          </a:lnRef>
-          <a:fillRef idx="0">
-            <a:scrgbClr r="0" g="0" b="0"/>
-          </a:fillRef>
-          <a:effectRef idx="0">
-            <a:scrgbClr r="0" g="0" b="0"/>
-          </a:effectRef>
-          <a:fontRef idx="minor"/>
-        </p:style>
-        <p:txBody>
-          <a:bodyPr lIns="90000" tIns="45000" rIns="90000" bIns="45000"/>
-          <a:lstStyle/>
-          <a:p>
-            <a:pPr marL="2160">
-              <a:lnSpc>
-                <a:spcPct val="90000"/>
-              </a:lnSpc>
-              <a:buClr>
-                <a:srgbClr val="808080"/>
-              </a:buClr>
-            </a:pPr>
-            <a:endParaRPr lang="pt-BR" sz="1800" b="0" strike="noStrike" spc="-1" dirty="0" smtClean="0">
-              <a:solidFill>
-                <a:srgbClr val="000000"/>
-              </a:solidFill>
-              <a:uFill>
-                <a:solidFill>
-                  <a:srgbClr val="FFFFFF"/>
-                </a:solidFill>
-              </a:uFill>
-              <a:latin typeface="Arial"/>
-            </a:endParaRPr>
-          </a:p>
-          <a:p>
-            <a:pPr>
-              <a:lnSpc>
-                <a:spcPct val="90000"/>
-              </a:lnSpc>
-            </a:pPr>
-            <a:r>
-              <a:rPr lang="pt-BR" sz="3200" spc="-1" dirty="0" err="1">
-                <a:uFill>
-                  <a:solidFill>
-                    <a:srgbClr val="FFFFFF"/>
-                  </a:solidFill>
-                </a:uFill>
-                <a:latin typeface="Arial"/>
-              </a:rPr>
-              <a:t>g</a:t>
-            </a:r>
-            <a:r>
-              <a:rPr lang="pt-BR" sz="3200" spc="-1" dirty="0" err="1" smtClean="0">
-                <a:uFill>
-                  <a:solidFill>
-                    <a:srgbClr val="FFFFFF"/>
-                  </a:solidFill>
-                </a:uFill>
-                <a:latin typeface="Arial"/>
-              </a:rPr>
-              <a:t>it</a:t>
-            </a:r>
-            <a:r>
-              <a:rPr lang="pt-BR" sz="3200" spc="-1" dirty="0" smtClean="0">
-                <a:uFill>
-                  <a:solidFill>
-                    <a:srgbClr val="FFFFFF"/>
-                  </a:solidFill>
-                </a:uFill>
-                <a:latin typeface="Arial"/>
-              </a:rPr>
-              <a:t> </a:t>
-            </a:r>
-            <a:r>
-              <a:rPr lang="pt-BR" sz="3200" spc="-1" dirty="0" err="1" smtClean="0">
-                <a:uFill>
-                  <a:solidFill>
-                    <a:srgbClr val="FFFFFF"/>
-                  </a:solidFill>
-                </a:uFill>
-                <a:latin typeface="Arial"/>
-              </a:rPr>
-              <a:t>config</a:t>
-            </a:r>
-            <a:r>
-              <a:rPr lang="pt-BR" sz="3200" spc="-1" dirty="0">
-                <a:uFill>
-                  <a:solidFill>
-                    <a:srgbClr val="FFFFFF"/>
-                  </a:solidFill>
-                </a:uFill>
-                <a:latin typeface="Arial"/>
-              </a:rPr>
-              <a:t> </a:t>
-            </a:r>
-            <a:r>
-              <a:rPr lang="pt-BR" sz="3200" spc="-1" dirty="0" smtClean="0">
-                <a:uFill>
-                  <a:solidFill>
-                    <a:srgbClr val="FFFFFF"/>
-                  </a:solidFill>
-                </a:uFill>
-                <a:latin typeface="Arial"/>
-              </a:rPr>
-              <a:t>--global alias.st status</a:t>
-            </a:r>
-          </a:p>
-          <a:p>
-            <a:pPr>
-              <a:lnSpc>
-                <a:spcPct val="90000"/>
-              </a:lnSpc>
-            </a:pPr>
-            <a:endParaRPr lang="pt-BR" sz="3200" spc="-1" dirty="0">
-              <a:uFill>
-                <a:solidFill>
-                  <a:srgbClr val="FFFFFF"/>
-                </a:solidFill>
-              </a:uFill>
-              <a:latin typeface="Arial"/>
-            </a:endParaRPr>
-          </a:p>
-          <a:p>
-            <a:pPr>
-              <a:lnSpc>
-                <a:spcPct val="90000"/>
-              </a:lnSpc>
-            </a:pPr>
-            <a:r>
-              <a:rPr lang="pt-BR" sz="3200" spc="-1" dirty="0" err="1" smtClean="0">
-                <a:uFill>
-                  <a:solidFill>
-                    <a:srgbClr val="FFFFFF"/>
-                  </a:solidFill>
-                </a:uFill>
-                <a:latin typeface="Arial"/>
-              </a:rPr>
-              <a:t>git</a:t>
-            </a:r>
-            <a:r>
-              <a:rPr lang="pt-BR" sz="3200" spc="-1" dirty="0" smtClean="0">
-                <a:uFill>
-                  <a:solidFill>
-                    <a:srgbClr val="FFFFFF"/>
-                  </a:solidFill>
-                </a:uFill>
-                <a:latin typeface="Arial"/>
-              </a:rPr>
-              <a:t> --global </a:t>
-            </a:r>
-            <a:r>
-              <a:rPr lang="pt-BR" sz="3200" spc="-1" dirty="0" err="1" smtClean="0">
-                <a:uFill>
-                  <a:solidFill>
-                    <a:srgbClr val="FFFFFF"/>
-                  </a:solidFill>
-                </a:uFill>
-                <a:latin typeface="Arial"/>
-              </a:rPr>
-              <a:t>alias.spush</a:t>
-            </a:r>
-            <a:r>
-              <a:rPr lang="pt-BR" sz="3200" spc="-1" dirty="0" smtClean="0">
-                <a:uFill>
-                  <a:solidFill>
-                    <a:srgbClr val="FFFFFF"/>
-                  </a:solidFill>
-                </a:uFill>
-                <a:latin typeface="Arial"/>
-              </a:rPr>
-              <a:t> ‘</a:t>
-            </a:r>
-            <a:r>
-              <a:rPr lang="pt-BR" sz="3200" spc="-1" dirty="0" err="1" smtClean="0">
-                <a:uFill>
-                  <a:solidFill>
-                    <a:srgbClr val="FFFFFF"/>
-                  </a:solidFill>
-                </a:uFill>
-                <a:latin typeface="Arial"/>
-              </a:rPr>
-              <a:t>push</a:t>
-            </a:r>
-            <a:r>
-              <a:rPr lang="pt-BR" sz="3200" spc="-1" dirty="0" smtClean="0">
-                <a:uFill>
-                  <a:solidFill>
-                    <a:srgbClr val="FFFFFF"/>
-                  </a:solidFill>
-                </a:uFill>
-                <a:latin typeface="Arial"/>
-              </a:rPr>
-              <a:t> </a:t>
-            </a:r>
-            <a:r>
-              <a:rPr lang="pt-BR" sz="3200" spc="-1" dirty="0" err="1" smtClean="0">
-                <a:uFill>
-                  <a:solidFill>
-                    <a:srgbClr val="FFFFFF"/>
-                  </a:solidFill>
-                </a:uFill>
-                <a:latin typeface="Arial"/>
-              </a:rPr>
-              <a:t>origin</a:t>
-            </a:r>
-            <a:r>
-              <a:rPr lang="pt-BR" sz="3200" spc="-1" dirty="0" smtClean="0">
-                <a:uFill>
-                  <a:solidFill>
-                    <a:srgbClr val="FFFFFF"/>
-                  </a:solidFill>
-                </a:uFill>
-                <a:latin typeface="Arial"/>
-              </a:rPr>
-              <a:t> </a:t>
-            </a:r>
-            <a:r>
-              <a:rPr lang="pt-BR" sz="3200" spc="-1" dirty="0" err="1" smtClean="0">
-                <a:uFill>
-                  <a:solidFill>
-                    <a:srgbClr val="FFFFFF"/>
-                  </a:solidFill>
-                </a:uFill>
-                <a:latin typeface="Arial"/>
-              </a:rPr>
-              <a:t>master</a:t>
-            </a:r>
-            <a:r>
-              <a:rPr lang="pt-BR" sz="3200" spc="-1" dirty="0" smtClean="0">
-                <a:uFill>
-                  <a:solidFill>
-                    <a:srgbClr val="FFFFFF"/>
-                  </a:solidFill>
-                </a:uFill>
-                <a:latin typeface="Arial"/>
-              </a:rPr>
-              <a:t>’   </a:t>
-            </a:r>
           </a:p>
         </p:txBody>
       </p:sp>
@@ -15127,8 +8639,8 @@
         </p:blipFill>
         <p:spPr>
           <a:xfrm>
-            <a:off x="6285656" y="3964765"/>
-            <a:ext cx="5570984" cy="2200539"/>
+            <a:off x="2286000" y="1700808"/>
+            <a:ext cx="7620000" cy="4362450"/>
           </a:xfrm>
           <a:prstGeom prst="rect">
             <a:avLst/>
@@ -15136,11 +8648,6 @@
         </p:spPr>
       </p:pic>
     </p:spTree>
-    <p:extLst>
-      <p:ext uri="{BB962C8B-B14F-4D97-AF65-F5344CB8AC3E}">
-        <p14:creationId xmlns:p14="http://schemas.microsoft.com/office/powerpoint/2010/main" val="2019889272"/>
-      </p:ext>
-    </p:extLst>
   </p:cSld>
   <p:clrMapOvr>
     <a:masterClrMapping/>
@@ -15148,7 +8655,27 @@
   <p:timing>
     <p:tnLst>
       <p:par>
-        <p:cTn id="1" dur="indefinite" restart="never" nodeType="tmRoot"/>
+        <p:cTn id="1" dur="indefinite" restart="never" nodeType="tmRoot">
+          <p:childTnLst>
+            <p:seq>
+              <p:cTn id="2" nodeType="mainSeq"/>
+              <p:prevCondLst>
+                <p:cond evt="onPrev" delay="0">
+                  <p:tgtEl>
+                    <p:sldTgt/>
+                  </p:tgtEl>
+                </p:cond>
+              </p:prevCondLst>
+              <p:nextCondLst>
+                <p:cond evt="onNext" delay="0">
+                  <p:tgtEl>
+                    <p:sldTgt/>
+                  </p:tgtEl>
+                </p:cond>
+              </p:nextCondLst>
+            </p:seq>
+          </p:childTnLst>
+        </p:cTn>
       </p:par>
     </p:tnLst>
   </p:timing>
